--- a/Various/Webscraping/Garfield.pptx
+++ b/Various/Webscraping/Garfield.pptx
@@ -5,22 +5,23 @@
     <p:sldMasterId id="2147483673" r:id="rId1"/>
   </p:sldMasterIdLst>
   <p:notesMasterIdLst>
-    <p:notesMasterId r:id="rId15"/>
+    <p:notesMasterId r:id="rId16"/>
   </p:notesMasterIdLst>
   <p:sldIdLst>
     <p:sldId id="257" r:id="rId2"/>
     <p:sldId id="264" r:id="rId3"/>
     <p:sldId id="265" r:id="rId4"/>
     <p:sldId id="266" r:id="rId5"/>
-    <p:sldId id="262" r:id="rId6"/>
-    <p:sldId id="261" r:id="rId7"/>
-    <p:sldId id="263" r:id="rId8"/>
-    <p:sldId id="267" r:id="rId9"/>
-    <p:sldId id="268" r:id="rId10"/>
-    <p:sldId id="269" r:id="rId11"/>
-    <p:sldId id="270" r:id="rId12"/>
-    <p:sldId id="271" r:id="rId13"/>
-    <p:sldId id="272" r:id="rId14"/>
+    <p:sldId id="261" r:id="rId6"/>
+    <p:sldId id="263" r:id="rId7"/>
+    <p:sldId id="262" r:id="rId8"/>
+    <p:sldId id="273" r:id="rId9"/>
+    <p:sldId id="274" r:id="rId10"/>
+    <p:sldId id="267" r:id="rId11"/>
+    <p:sldId id="268" r:id="rId12"/>
+    <p:sldId id="269" r:id="rId13"/>
+    <p:sldId id="271" r:id="rId14"/>
+    <p:sldId id="272" r:id="rId15"/>
   </p:sldIdLst>
   <p:sldSz cx="12192000" cy="6858000"/>
   <p:notesSz cx="6858000" cy="9144000"/>
@@ -128,13 +129,14 @@
             <p14:sldId id="264"/>
             <p14:sldId id="265"/>
             <p14:sldId id="266"/>
-            <p14:sldId id="262"/>
             <p14:sldId id="261"/>
             <p14:sldId id="263"/>
+            <p14:sldId id="262"/>
+            <p14:sldId id="273"/>
+            <p14:sldId id="274"/>
             <p14:sldId id="267"/>
             <p14:sldId id="268"/>
             <p14:sldId id="269"/>
-            <p14:sldId id="270"/>
             <p14:sldId id="271"/>
             <p14:sldId id="272"/>
           </p14:sldIdLst>
@@ -161,7 +163,554 @@
 </file>
 
 <file path=ppt/revisionInfo.xml><?xml version="1.0" encoding="utf-8"?>
-<p1510:revInfo xmlns:a="http://schemas.openxmlformats.org/drawingml/2006/main" xmlns:r="http://schemas.openxmlformats.org/officeDocument/2006/relationships" xmlns:p1510="http://schemas.microsoft.com/office/powerpoint/2015/10/main"/>
+<p1510:revInfo xmlns:a="http://schemas.openxmlformats.org/drawingml/2006/main" xmlns:r="http://schemas.openxmlformats.org/officeDocument/2006/relationships" xmlns:p1510="http://schemas.microsoft.com/office/powerpoint/2015/10/main">
+  <p1510:revLst>
+    <p1510:client id="{52DF0C7A-C6B3-446D-94B6-182CAA7D8E1C}" v="2" dt="2021-01-14T16:11:50.759"/>
+  </p1510:revLst>
+</p1510:revInfo>
+</file>
+
+<file path=ppt/changesInfos/changesInfo1.xml><?xml version="1.0" encoding="utf-8"?>
+<pc:chgInfo xmlns:a="http://schemas.openxmlformats.org/drawingml/2006/main" xmlns:r="http://schemas.openxmlformats.org/officeDocument/2006/relationships" xmlns:ac="http://schemas.microsoft.com/office/drawing/2013/main/command" xmlns:pc="http://schemas.microsoft.com/office/powerpoint/2013/main/command">
+  <pc:docChgLst>
+    <pc:chgData name="Jochen Mariën" userId="a4f8d9ed-3895-4365-b2d5-9432cb8a20d4" providerId="ADAL" clId="{52DF0C7A-C6B3-446D-94B6-182CAA7D8E1C}"/>
+    <pc:docChg chg="undo custSel addSld delSld modSld addSection delSection modSection">
+      <pc:chgData name="Jochen Mariën" userId="a4f8d9ed-3895-4365-b2d5-9432cb8a20d4" providerId="ADAL" clId="{52DF0C7A-C6B3-446D-94B6-182CAA7D8E1C}" dt="2021-01-14T16:22:21.671" v="656" actId="1076"/>
+      <pc:docMkLst>
+        <pc:docMk/>
+      </pc:docMkLst>
+      <pc:sldChg chg="addSp delSp modSp mod">
+        <pc:chgData name="Jochen Mariën" userId="a4f8d9ed-3895-4365-b2d5-9432cb8a20d4" providerId="ADAL" clId="{52DF0C7A-C6B3-446D-94B6-182CAA7D8E1C}" dt="2021-01-14T16:05:38.775" v="246" actId="20577"/>
+        <pc:sldMkLst>
+          <pc:docMk/>
+          <pc:sldMk cId="3523808697" sldId="261"/>
+        </pc:sldMkLst>
+        <pc:spChg chg="mod">
+          <ac:chgData name="Jochen Mariën" userId="a4f8d9ed-3895-4365-b2d5-9432cb8a20d4" providerId="ADAL" clId="{52DF0C7A-C6B3-446D-94B6-182CAA7D8E1C}" dt="2021-01-14T16:05:38.775" v="246" actId="20577"/>
+          <ac:spMkLst>
+            <pc:docMk/>
+            <pc:sldMk cId="3523808697" sldId="261"/>
+            <ac:spMk id="2" creationId="{96E2994C-25EE-4393-A525-FD8CB7593878}"/>
+          </ac:spMkLst>
+        </pc:spChg>
+        <pc:picChg chg="add del">
+          <ac:chgData name="Jochen Mariën" userId="a4f8d9ed-3895-4365-b2d5-9432cb8a20d4" providerId="ADAL" clId="{52DF0C7A-C6B3-446D-94B6-182CAA7D8E1C}" dt="2021-01-14T15:47:55.882" v="4" actId="478"/>
+          <ac:picMkLst>
+            <pc:docMk/>
+            <pc:sldMk cId="3523808697" sldId="261"/>
+            <ac:picMk id="5" creationId="{7B8880D2-E1A7-43B5-B7BA-E9AA80761152}"/>
+          </ac:picMkLst>
+        </pc:picChg>
+        <pc:picChg chg="del">
+          <ac:chgData name="Jochen Mariën" userId="a4f8d9ed-3895-4365-b2d5-9432cb8a20d4" providerId="ADAL" clId="{52DF0C7A-C6B3-446D-94B6-182CAA7D8E1C}" dt="2021-01-14T15:47:35.194" v="2" actId="478"/>
+          <ac:picMkLst>
+            <pc:docMk/>
+            <pc:sldMk cId="3523808697" sldId="261"/>
+            <ac:picMk id="6" creationId="{3CA4CE5D-D068-4078-95F3-D256DE9D2BCF}"/>
+          </ac:picMkLst>
+        </pc:picChg>
+        <pc:picChg chg="add mod">
+          <ac:chgData name="Jochen Mariën" userId="a4f8d9ed-3895-4365-b2d5-9432cb8a20d4" providerId="ADAL" clId="{52DF0C7A-C6B3-446D-94B6-182CAA7D8E1C}" dt="2021-01-14T15:47:59.555" v="6" actId="1076"/>
+          <ac:picMkLst>
+            <pc:docMk/>
+            <pc:sldMk cId="3523808697" sldId="261"/>
+            <ac:picMk id="8" creationId="{01C22949-D9D3-44A6-9484-E09E3C521937}"/>
+          </ac:picMkLst>
+        </pc:picChg>
+      </pc:sldChg>
+      <pc:sldChg chg="modSp mod">
+        <pc:chgData name="Jochen Mariën" userId="a4f8d9ed-3895-4365-b2d5-9432cb8a20d4" providerId="ADAL" clId="{52DF0C7A-C6B3-446D-94B6-182CAA7D8E1C}" dt="2021-01-14T16:06:08.405" v="267" actId="20577"/>
+        <pc:sldMkLst>
+          <pc:docMk/>
+          <pc:sldMk cId="2305190369" sldId="262"/>
+        </pc:sldMkLst>
+        <pc:spChg chg="mod">
+          <ac:chgData name="Jochen Mariën" userId="a4f8d9ed-3895-4365-b2d5-9432cb8a20d4" providerId="ADAL" clId="{52DF0C7A-C6B3-446D-94B6-182CAA7D8E1C}" dt="2021-01-14T16:06:08.405" v="267" actId="20577"/>
+          <ac:spMkLst>
+            <pc:docMk/>
+            <pc:sldMk cId="2305190369" sldId="262"/>
+            <ac:spMk id="2" creationId="{6ADB3686-CF36-4EB0-A3C2-0CBA970C6A7A}"/>
+          </ac:spMkLst>
+        </pc:spChg>
+        <pc:spChg chg="mod">
+          <ac:chgData name="Jochen Mariën" userId="a4f8d9ed-3895-4365-b2d5-9432cb8a20d4" providerId="ADAL" clId="{52DF0C7A-C6B3-446D-94B6-182CAA7D8E1C}" dt="2021-01-14T15:51:06.837" v="15" actId="1076"/>
+          <ac:spMkLst>
+            <pc:docMk/>
+            <pc:sldMk cId="2305190369" sldId="262"/>
+            <ac:spMk id="4" creationId="{75C3F2B7-B5E0-4FAA-9320-A706CB772589}"/>
+          </ac:spMkLst>
+        </pc:spChg>
+        <pc:picChg chg="mod">
+          <ac:chgData name="Jochen Mariën" userId="a4f8d9ed-3895-4365-b2d5-9432cb8a20d4" providerId="ADAL" clId="{52DF0C7A-C6B3-446D-94B6-182CAA7D8E1C}" dt="2021-01-14T15:51:14.999" v="17" actId="1076"/>
+          <ac:picMkLst>
+            <pc:docMk/>
+            <pc:sldMk cId="2305190369" sldId="262"/>
+            <ac:picMk id="5" creationId="{611C9E7A-8D04-4B0E-ABA5-721212094BDE}"/>
+          </ac:picMkLst>
+        </pc:picChg>
+      </pc:sldChg>
+      <pc:sldChg chg="addSp modSp mod">
+        <pc:chgData name="Jochen Mariën" userId="a4f8d9ed-3895-4365-b2d5-9432cb8a20d4" providerId="ADAL" clId="{52DF0C7A-C6B3-446D-94B6-182CAA7D8E1C}" dt="2021-01-14T16:05:44.747" v="247"/>
+        <pc:sldMkLst>
+          <pc:docMk/>
+          <pc:sldMk cId="3345255371" sldId="263"/>
+        </pc:sldMkLst>
+        <pc:spChg chg="mod">
+          <ac:chgData name="Jochen Mariën" userId="a4f8d9ed-3895-4365-b2d5-9432cb8a20d4" providerId="ADAL" clId="{52DF0C7A-C6B3-446D-94B6-182CAA7D8E1C}" dt="2021-01-14T16:05:44.747" v="247"/>
+          <ac:spMkLst>
+            <pc:docMk/>
+            <pc:sldMk cId="3345255371" sldId="263"/>
+            <ac:spMk id="2" creationId="{6EE46D70-17AA-425A-8F4A-6DC66DF75F4D}"/>
+          </ac:spMkLst>
+        </pc:spChg>
+        <pc:spChg chg="mod">
+          <ac:chgData name="Jochen Mariën" userId="a4f8d9ed-3895-4365-b2d5-9432cb8a20d4" providerId="ADAL" clId="{52DF0C7A-C6B3-446D-94B6-182CAA7D8E1C}" dt="2021-01-14T16:05:26.779" v="216" actId="20577"/>
+          <ac:spMkLst>
+            <pc:docMk/>
+            <pc:sldMk cId="3345255371" sldId="263"/>
+            <ac:spMk id="3" creationId="{BBF1E884-35DC-4063-A6AA-B730EBA74FD3}"/>
+          </ac:spMkLst>
+        </pc:spChg>
+        <pc:spChg chg="mod">
+          <ac:chgData name="Jochen Mariën" userId="a4f8d9ed-3895-4365-b2d5-9432cb8a20d4" providerId="ADAL" clId="{52DF0C7A-C6B3-446D-94B6-182CAA7D8E1C}" dt="2021-01-14T16:04:53.544" v="192" actId="20577"/>
+          <ac:spMkLst>
+            <pc:docMk/>
+            <pc:sldMk cId="3345255371" sldId="263"/>
+            <ac:spMk id="4" creationId="{27B0329F-13D9-4D99-A14A-A343F9109730}"/>
+          </ac:spMkLst>
+        </pc:spChg>
+        <pc:spChg chg="add mod">
+          <ac:chgData name="Jochen Mariën" userId="a4f8d9ed-3895-4365-b2d5-9432cb8a20d4" providerId="ADAL" clId="{52DF0C7A-C6B3-446D-94B6-182CAA7D8E1C}" dt="2021-01-14T16:05:03.673" v="195" actId="1076"/>
+          <ac:spMkLst>
+            <pc:docMk/>
+            <pc:sldMk cId="3345255371" sldId="263"/>
+            <ac:spMk id="7" creationId="{40361B11-F009-4221-988B-E9E6249E2BD5}"/>
+          </ac:spMkLst>
+        </pc:spChg>
+        <pc:picChg chg="mod">
+          <ac:chgData name="Jochen Mariën" userId="a4f8d9ed-3895-4365-b2d5-9432cb8a20d4" providerId="ADAL" clId="{52DF0C7A-C6B3-446D-94B6-182CAA7D8E1C}" dt="2021-01-14T16:04:22.526" v="186" actId="1076"/>
+          <ac:picMkLst>
+            <pc:docMk/>
+            <pc:sldMk cId="3345255371" sldId="263"/>
+            <ac:picMk id="6" creationId="{20487240-39B4-440A-85A7-FD25C4E776C4}"/>
+          </ac:picMkLst>
+        </pc:picChg>
+        <pc:picChg chg="add mod">
+          <ac:chgData name="Jochen Mariën" userId="a4f8d9ed-3895-4365-b2d5-9432cb8a20d4" providerId="ADAL" clId="{52DF0C7A-C6B3-446D-94B6-182CAA7D8E1C}" dt="2021-01-14T16:05:20.243" v="201" actId="1076"/>
+          <ac:picMkLst>
+            <pc:docMk/>
+            <pc:sldMk cId="3345255371" sldId="263"/>
+            <ac:picMk id="9" creationId="{974C58CE-B142-43BE-931E-A777D4D11D0A}"/>
+          </ac:picMkLst>
+        </pc:picChg>
+      </pc:sldChg>
+      <pc:sldChg chg="modSp mod">
+        <pc:chgData name="Jochen Mariën" userId="a4f8d9ed-3895-4365-b2d5-9432cb8a20d4" providerId="ADAL" clId="{52DF0C7A-C6B3-446D-94B6-182CAA7D8E1C}" dt="2021-01-14T15:30:12.016" v="0"/>
+        <pc:sldMkLst>
+          <pc:docMk/>
+          <pc:sldMk cId="2271092750" sldId="264"/>
+        </pc:sldMkLst>
+        <pc:spChg chg="mod">
+          <ac:chgData name="Jochen Mariën" userId="a4f8d9ed-3895-4365-b2d5-9432cb8a20d4" providerId="ADAL" clId="{52DF0C7A-C6B3-446D-94B6-182CAA7D8E1C}" dt="2021-01-14T15:30:12.016" v="0"/>
+          <ac:spMkLst>
+            <pc:docMk/>
+            <pc:sldMk cId="2271092750" sldId="264"/>
+            <ac:spMk id="4" creationId="{CA88287B-B202-4449-86EC-C248806FABA3}"/>
+          </ac:spMkLst>
+        </pc:spChg>
+      </pc:sldChg>
+      <pc:sldChg chg="modSp mod">
+        <pc:chgData name="Jochen Mariën" userId="a4f8d9ed-3895-4365-b2d5-9432cb8a20d4" providerId="ADAL" clId="{52DF0C7A-C6B3-446D-94B6-182CAA7D8E1C}" dt="2021-01-14T15:44:29.452" v="1"/>
+        <pc:sldMkLst>
+          <pc:docMk/>
+          <pc:sldMk cId="36816366" sldId="266"/>
+        </pc:sldMkLst>
+        <pc:spChg chg="mod">
+          <ac:chgData name="Jochen Mariën" userId="a4f8d9ed-3895-4365-b2d5-9432cb8a20d4" providerId="ADAL" clId="{52DF0C7A-C6B3-446D-94B6-182CAA7D8E1C}" dt="2021-01-14T15:44:29.452" v="1"/>
+          <ac:spMkLst>
+            <pc:docMk/>
+            <pc:sldMk cId="36816366" sldId="266"/>
+            <ac:spMk id="2" creationId="{61BF7EFD-77F5-4500-B012-4926EBE12B19}"/>
+          </ac:spMkLst>
+        </pc:spChg>
+      </pc:sldChg>
+      <pc:sldChg chg="addSp delSp modSp mod">
+        <pc:chgData name="Jochen Mariën" userId="a4f8d9ed-3895-4365-b2d5-9432cb8a20d4" providerId="ADAL" clId="{52DF0C7A-C6B3-446D-94B6-182CAA7D8E1C}" dt="2021-01-14T16:10:15.155" v="427" actId="1076"/>
+        <pc:sldMkLst>
+          <pc:docMk/>
+          <pc:sldMk cId="211508190" sldId="268"/>
+        </pc:sldMkLst>
+        <pc:picChg chg="del">
+          <ac:chgData name="Jochen Mariën" userId="a4f8d9ed-3895-4365-b2d5-9432cb8a20d4" providerId="ADAL" clId="{52DF0C7A-C6B3-446D-94B6-182CAA7D8E1C}" dt="2021-01-14T16:10:07.254" v="422" actId="478"/>
+          <ac:picMkLst>
+            <pc:docMk/>
+            <pc:sldMk cId="211508190" sldId="268"/>
+            <ac:picMk id="5" creationId="{B24E83A7-D40D-49AB-9235-533291C95339}"/>
+          </ac:picMkLst>
+        </pc:picChg>
+        <pc:picChg chg="add mod">
+          <ac:chgData name="Jochen Mariën" userId="a4f8d9ed-3895-4365-b2d5-9432cb8a20d4" providerId="ADAL" clId="{52DF0C7A-C6B3-446D-94B6-182CAA7D8E1C}" dt="2021-01-14T16:10:15.155" v="427" actId="1076"/>
+          <ac:picMkLst>
+            <pc:docMk/>
+            <pc:sldMk cId="211508190" sldId="268"/>
+            <ac:picMk id="7" creationId="{BA476A9F-1CF5-4825-ABC6-9A0F61CF6E12}"/>
+          </ac:picMkLst>
+        </pc:picChg>
+      </pc:sldChg>
+      <pc:sldChg chg="addSp delSp modSp mod">
+        <pc:chgData name="Jochen Mariën" userId="a4f8d9ed-3895-4365-b2d5-9432cb8a20d4" providerId="ADAL" clId="{52DF0C7A-C6B3-446D-94B6-182CAA7D8E1C}" dt="2021-01-14T16:14:13.476" v="456" actId="1076"/>
+        <pc:sldMkLst>
+          <pc:docMk/>
+          <pc:sldMk cId="1888474568" sldId="269"/>
+        </pc:sldMkLst>
+        <pc:spChg chg="mod">
+          <ac:chgData name="Jochen Mariën" userId="a4f8d9ed-3895-4365-b2d5-9432cb8a20d4" providerId="ADAL" clId="{52DF0C7A-C6B3-446D-94B6-182CAA7D8E1C}" dt="2021-01-14T16:10:21.491" v="429" actId="20577"/>
+          <ac:spMkLst>
+            <pc:docMk/>
+            <pc:sldMk cId="1888474568" sldId="269"/>
+            <ac:spMk id="2" creationId="{81424CE2-4DCB-42C3-853F-6AB749765CB2}"/>
+          </ac:spMkLst>
+        </pc:spChg>
+        <pc:spChg chg="mod">
+          <ac:chgData name="Jochen Mariën" userId="a4f8d9ed-3895-4365-b2d5-9432cb8a20d4" providerId="ADAL" clId="{52DF0C7A-C6B3-446D-94B6-182CAA7D8E1C}" dt="2021-01-14T16:13:24.150" v="452" actId="15"/>
+          <ac:spMkLst>
+            <pc:docMk/>
+            <pc:sldMk cId="1888474568" sldId="269"/>
+            <ac:spMk id="3" creationId="{5CBF8E7E-95AB-4746-8601-BD9049AE0F01}"/>
+          </ac:spMkLst>
+        </pc:spChg>
+        <pc:spChg chg="del">
+          <ac:chgData name="Jochen Mariën" userId="a4f8d9ed-3895-4365-b2d5-9432cb8a20d4" providerId="ADAL" clId="{52DF0C7A-C6B3-446D-94B6-182CAA7D8E1C}" dt="2021-01-14T16:10:44.328" v="438" actId="478"/>
+          <ac:spMkLst>
+            <pc:docMk/>
+            <pc:sldMk cId="1888474568" sldId="269"/>
+            <ac:spMk id="5" creationId="{624D1DC2-86B9-4C67-98C0-C2536E32F99E}"/>
+          </ac:spMkLst>
+        </pc:spChg>
+        <pc:spChg chg="del">
+          <ac:chgData name="Jochen Mariën" userId="a4f8d9ed-3895-4365-b2d5-9432cb8a20d4" providerId="ADAL" clId="{52DF0C7A-C6B3-446D-94B6-182CAA7D8E1C}" dt="2021-01-14T16:11:47.078" v="442" actId="478"/>
+          <ac:spMkLst>
+            <pc:docMk/>
+            <pc:sldMk cId="1888474568" sldId="269"/>
+            <ac:spMk id="7" creationId="{0705BB0A-759D-410B-BCC5-279331EB628B}"/>
+          </ac:spMkLst>
+        </pc:spChg>
+        <pc:spChg chg="add mod">
+          <ac:chgData name="Jochen Mariën" userId="a4f8d9ed-3895-4365-b2d5-9432cb8a20d4" providerId="ADAL" clId="{52DF0C7A-C6B3-446D-94B6-182CAA7D8E1C}" dt="2021-01-14T16:12:09.992" v="450" actId="1076"/>
+          <ac:spMkLst>
+            <pc:docMk/>
+            <pc:sldMk cId="1888474568" sldId="269"/>
+            <ac:spMk id="8" creationId="{CA57A03A-D66F-4EA1-8C9E-BBBFED6205A5}"/>
+          </ac:spMkLst>
+        </pc:spChg>
+        <pc:picChg chg="add del mod">
+          <ac:chgData name="Jochen Mariën" userId="a4f8d9ed-3895-4365-b2d5-9432cb8a20d4" providerId="ADAL" clId="{52DF0C7A-C6B3-446D-94B6-182CAA7D8E1C}" dt="2021-01-14T16:14:09.675" v="454" actId="478"/>
+          <ac:picMkLst>
+            <pc:docMk/>
+            <pc:sldMk cId="1888474568" sldId="269"/>
+            <ac:picMk id="9" creationId="{783AFC4F-32EA-4AA7-A943-CE02743CAC90}"/>
+          </ac:picMkLst>
+        </pc:picChg>
+        <pc:picChg chg="add mod">
+          <ac:chgData name="Jochen Mariën" userId="a4f8d9ed-3895-4365-b2d5-9432cb8a20d4" providerId="ADAL" clId="{52DF0C7A-C6B3-446D-94B6-182CAA7D8E1C}" dt="2021-01-14T16:14:13.476" v="456" actId="1076"/>
+          <ac:picMkLst>
+            <pc:docMk/>
+            <pc:sldMk cId="1888474568" sldId="269"/>
+            <ac:picMk id="11" creationId="{34C2D041-FE0D-493C-B00C-25C9090FE885}"/>
+          </ac:picMkLst>
+        </pc:picChg>
+      </pc:sldChg>
+      <pc:sldChg chg="del">
+        <pc:chgData name="Jochen Mariën" userId="a4f8d9ed-3895-4365-b2d5-9432cb8a20d4" providerId="ADAL" clId="{52DF0C7A-C6B3-446D-94B6-182CAA7D8E1C}" dt="2021-01-14T16:14:16.386" v="457" actId="47"/>
+        <pc:sldMkLst>
+          <pc:docMk/>
+          <pc:sldMk cId="3660179869" sldId="270"/>
+        </pc:sldMkLst>
+      </pc:sldChg>
+      <pc:sldChg chg="modSp mod">
+        <pc:chgData name="Jochen Mariën" userId="a4f8d9ed-3895-4365-b2d5-9432cb8a20d4" providerId="ADAL" clId="{52DF0C7A-C6B3-446D-94B6-182CAA7D8E1C}" dt="2021-01-14T16:21:28.602" v="651" actId="27636"/>
+        <pc:sldMkLst>
+          <pc:docMk/>
+          <pc:sldMk cId="2744950951" sldId="271"/>
+        </pc:sldMkLst>
+        <pc:spChg chg="mod">
+          <ac:chgData name="Jochen Mariën" userId="a4f8d9ed-3895-4365-b2d5-9432cb8a20d4" providerId="ADAL" clId="{52DF0C7A-C6B3-446D-94B6-182CAA7D8E1C}" dt="2021-01-14T16:19:53.712" v="472" actId="20577"/>
+          <ac:spMkLst>
+            <pc:docMk/>
+            <pc:sldMk cId="2744950951" sldId="271"/>
+            <ac:spMk id="2" creationId="{94DBD225-AD73-4B2D-ACCD-3FE4458B697E}"/>
+          </ac:spMkLst>
+        </pc:spChg>
+        <pc:spChg chg="mod">
+          <ac:chgData name="Jochen Mariën" userId="a4f8d9ed-3895-4365-b2d5-9432cb8a20d4" providerId="ADAL" clId="{52DF0C7A-C6B3-446D-94B6-182CAA7D8E1C}" dt="2021-01-14T16:21:28.602" v="651" actId="27636"/>
+          <ac:spMkLst>
+            <pc:docMk/>
+            <pc:sldMk cId="2744950951" sldId="271"/>
+            <ac:spMk id="3" creationId="{C47A64B0-CF91-4BC1-BF41-F24FE89D40D9}"/>
+          </ac:spMkLst>
+        </pc:spChg>
+      </pc:sldChg>
+      <pc:sldChg chg="addSp delSp modSp mod">
+        <pc:chgData name="Jochen Mariën" userId="a4f8d9ed-3895-4365-b2d5-9432cb8a20d4" providerId="ADAL" clId="{52DF0C7A-C6B3-446D-94B6-182CAA7D8E1C}" dt="2021-01-14T16:22:21.671" v="656" actId="1076"/>
+        <pc:sldMkLst>
+          <pc:docMk/>
+          <pc:sldMk cId="2916799298" sldId="272"/>
+        </pc:sldMkLst>
+        <pc:picChg chg="del">
+          <ac:chgData name="Jochen Mariën" userId="a4f8d9ed-3895-4365-b2d5-9432cb8a20d4" providerId="ADAL" clId="{52DF0C7A-C6B3-446D-94B6-182CAA7D8E1C}" dt="2021-01-14T16:22:12.135" v="652" actId="478"/>
+          <ac:picMkLst>
+            <pc:docMk/>
+            <pc:sldMk cId="2916799298" sldId="272"/>
+            <ac:picMk id="4" creationId="{AD335426-4454-491D-982D-922F4E04E738}"/>
+          </ac:picMkLst>
+        </pc:picChg>
+        <pc:picChg chg="add mod">
+          <ac:chgData name="Jochen Mariën" userId="a4f8d9ed-3895-4365-b2d5-9432cb8a20d4" providerId="ADAL" clId="{52DF0C7A-C6B3-446D-94B6-182CAA7D8E1C}" dt="2021-01-14T16:22:21.671" v="656" actId="1076"/>
+          <ac:picMkLst>
+            <pc:docMk/>
+            <pc:sldMk cId="2916799298" sldId="272"/>
+            <ac:picMk id="5" creationId="{0DCD7961-9FAF-400E-964B-33171FD90FB7}"/>
+          </ac:picMkLst>
+        </pc:picChg>
+      </pc:sldChg>
+      <pc:sldChg chg="addSp modSp new mod">
+        <pc:chgData name="Jochen Mariën" userId="a4f8d9ed-3895-4365-b2d5-9432cb8a20d4" providerId="ADAL" clId="{52DF0C7A-C6B3-446D-94B6-182CAA7D8E1C}" dt="2021-01-14T16:06:16.759" v="268"/>
+        <pc:sldMkLst>
+          <pc:docMk/>
+          <pc:sldMk cId="3573039692" sldId="273"/>
+        </pc:sldMkLst>
+        <pc:spChg chg="mod">
+          <ac:chgData name="Jochen Mariën" userId="a4f8d9ed-3895-4365-b2d5-9432cb8a20d4" providerId="ADAL" clId="{52DF0C7A-C6B3-446D-94B6-182CAA7D8E1C}" dt="2021-01-14T16:06:16.759" v="268"/>
+          <ac:spMkLst>
+            <pc:docMk/>
+            <pc:sldMk cId="3573039692" sldId="273"/>
+            <ac:spMk id="2" creationId="{51DE8DCE-0BEC-4F2F-88F9-77EE9BFBA4AB}"/>
+          </ac:spMkLst>
+        </pc:spChg>
+        <pc:spChg chg="mod">
+          <ac:chgData name="Jochen Mariën" userId="a4f8d9ed-3895-4365-b2d5-9432cb8a20d4" providerId="ADAL" clId="{52DF0C7A-C6B3-446D-94B6-182CAA7D8E1C}" dt="2021-01-14T15:54:26.517" v="160" actId="20577"/>
+          <ac:spMkLst>
+            <pc:docMk/>
+            <pc:sldMk cId="3573039692" sldId="273"/>
+            <ac:spMk id="3" creationId="{7F81AB4A-B357-4C70-A20D-9D311253B16F}"/>
+          </ac:spMkLst>
+        </pc:spChg>
+        <pc:picChg chg="add mod">
+          <ac:chgData name="Jochen Mariën" userId="a4f8d9ed-3895-4365-b2d5-9432cb8a20d4" providerId="ADAL" clId="{52DF0C7A-C6B3-446D-94B6-182CAA7D8E1C}" dt="2021-01-14T15:53:26.269" v="76" actId="1076"/>
+          <ac:picMkLst>
+            <pc:docMk/>
+            <pc:sldMk cId="3573039692" sldId="273"/>
+            <ac:picMk id="5" creationId="{49C36984-DC5D-45A6-8497-8864B0DA9B00}"/>
+          </ac:picMkLst>
+        </pc:picChg>
+        <pc:picChg chg="add mod">
+          <ac:chgData name="Jochen Mariën" userId="a4f8d9ed-3895-4365-b2d5-9432cb8a20d4" providerId="ADAL" clId="{52DF0C7A-C6B3-446D-94B6-182CAA7D8E1C}" dt="2021-01-14T15:54:22.476" v="150" actId="14100"/>
+          <ac:picMkLst>
+            <pc:docMk/>
+            <pc:sldMk cId="3573039692" sldId="273"/>
+            <ac:picMk id="7" creationId="{3C4DEC62-2841-4BB7-B65C-1B40B97A4F04}"/>
+          </ac:picMkLst>
+        </pc:picChg>
+      </pc:sldChg>
+      <pc:sldChg chg="addSp delSp modSp new mod">
+        <pc:chgData name="Jochen Mariën" userId="a4f8d9ed-3895-4365-b2d5-9432cb8a20d4" providerId="ADAL" clId="{52DF0C7A-C6B3-446D-94B6-182CAA7D8E1C}" dt="2021-01-14T16:09:11.683" v="421" actId="5793"/>
+        <pc:sldMkLst>
+          <pc:docMk/>
+          <pc:sldMk cId="2779185593" sldId="274"/>
+        </pc:sldMkLst>
+        <pc:spChg chg="mod">
+          <ac:chgData name="Jochen Mariën" userId="a4f8d9ed-3895-4365-b2d5-9432cb8a20d4" providerId="ADAL" clId="{52DF0C7A-C6B3-446D-94B6-182CAA7D8E1C}" dt="2021-01-14T16:06:25.546" v="287" actId="5793"/>
+          <ac:spMkLst>
+            <pc:docMk/>
+            <pc:sldMk cId="2779185593" sldId="274"/>
+            <ac:spMk id="2" creationId="{9C49A7CF-B3A9-4CA1-9571-2061B90ECA11}"/>
+          </ac:spMkLst>
+        </pc:spChg>
+        <pc:spChg chg="mod">
+          <ac:chgData name="Jochen Mariën" userId="a4f8d9ed-3895-4365-b2d5-9432cb8a20d4" providerId="ADAL" clId="{52DF0C7A-C6B3-446D-94B6-182CAA7D8E1C}" dt="2021-01-14T16:09:11.683" v="421" actId="5793"/>
+          <ac:spMkLst>
+            <pc:docMk/>
+            <pc:sldMk cId="2779185593" sldId="274"/>
+            <ac:spMk id="3" creationId="{DB6D966F-0FDC-454D-9A99-0F8844A87056}"/>
+          </ac:spMkLst>
+        </pc:spChg>
+        <pc:spChg chg="add del mod">
+          <ac:chgData name="Jochen Mariën" userId="a4f8d9ed-3895-4365-b2d5-9432cb8a20d4" providerId="ADAL" clId="{52DF0C7A-C6B3-446D-94B6-182CAA7D8E1C}" dt="2021-01-14T16:08:45.188" v="363" actId="478"/>
+          <ac:spMkLst>
+            <pc:docMk/>
+            <pc:sldMk cId="2779185593" sldId="274"/>
+            <ac:spMk id="5" creationId="{58DEC2C7-F76D-4C14-A309-21C221D86C7E}"/>
+          </ac:spMkLst>
+        </pc:spChg>
+        <pc:spChg chg="add del">
+          <ac:chgData name="Jochen Mariën" userId="a4f8d9ed-3895-4365-b2d5-9432cb8a20d4" providerId="ADAL" clId="{52DF0C7A-C6B3-446D-94B6-182CAA7D8E1C}" dt="2021-01-14T16:08:37.764" v="360" actId="22"/>
+          <ac:spMkLst>
+            <pc:docMk/>
+            <pc:sldMk cId="2779185593" sldId="274"/>
+            <ac:spMk id="7" creationId="{BEE16D6C-2F29-4866-8C75-3F4B8C7E5FEB}"/>
+          </ac:spMkLst>
+        </pc:spChg>
+        <pc:spChg chg="add mod">
+          <ac:chgData name="Jochen Mariën" userId="a4f8d9ed-3895-4365-b2d5-9432cb8a20d4" providerId="ADAL" clId="{52DF0C7A-C6B3-446D-94B6-182CAA7D8E1C}" dt="2021-01-14T16:08:54.016" v="366" actId="1076"/>
+          <ac:spMkLst>
+            <pc:docMk/>
+            <pc:sldMk cId="2779185593" sldId="274"/>
+            <ac:spMk id="9" creationId="{8BA2D617-09BC-4062-A60C-BE10DE2EBD04}"/>
+          </ac:spMkLst>
+        </pc:spChg>
+      </pc:sldChg>
+    </pc:docChg>
+  </pc:docChgLst>
+  <pc:docChgLst>
+    <pc:chgData name="Jochen Mariën" userId="a4f8d9ed-3895-4365-b2d5-9432cb8a20d4" providerId="ADAL" clId="{B0A0B288-0EBA-4BFD-B8E9-B69A9161604A}"/>
+    <pc:docChg chg="undo custSel modSld sldOrd">
+      <pc:chgData name="Jochen Mariën" userId="a4f8d9ed-3895-4365-b2d5-9432cb8a20d4" providerId="ADAL" clId="{B0A0B288-0EBA-4BFD-B8E9-B69A9161604A}" dt="2020-10-15T10:59:36.382" v="112" actId="20577"/>
+      <pc:docMkLst>
+        <pc:docMk/>
+      </pc:docMkLst>
+      <pc:sldChg chg="addSp delSp modSp mod ord">
+        <pc:chgData name="Jochen Mariën" userId="a4f8d9ed-3895-4365-b2d5-9432cb8a20d4" providerId="ADAL" clId="{B0A0B288-0EBA-4BFD-B8E9-B69A9161604A}" dt="2020-10-15T10:59:29.050" v="108" actId="20577"/>
+        <pc:sldMkLst>
+          <pc:docMk/>
+          <pc:sldMk cId="3523808697" sldId="261"/>
+        </pc:sldMkLst>
+        <pc:spChg chg="mod">
+          <ac:chgData name="Jochen Mariën" userId="a4f8d9ed-3895-4365-b2d5-9432cb8a20d4" providerId="ADAL" clId="{B0A0B288-0EBA-4BFD-B8E9-B69A9161604A}" dt="2020-10-15T10:59:29.050" v="108" actId="20577"/>
+          <ac:spMkLst>
+            <pc:docMk/>
+            <pc:sldMk cId="3523808697" sldId="261"/>
+            <ac:spMk id="2" creationId="{96E2994C-25EE-4393-A525-FD8CB7593878}"/>
+          </ac:spMkLst>
+        </pc:spChg>
+        <pc:spChg chg="mod">
+          <ac:chgData name="Jochen Mariën" userId="a4f8d9ed-3895-4365-b2d5-9432cb8a20d4" providerId="ADAL" clId="{B0A0B288-0EBA-4BFD-B8E9-B69A9161604A}" dt="2020-10-15T10:55:50.739" v="29" actId="27636"/>
+          <ac:spMkLst>
+            <pc:docMk/>
+            <pc:sldMk cId="3523808697" sldId="261"/>
+            <ac:spMk id="3" creationId="{41AA7200-B272-475D-BEBA-177947EDFEA1}"/>
+          </ac:spMkLst>
+        </pc:spChg>
+        <pc:graphicFrameChg chg="add del mod">
+          <ac:chgData name="Jochen Mariën" userId="a4f8d9ed-3895-4365-b2d5-9432cb8a20d4" providerId="ADAL" clId="{B0A0B288-0EBA-4BFD-B8E9-B69A9161604A}" dt="2020-10-15T10:53:07.808" v="8"/>
+          <ac:graphicFrameMkLst>
+            <pc:docMk/>
+            <pc:sldMk cId="3523808697" sldId="261"/>
+            <ac:graphicFrameMk id="5" creationId="{585C916C-E907-484D-B70B-EEC61E663CF7}"/>
+          </ac:graphicFrameMkLst>
+        </pc:graphicFrameChg>
+        <pc:picChg chg="del">
+          <ac:chgData name="Jochen Mariën" userId="a4f8d9ed-3895-4365-b2d5-9432cb8a20d4" providerId="ADAL" clId="{B0A0B288-0EBA-4BFD-B8E9-B69A9161604A}" dt="2020-10-15T10:53:05.101" v="6" actId="478"/>
+          <ac:picMkLst>
+            <pc:docMk/>
+            <pc:sldMk cId="3523808697" sldId="261"/>
+            <ac:picMk id="4" creationId="{9CD719F1-4198-4FE2-9A7B-5FE60F619100}"/>
+          </ac:picMkLst>
+        </pc:picChg>
+        <pc:picChg chg="add mod">
+          <ac:chgData name="Jochen Mariën" userId="a4f8d9ed-3895-4365-b2d5-9432cb8a20d4" providerId="ADAL" clId="{B0A0B288-0EBA-4BFD-B8E9-B69A9161604A}" dt="2020-10-15T10:53:44.732" v="10" actId="1076"/>
+          <ac:picMkLst>
+            <pc:docMk/>
+            <pc:sldMk cId="3523808697" sldId="261"/>
+            <ac:picMk id="6" creationId="{3CA4CE5D-D068-4078-95F3-D256DE9D2BCF}"/>
+          </ac:picMkLst>
+        </pc:picChg>
+      </pc:sldChg>
+      <pc:sldChg chg="modSp mod ord">
+        <pc:chgData name="Jochen Mariën" userId="a4f8d9ed-3895-4365-b2d5-9432cb8a20d4" providerId="ADAL" clId="{B0A0B288-0EBA-4BFD-B8E9-B69A9161604A}" dt="2020-10-15T10:59:36.382" v="112" actId="20577"/>
+        <pc:sldMkLst>
+          <pc:docMk/>
+          <pc:sldMk cId="2305190369" sldId="262"/>
+        </pc:sldMkLst>
+        <pc:spChg chg="mod">
+          <ac:chgData name="Jochen Mariën" userId="a4f8d9ed-3895-4365-b2d5-9432cb8a20d4" providerId="ADAL" clId="{B0A0B288-0EBA-4BFD-B8E9-B69A9161604A}" dt="2020-10-15T10:59:36.382" v="112" actId="20577"/>
+          <ac:spMkLst>
+            <pc:docMk/>
+            <pc:sldMk cId="2305190369" sldId="262"/>
+            <ac:spMk id="2" creationId="{6ADB3686-CF36-4EB0-A3C2-0CBA970C6A7A}"/>
+          </ac:spMkLst>
+        </pc:spChg>
+        <pc:spChg chg="mod">
+          <ac:chgData name="Jochen Mariën" userId="a4f8d9ed-3895-4365-b2d5-9432cb8a20d4" providerId="ADAL" clId="{B0A0B288-0EBA-4BFD-B8E9-B69A9161604A}" dt="2020-10-15T10:50:55.980" v="3" actId="20577"/>
+          <ac:spMkLst>
+            <pc:docMk/>
+            <pc:sldMk cId="2305190369" sldId="262"/>
+            <ac:spMk id="3" creationId="{415E65A6-AC39-4EBD-942D-908C383EA3F0}"/>
+          </ac:spMkLst>
+        </pc:spChg>
+        <pc:spChg chg="mod">
+          <ac:chgData name="Jochen Mariën" userId="a4f8d9ed-3895-4365-b2d5-9432cb8a20d4" providerId="ADAL" clId="{B0A0B288-0EBA-4BFD-B8E9-B69A9161604A}" dt="2020-10-15T10:51:05.080" v="5"/>
+          <ac:spMkLst>
+            <pc:docMk/>
+            <pc:sldMk cId="2305190369" sldId="262"/>
+            <ac:spMk id="4" creationId="{75C3F2B7-B5E0-4FAA-9320-A706CB772589}"/>
+          </ac:spMkLst>
+        </pc:spChg>
+      </pc:sldChg>
+      <pc:sldChg chg="addSp delSp modSp mod ord">
+        <pc:chgData name="Jochen Mariën" userId="a4f8d9ed-3895-4365-b2d5-9432cb8a20d4" providerId="ADAL" clId="{B0A0B288-0EBA-4BFD-B8E9-B69A9161604A}" dt="2020-10-15T10:59:33.471" v="110" actId="20577"/>
+        <pc:sldMkLst>
+          <pc:docMk/>
+          <pc:sldMk cId="3345255371" sldId="263"/>
+        </pc:sldMkLst>
+        <pc:spChg chg="mod">
+          <ac:chgData name="Jochen Mariën" userId="a4f8d9ed-3895-4365-b2d5-9432cb8a20d4" providerId="ADAL" clId="{B0A0B288-0EBA-4BFD-B8E9-B69A9161604A}" dt="2020-10-15T10:59:33.471" v="110" actId="20577"/>
+          <ac:spMkLst>
+            <pc:docMk/>
+            <pc:sldMk cId="3345255371" sldId="263"/>
+            <ac:spMk id="2" creationId="{6EE46D70-17AA-425A-8F4A-6DC66DF75F4D}"/>
+          </ac:spMkLst>
+        </pc:spChg>
+        <pc:spChg chg="mod">
+          <ac:chgData name="Jochen Mariën" userId="a4f8d9ed-3895-4365-b2d5-9432cb8a20d4" providerId="ADAL" clId="{B0A0B288-0EBA-4BFD-B8E9-B69A9161604A}" dt="2020-10-15T10:59:25.778" v="106" actId="5793"/>
+          <ac:spMkLst>
+            <pc:docMk/>
+            <pc:sldMk cId="3345255371" sldId="263"/>
+            <ac:spMk id="3" creationId="{BBF1E884-35DC-4063-A6AA-B730EBA74FD3}"/>
+          </ac:spMkLst>
+        </pc:spChg>
+        <pc:spChg chg="mod">
+          <ac:chgData name="Jochen Mariën" userId="a4f8d9ed-3895-4365-b2d5-9432cb8a20d4" providerId="ADAL" clId="{B0A0B288-0EBA-4BFD-B8E9-B69A9161604A}" dt="2020-10-15T10:58:44.022" v="34" actId="14100"/>
+          <ac:spMkLst>
+            <pc:docMk/>
+            <pc:sldMk cId="3345255371" sldId="263"/>
+            <ac:spMk id="4" creationId="{27B0329F-13D9-4D99-A14A-A343F9109730}"/>
+          </ac:spMkLst>
+        </pc:spChg>
+        <pc:picChg chg="del">
+          <ac:chgData name="Jochen Mariën" userId="a4f8d9ed-3895-4365-b2d5-9432cb8a20d4" providerId="ADAL" clId="{B0A0B288-0EBA-4BFD-B8E9-B69A9161604A}" dt="2020-10-15T10:59:04.005" v="35" actId="478"/>
+          <ac:picMkLst>
+            <pc:docMk/>
+            <pc:sldMk cId="3345255371" sldId="263"/>
+            <ac:picMk id="5" creationId="{387EBC29-0C48-47B8-A262-5CA331F1365A}"/>
+          </ac:picMkLst>
+        </pc:picChg>
+        <pc:picChg chg="add mod">
+          <ac:chgData name="Jochen Mariën" userId="a4f8d9ed-3895-4365-b2d5-9432cb8a20d4" providerId="ADAL" clId="{B0A0B288-0EBA-4BFD-B8E9-B69A9161604A}" dt="2020-10-15T10:59:07.573" v="37" actId="1076"/>
+          <ac:picMkLst>
+            <pc:docMk/>
+            <pc:sldMk cId="3345255371" sldId="263"/>
+            <ac:picMk id="6" creationId="{20487240-39B4-440A-85A7-FD25C4E776C4}"/>
+          </ac:picMkLst>
+        </pc:picChg>
+      </pc:sldChg>
+      <pc:sldChg chg="modSp mod">
+        <pc:chgData name="Jochen Mariën" userId="a4f8d9ed-3895-4365-b2d5-9432cb8a20d4" providerId="ADAL" clId="{B0A0B288-0EBA-4BFD-B8E9-B69A9161604A}" dt="2020-10-15T10:50:44.399" v="1" actId="20577"/>
+        <pc:sldMkLst>
+          <pc:docMk/>
+          <pc:sldMk cId="218171005" sldId="265"/>
+        </pc:sldMkLst>
+        <pc:spChg chg="mod">
+          <ac:chgData name="Jochen Mariën" userId="a4f8d9ed-3895-4365-b2d5-9432cb8a20d4" providerId="ADAL" clId="{B0A0B288-0EBA-4BFD-B8E9-B69A9161604A}" dt="2020-10-15T10:50:44.399" v="1" actId="20577"/>
+          <ac:spMkLst>
+            <pc:docMk/>
+            <pc:sldMk cId="218171005" sldId="265"/>
+            <ac:spMk id="2" creationId="{4D6A7757-1A4E-4BB1-BEF6-8C41C4711835}"/>
+          </ac:spMkLst>
+        </pc:spChg>
+      </pc:sldChg>
+    </pc:docChg>
+  </pc:docChgLst>
+</pc:chgInfo>
 </file>
 
 <file path=ppt/notesMasters/notesMaster1.xml><?xml version="1.0" encoding="utf-8"?>
@@ -246,7 +795,7 @@
           <a:p>
             <a:fld id="{D44263F0-A5A9-41B6-B682-E0E7AF475E79}" type="datetimeFigureOut">
               <a:rPr lang="nl-BE" smtClean="0"/>
-              <a:t>25/10/2017</a:t>
+              <a:t>14/01/2021</a:t>
             </a:fld>
             <a:endParaRPr lang="nl-BE"/>
           </a:p>
@@ -742,7 +1291,7 @@
           <a:p>
             <a:fld id="{F47C08B3-015B-44BE-B397-EC898F227802}" type="datetimeFigureOut">
               <a:rPr lang="nl-BE" smtClean="0"/>
-              <a:t>25/10/2017</a:t>
+              <a:t>14/01/2021</a:t>
             </a:fld>
             <a:endParaRPr lang="nl-BE"/>
           </a:p>
@@ -912,7 +1461,7 @@
           <a:p>
             <a:fld id="{F47C08B3-015B-44BE-B397-EC898F227802}" type="datetimeFigureOut">
               <a:rPr lang="nl-BE" smtClean="0"/>
-              <a:t>25/10/2017</a:t>
+              <a:t>14/01/2021</a:t>
             </a:fld>
             <a:endParaRPr lang="nl-BE"/>
           </a:p>
@@ -1092,7 +1641,7 @@
           <a:p>
             <a:fld id="{F47C08B3-015B-44BE-B397-EC898F227802}" type="datetimeFigureOut">
               <a:rPr lang="nl-BE" smtClean="0"/>
-              <a:t>25/10/2017</a:t>
+              <a:t>14/01/2021</a:t>
             </a:fld>
             <a:endParaRPr lang="nl-BE"/>
           </a:p>
@@ -1606,7 +2155,7 @@
           <a:p>
             <a:fld id="{F47C08B3-015B-44BE-B397-EC898F227802}" type="datetimeFigureOut">
               <a:rPr lang="nl-BE" smtClean="0"/>
-              <a:t>25/10/2017</a:t>
+              <a:t>14/01/2021</a:t>
             </a:fld>
             <a:endParaRPr lang="nl-BE"/>
           </a:p>
@@ -1852,7 +2401,7 @@
           <a:p>
             <a:fld id="{F47C08B3-015B-44BE-B397-EC898F227802}" type="datetimeFigureOut">
               <a:rPr lang="nl-BE" smtClean="0"/>
-              <a:t>25/10/2017</a:t>
+              <a:t>14/01/2021</a:t>
             </a:fld>
             <a:endParaRPr lang="nl-BE"/>
           </a:p>
@@ -2084,7 +2633,7 @@
           <a:p>
             <a:fld id="{F47C08B3-015B-44BE-B397-EC898F227802}" type="datetimeFigureOut">
               <a:rPr lang="nl-BE" smtClean="0"/>
-              <a:t>25/10/2017</a:t>
+              <a:t>14/01/2021</a:t>
             </a:fld>
             <a:endParaRPr lang="nl-BE"/>
           </a:p>
@@ -2451,7 +3000,7 @@
           <a:p>
             <a:fld id="{F47C08B3-015B-44BE-B397-EC898F227802}" type="datetimeFigureOut">
               <a:rPr lang="nl-BE" smtClean="0"/>
-              <a:t>25/10/2017</a:t>
+              <a:t>14/01/2021</a:t>
             </a:fld>
             <a:endParaRPr lang="nl-BE"/>
           </a:p>
@@ -2569,7 +3118,7 @@
           <a:p>
             <a:fld id="{F47C08B3-015B-44BE-B397-EC898F227802}" type="datetimeFigureOut">
               <a:rPr lang="nl-BE" smtClean="0"/>
-              <a:t>25/10/2017</a:t>
+              <a:t>14/01/2021</a:t>
             </a:fld>
             <a:endParaRPr lang="nl-BE"/>
           </a:p>
@@ -2664,7 +3213,7 @@
           <a:p>
             <a:fld id="{F47C08B3-015B-44BE-B397-EC898F227802}" type="datetimeFigureOut">
               <a:rPr lang="nl-BE" smtClean="0"/>
-              <a:t>25/10/2017</a:t>
+              <a:t>14/01/2021</a:t>
             </a:fld>
             <a:endParaRPr lang="nl-BE"/>
           </a:p>
@@ -2941,7 +3490,7 @@
           <a:p>
             <a:fld id="{F47C08B3-015B-44BE-B397-EC898F227802}" type="datetimeFigureOut">
               <a:rPr lang="nl-BE" smtClean="0"/>
-              <a:t>25/10/2017</a:t>
+              <a:t>14/01/2021</a:t>
             </a:fld>
             <a:endParaRPr lang="nl-BE"/>
           </a:p>
@@ -3198,7 +3747,7 @@
           <a:p>
             <a:fld id="{F47C08B3-015B-44BE-B397-EC898F227802}" type="datetimeFigureOut">
               <a:rPr lang="nl-BE" smtClean="0"/>
-              <a:t>25/10/2017</a:t>
+              <a:t>14/01/2021</a:t>
             </a:fld>
             <a:endParaRPr lang="nl-BE"/>
           </a:p>
@@ -3411,7 +3960,7 @@
           <a:p>
             <a:fld id="{F47C08B3-015B-44BE-B397-EC898F227802}" type="datetimeFigureOut">
               <a:rPr lang="nl-BE" smtClean="0"/>
-              <a:t>25/10/2017</a:t>
+              <a:t>14/01/2021</a:t>
             </a:fld>
             <a:endParaRPr lang="nl-BE"/>
           </a:p>
@@ -4175,7 +4724,7 @@
           <p:cNvPr id="2" name="Title 1">
             <a:extLst>
               <a:ext uri="{FF2B5EF4-FFF2-40B4-BE49-F238E27FC236}">
-                <a16:creationId xmlns:a16="http://schemas.microsoft.com/office/drawing/2014/main" id="{81424CE2-4DCB-42C3-853F-6AB749765CB2}"/>
+                <a16:creationId xmlns:a16="http://schemas.microsoft.com/office/drawing/2014/main" id="{9B864269-AE00-4470-8D02-F35B145B1069}"/>
               </a:ext>
             </a:extLst>
           </p:cNvPr>
@@ -4193,7 +4742,7 @@
           <a:p>
             <a:r>
               <a:rPr lang="en-GB" dirty="0"/>
-              <a:t>An URL</a:t>
+              <a:t>A loop</a:t>
             </a:r>
           </a:p>
         </p:txBody>
@@ -4203,7 +4752,7 @@
           <p:cNvPr id="3" name="Content Placeholder 2">
             <a:extLst>
               <a:ext uri="{FF2B5EF4-FFF2-40B4-BE49-F238E27FC236}">
-                <a16:creationId xmlns:a16="http://schemas.microsoft.com/office/drawing/2014/main" id="{5CBF8E7E-95AB-4746-8601-BD9049AE0F01}"/>
+                <a16:creationId xmlns:a16="http://schemas.microsoft.com/office/drawing/2014/main" id="{7F7D6FA3-61FA-440C-924C-D85F30784741}"/>
               </a:ext>
             </a:extLst>
           </p:cNvPr>
@@ -4221,41 +4770,56 @@
           <a:p>
             <a:r>
               <a:rPr lang="en-GB" dirty="0"/>
-              <a:t>We have a date-object, but need an URL</a:t>
+              <a:t>So we need a loop that loops through days</a:t>
             </a:r>
           </a:p>
           <a:p>
             <a:r>
               <a:rPr lang="en-GB" dirty="0"/>
-              <a:t>In the form of: </a:t>
+              <a:t>We’ll just do 15 days</a:t>
+            </a:r>
+          </a:p>
+          <a:p>
+            <a:r>
+              <a:rPr lang="en-GB" dirty="0"/>
+              <a:t>This means, we always need 15 iterations</a:t>
+            </a:r>
+          </a:p>
+          <a:p>
+            <a:r>
+              <a:rPr lang="en-GB" dirty="0"/>
+              <a:t>For-loop?</a:t>
             </a:r>
           </a:p>
           <a:p>
             <a:endParaRPr lang="en-GB" dirty="0"/>
           </a:p>
           <a:p>
+            <a:endParaRPr lang="en-GB" dirty="0"/>
+          </a:p>
+          <a:p>
             <a:r>
               <a:rPr lang="en-GB" dirty="0"/>
-              <a:t>Meaning…</a:t>
+              <a:t>Doable, but what about the condition?</a:t>
+            </a:r>
+          </a:p>
+          <a:p>
+            <a:r>
+              <a:rPr lang="en-GB" dirty="0"/>
+              <a:t>Also, not a very pretty for-loop, is it?</a:t>
             </a:r>
           </a:p>
           <a:p>
             <a:endParaRPr lang="en-GB" dirty="0"/>
           </a:p>
-          <a:p>
-            <a:endParaRPr lang="en-GB" dirty="0"/>
-          </a:p>
-          <a:p>
-            <a:endParaRPr lang="en-GB" dirty="0"/>
-          </a:p>
-        </p:txBody>
-      </p:sp>
-      <p:sp>
-        <p:nvSpPr>
-          <p:cNvPr id="5" name="Rectangle 4">
+        </p:txBody>
+      </p:sp>
+      <p:sp>
+        <p:nvSpPr>
+          <p:cNvPr id="4" name="Rectangle 3">
             <a:extLst>
               <a:ext uri="{FF2B5EF4-FFF2-40B4-BE49-F238E27FC236}">
-                <a16:creationId xmlns:a16="http://schemas.microsoft.com/office/drawing/2014/main" id="{624D1DC2-86B9-4C67-98C0-C2536E32F99E}"/>
+                <a16:creationId xmlns:a16="http://schemas.microsoft.com/office/drawing/2014/main" id="{40EE956B-C89D-46AA-B2EE-1A089FF57B35}"/>
               </a:ext>
             </a:extLst>
           </p:cNvPr>
@@ -4264,8 +4828,8 @@
         </p:nvSpPr>
         <p:spPr>
           <a:xfrm>
-            <a:off x="838200" y="2878846"/>
-            <a:ext cx="10655710" cy="369332"/>
+            <a:off x="1720644" y="3894438"/>
+            <a:ext cx="10166555" cy="646331"/>
           </a:xfrm>
           <a:prstGeom prst="rect">
             <a:avLst/>
@@ -4278,204 +4842,244 @@
           <a:lstStyle/>
           <a:p>
             <a:r>
+              <a:rPr lang="en-US" dirty="0"/>
+              <a:t> </a:t>
+            </a:r>
+            <a:r>
+              <a:rPr lang="en-US" dirty="0">
+                <a:solidFill>
+                  <a:srgbClr val="00008B"/>
+                </a:solidFill>
+                <a:latin typeface="Lucida Console" panose="020B0609040504020204" pitchFamily="49" charset="0"/>
+              </a:rPr>
+              <a:t>For</a:t>
+            </a:r>
+            <a:r>
+              <a:rPr lang="en-US" dirty="0">
+                <a:solidFill>
+                  <a:prstClr val="black"/>
+                </a:solidFill>
+                <a:latin typeface="Lucida Console" panose="020B0609040504020204" pitchFamily="49" charset="0"/>
+              </a:rPr>
+              <a:t>(</a:t>
+            </a:r>
+            <a:r>
+              <a:rPr lang="en-US" dirty="0">
+                <a:solidFill>
+                  <a:srgbClr val="FF4500"/>
+                </a:solidFill>
+                <a:latin typeface="Lucida Console" panose="020B0609040504020204" pitchFamily="49" charset="0"/>
+              </a:rPr>
+              <a:t>$date</a:t>
+            </a:r>
+            <a:r>
+              <a:rPr lang="en-US" dirty="0">
+                <a:solidFill>
+                  <a:prstClr val="black"/>
+                </a:solidFill>
+                <a:latin typeface="Lucida Console" panose="020B0609040504020204" pitchFamily="49" charset="0"/>
+              </a:rPr>
+              <a:t> </a:t>
+            </a:r>
+            <a:r>
+              <a:rPr lang="en-US" dirty="0">
+                <a:solidFill>
+                  <a:srgbClr val="A9A9A9"/>
+                </a:solidFill>
+                <a:latin typeface="Lucida Console" panose="020B0609040504020204" pitchFamily="49" charset="0"/>
+              </a:rPr>
+              <a:t>=</a:t>
+            </a:r>
+            <a:r>
+              <a:rPr lang="en-US" dirty="0">
+                <a:solidFill>
+                  <a:prstClr val="black"/>
+                </a:solidFill>
+                <a:latin typeface="Lucida Console" panose="020B0609040504020204" pitchFamily="49" charset="0"/>
+              </a:rPr>
+              <a:t> (</a:t>
+            </a:r>
+            <a:r>
+              <a:rPr lang="en-US" dirty="0">
+                <a:solidFill>
+                  <a:srgbClr val="0000FF"/>
+                </a:solidFill>
+                <a:latin typeface="Lucida Console" panose="020B0609040504020204" pitchFamily="49" charset="0"/>
+              </a:rPr>
+              <a:t>Get-Date</a:t>
+            </a:r>
+            <a:r>
+              <a:rPr lang="en-US" dirty="0">
+                <a:solidFill>
+                  <a:prstClr val="black"/>
+                </a:solidFill>
+                <a:latin typeface="Lucida Console" panose="020B0609040504020204" pitchFamily="49" charset="0"/>
+              </a:rPr>
+              <a:t>) ; </a:t>
+            </a:r>
+            <a:r>
+              <a:rPr lang="en-US" dirty="0">
+                <a:solidFill>
+                  <a:srgbClr val="FF4500"/>
+                </a:solidFill>
+                <a:latin typeface="Lucida Console" panose="020B0609040504020204" pitchFamily="49" charset="0"/>
+              </a:rPr>
+              <a:t>$date</a:t>
+            </a:r>
+            <a:r>
+              <a:rPr lang="en-US" dirty="0">
+                <a:solidFill>
+                  <a:prstClr val="black"/>
+                </a:solidFill>
+                <a:latin typeface="Lucida Console" panose="020B0609040504020204" pitchFamily="49" charset="0"/>
+              </a:rPr>
+              <a:t> </a:t>
+            </a:r>
+            <a:r>
+              <a:rPr lang="en-US" dirty="0">
+                <a:solidFill>
+                  <a:srgbClr val="A9A9A9"/>
+                </a:solidFill>
+                <a:latin typeface="Lucida Console" panose="020B0609040504020204" pitchFamily="49" charset="0"/>
+              </a:rPr>
+              <a:t>-</a:t>
+            </a:r>
+            <a:r>
+              <a:rPr lang="en-US" dirty="0">
+                <a:solidFill>
+                  <a:prstClr val="black"/>
+                </a:solidFill>
+                <a:latin typeface="Lucida Console" panose="020B0609040504020204" pitchFamily="49" charset="0"/>
+              </a:rPr>
+              <a:t> </a:t>
+            </a:r>
+            <a:r>
+              <a:rPr lang="en-US" dirty="0">
+                <a:solidFill>
+                  <a:srgbClr val="0000FF"/>
+                </a:solidFill>
+                <a:latin typeface="Lucida Console" panose="020B0609040504020204" pitchFamily="49" charset="0"/>
+              </a:rPr>
+              <a:t>?</a:t>
+            </a:r>
+            <a:r>
+              <a:rPr lang="en-US" dirty="0">
+                <a:solidFill>
+                  <a:prstClr val="black"/>
+                </a:solidFill>
+                <a:latin typeface="Lucida Console" panose="020B0609040504020204" pitchFamily="49" charset="0"/>
+              </a:rPr>
+              <a:t> ; </a:t>
+            </a:r>
+            <a:r>
+              <a:rPr lang="en-US" dirty="0">
+                <a:solidFill>
+                  <a:srgbClr val="FF4500"/>
+                </a:solidFill>
+                <a:latin typeface="Lucida Console" panose="020B0609040504020204" pitchFamily="49" charset="0"/>
+              </a:rPr>
+              <a:t>$date</a:t>
+            </a:r>
+            <a:r>
+              <a:rPr lang="en-US" dirty="0">
+                <a:solidFill>
+                  <a:prstClr val="black"/>
+                </a:solidFill>
+                <a:latin typeface="Lucida Console" panose="020B0609040504020204" pitchFamily="49" charset="0"/>
+              </a:rPr>
+              <a:t> </a:t>
+            </a:r>
+            <a:r>
+              <a:rPr lang="en-US" dirty="0">
+                <a:solidFill>
+                  <a:srgbClr val="A9A9A9"/>
+                </a:solidFill>
+                <a:latin typeface="Lucida Console" panose="020B0609040504020204" pitchFamily="49" charset="0"/>
+              </a:rPr>
+              <a:t>=</a:t>
+            </a:r>
+            <a:r>
+              <a:rPr lang="en-US" dirty="0">
+                <a:solidFill>
+                  <a:prstClr val="black"/>
+                </a:solidFill>
+                <a:latin typeface="Lucida Console" panose="020B0609040504020204" pitchFamily="49" charset="0"/>
+              </a:rPr>
+              <a:t> </a:t>
+            </a:r>
+            <a:r>
+              <a:rPr lang="en-US" dirty="0">
+                <a:solidFill>
+                  <a:srgbClr val="FF4500"/>
+                </a:solidFill>
+                <a:latin typeface="Lucida Console" panose="020B0609040504020204" pitchFamily="49" charset="0"/>
+              </a:rPr>
+              <a:t>$</a:t>
+            </a:r>
+            <a:r>
+              <a:rPr lang="en-US" dirty="0" err="1">
+                <a:solidFill>
+                  <a:srgbClr val="FF4500"/>
+                </a:solidFill>
+                <a:latin typeface="Lucida Console" panose="020B0609040504020204" pitchFamily="49" charset="0"/>
+              </a:rPr>
+              <a:t>date</a:t>
+            </a:r>
+            <a:r>
+              <a:rPr lang="en-US" dirty="0" err="1">
+                <a:solidFill>
+                  <a:srgbClr val="A9A9A9"/>
+                </a:solidFill>
+                <a:latin typeface="Lucida Console" panose="020B0609040504020204" pitchFamily="49" charset="0"/>
+              </a:rPr>
+              <a:t>.</a:t>
+            </a:r>
+            <a:r>
+              <a:rPr lang="en-US" dirty="0" err="1">
+                <a:solidFill>
+                  <a:prstClr val="black"/>
+                </a:solidFill>
+                <a:latin typeface="Lucida Console" panose="020B0609040504020204" pitchFamily="49" charset="0"/>
+              </a:rPr>
+              <a:t>AddDays</a:t>
+            </a:r>
+            <a:r>
+              <a:rPr lang="en-US" dirty="0">
+                <a:solidFill>
+                  <a:prstClr val="black"/>
+                </a:solidFill>
+                <a:latin typeface="Lucida Console" panose="020B0609040504020204" pitchFamily="49" charset="0"/>
+              </a:rPr>
+              <a:t>(</a:t>
+            </a:r>
+            <a:r>
+              <a:rPr lang="en-US" dirty="0">
+                <a:solidFill>
+                  <a:srgbClr val="800080"/>
+                </a:solidFill>
+                <a:latin typeface="Lucida Console" panose="020B0609040504020204" pitchFamily="49" charset="0"/>
+              </a:rPr>
+              <a:t>-1</a:t>
+            </a:r>
+            <a:r>
+              <a:rPr lang="en-US" dirty="0">
+                <a:solidFill>
+                  <a:prstClr val="black"/>
+                </a:solidFill>
+                <a:latin typeface="Lucida Console" panose="020B0609040504020204" pitchFamily="49" charset="0"/>
+              </a:rPr>
+              <a:t>))</a:t>
+            </a:r>
+          </a:p>
+          <a:p>
+            <a:r>
               <a:rPr lang="en-GB" dirty="0">
                 <a:solidFill>
-                  <a:srgbClr val="8B0000"/>
-                </a:solidFill>
-                <a:latin typeface="Lucida Console" panose="020B0609040504020204" pitchFamily="49" charset="0"/>
-              </a:rPr>
-              <a:t>"https://d1ejxu6vysztl5.cloudfront.net/comics/</a:t>
-            </a:r>
-            <a:r>
-              <a:rPr lang="en-GB" dirty="0" err="1">
-                <a:solidFill>
-                  <a:srgbClr val="8B0000"/>
-                </a:solidFill>
-                <a:latin typeface="Lucida Console" panose="020B0609040504020204" pitchFamily="49" charset="0"/>
-              </a:rPr>
-              <a:t>garfield</a:t>
-            </a:r>
-            <a:r>
-              <a:rPr lang="en-GB" dirty="0">
-                <a:solidFill>
-                  <a:srgbClr val="8B0000"/>
-                </a:solidFill>
-                <a:latin typeface="Lucida Console" panose="020B0609040504020204" pitchFamily="49" charset="0"/>
-              </a:rPr>
-              <a:t>/2017/2017-10-19.gif"</a:t>
-            </a:r>
-            <a:endParaRPr lang="en-GB" dirty="0"/>
-          </a:p>
-        </p:txBody>
-      </p:sp>
-      <p:sp>
-        <p:nvSpPr>
-          <p:cNvPr id="7" name="Rectangle 6">
-            <a:extLst>
-              <a:ext uri="{FF2B5EF4-FFF2-40B4-BE49-F238E27FC236}">
-                <a16:creationId xmlns:a16="http://schemas.microsoft.com/office/drawing/2014/main" id="{0705BB0A-759D-410B-BCC5-279331EB628B}"/>
-              </a:ext>
-            </a:extLst>
-          </p:cNvPr>
-          <p:cNvSpPr/>
-          <p:nvPr/>
-        </p:nvSpPr>
-        <p:spPr>
-          <a:xfrm>
-            <a:off x="838200" y="4001294"/>
-            <a:ext cx="10282084" cy="923330"/>
-          </a:xfrm>
-          <a:prstGeom prst="rect">
-            <a:avLst/>
-          </a:prstGeom>
-        </p:spPr>
-        <p:txBody>
-          <a:bodyPr wrap="square">
-            <a:spAutoFit/>
-          </a:bodyPr>
-          <a:lstStyle/>
-          <a:p>
-            <a:r>
-              <a:rPr lang="en-GB" dirty="0">
-                <a:solidFill>
-                  <a:srgbClr val="FF4500"/>
-                </a:solidFill>
-                <a:latin typeface="Lucida Console" panose="020B0609040504020204" pitchFamily="49" charset="0"/>
-              </a:rPr>
-              <a:t>$</a:t>
-            </a:r>
-            <a:r>
-              <a:rPr lang="en-GB" dirty="0" err="1">
-                <a:solidFill>
-                  <a:srgbClr val="FF4500"/>
-                </a:solidFill>
-                <a:latin typeface="Lucida Console" panose="020B0609040504020204" pitchFamily="49" charset="0"/>
-              </a:rPr>
-              <a:t>baseurl</a:t>
-            </a:r>
-            <a:r>
-              <a:rPr lang="en-GB" dirty="0">
-                <a:solidFill>
                   <a:prstClr val="black"/>
                 </a:solidFill>
                 <a:latin typeface="Lucida Console" panose="020B0609040504020204" pitchFamily="49" charset="0"/>
               </a:rPr>
-              <a:t> </a:t>
-            </a:r>
-            <a:r>
-              <a:rPr lang="en-GB" dirty="0">
-                <a:solidFill>
-                  <a:srgbClr val="A9A9A9"/>
-                </a:solidFill>
-                <a:latin typeface="Lucida Console" panose="020B0609040504020204" pitchFamily="49" charset="0"/>
-              </a:rPr>
-              <a:t>=</a:t>
-            </a:r>
-            <a:r>
-              <a:rPr lang="en-GB" dirty="0">
-                <a:solidFill>
-                  <a:prstClr val="black"/>
-                </a:solidFill>
-                <a:latin typeface="Lucida Console" panose="020B0609040504020204" pitchFamily="49" charset="0"/>
-              </a:rPr>
-              <a:t> </a:t>
-            </a:r>
-            <a:r>
-              <a:rPr lang="en-GB" dirty="0">
-                <a:solidFill>
-                  <a:srgbClr val="8B0000"/>
-                </a:solidFill>
-                <a:latin typeface="Lucida Console" panose="020B0609040504020204" pitchFamily="49" charset="0"/>
-              </a:rPr>
-              <a:t>"https://d1ejxu6vysztl5.cloudfront.net/comics/</a:t>
-            </a:r>
-            <a:r>
-              <a:rPr lang="en-GB" dirty="0" err="1">
-                <a:solidFill>
-                  <a:srgbClr val="8B0000"/>
-                </a:solidFill>
-                <a:latin typeface="Lucida Console" panose="020B0609040504020204" pitchFamily="49" charset="0"/>
-              </a:rPr>
-              <a:t>garfield</a:t>
-            </a:r>
-            <a:r>
-              <a:rPr lang="en-GB" dirty="0">
-                <a:solidFill>
-                  <a:srgbClr val="8B0000"/>
-                </a:solidFill>
-                <a:latin typeface="Lucida Console" panose="020B0609040504020204" pitchFamily="49" charset="0"/>
-              </a:rPr>
-              <a:t>/"</a:t>
-            </a:r>
-            <a:endParaRPr lang="en-GB" dirty="0">
-              <a:solidFill>
-                <a:prstClr val="black"/>
-              </a:solidFill>
-              <a:latin typeface="Lucida Console" panose="020B0609040504020204" pitchFamily="49" charset="0"/>
-            </a:endParaRPr>
-          </a:p>
-          <a:p>
-            <a:r>
-              <a:rPr lang="en-GB" dirty="0">
-                <a:solidFill>
-                  <a:srgbClr val="006400"/>
-                </a:solidFill>
-                <a:latin typeface="Lucida Console" panose="020B0609040504020204" pitchFamily="49" charset="0"/>
-              </a:rPr>
-              <a:t># /2017/2017-10-19</a:t>
-            </a:r>
-            <a:endParaRPr lang="en-GB" dirty="0">
-              <a:solidFill>
-                <a:prstClr val="black"/>
-              </a:solidFill>
-              <a:latin typeface="Lucida Console" panose="020B0609040504020204" pitchFamily="49" charset="0"/>
-            </a:endParaRPr>
-          </a:p>
-          <a:p>
-            <a:r>
-              <a:rPr lang="en-GB" dirty="0">
-                <a:solidFill>
-                  <a:srgbClr val="FF4500"/>
-                </a:solidFill>
-                <a:latin typeface="Lucida Console" panose="020B0609040504020204" pitchFamily="49" charset="0"/>
-              </a:rPr>
-              <a:t>$extension</a:t>
-            </a:r>
-            <a:r>
-              <a:rPr lang="en-GB" dirty="0">
-                <a:solidFill>
-                  <a:prstClr val="black"/>
-                </a:solidFill>
-                <a:latin typeface="Lucida Console" panose="020B0609040504020204" pitchFamily="49" charset="0"/>
-              </a:rPr>
-              <a:t> </a:t>
-            </a:r>
-            <a:r>
-              <a:rPr lang="en-GB" dirty="0">
-                <a:solidFill>
-                  <a:srgbClr val="A9A9A9"/>
-                </a:solidFill>
-                <a:latin typeface="Lucida Console" panose="020B0609040504020204" pitchFamily="49" charset="0"/>
-              </a:rPr>
-              <a:t>=</a:t>
-            </a:r>
-            <a:r>
-              <a:rPr lang="en-GB" dirty="0">
-                <a:solidFill>
-                  <a:prstClr val="black"/>
-                </a:solidFill>
-                <a:latin typeface="Lucida Console" panose="020B0609040504020204" pitchFamily="49" charset="0"/>
-              </a:rPr>
-              <a:t> </a:t>
-            </a:r>
-            <a:r>
-              <a:rPr lang="en-GB" dirty="0">
-                <a:solidFill>
-                  <a:srgbClr val="8B0000"/>
-                </a:solidFill>
-                <a:latin typeface="Lucida Console" panose="020B0609040504020204" pitchFamily="49" charset="0"/>
-              </a:rPr>
-              <a:t>".gif" </a:t>
+              <a:t>{</a:t>
             </a:r>
           </a:p>
         </p:txBody>
@@ -4483,7 +5087,7 @@
     </p:spTree>
     <p:extLst>
       <p:ext uri="{BB962C8B-B14F-4D97-AF65-F5344CB8AC3E}">
-        <p14:creationId xmlns:p14="http://schemas.microsoft.com/office/powerpoint/2010/main" val="1888474568"/>
+        <p14:creationId xmlns:p14="http://schemas.microsoft.com/office/powerpoint/2010/main" val="1938499030"/>
       </p:ext>
     </p:extLst>
   </p:cSld>
@@ -4515,7 +5119,7 @@
           <p:cNvPr id="2" name="Title 1">
             <a:extLst>
               <a:ext uri="{FF2B5EF4-FFF2-40B4-BE49-F238E27FC236}">
-                <a16:creationId xmlns:a16="http://schemas.microsoft.com/office/drawing/2014/main" id="{D1A84D95-16C4-434F-A1EE-3CCDB1BADAF2}"/>
+                <a16:creationId xmlns:a16="http://schemas.microsoft.com/office/drawing/2014/main" id="{094A0DE3-96D6-41FD-BB7E-5ED17791F285}"/>
               </a:ext>
             </a:extLst>
           </p:cNvPr>
@@ -4533,7 +5137,7 @@
           <a:p>
             <a:r>
               <a:rPr lang="en-GB" dirty="0"/>
-              <a:t>A date</a:t>
+              <a:t>Another loop</a:t>
             </a:r>
           </a:p>
         </p:txBody>
@@ -4543,7 +5147,7 @@
           <p:cNvPr id="3" name="Content Placeholder 2">
             <a:extLst>
               <a:ext uri="{FF2B5EF4-FFF2-40B4-BE49-F238E27FC236}">
-                <a16:creationId xmlns:a16="http://schemas.microsoft.com/office/drawing/2014/main" id="{B4C6260B-E413-4974-8DCB-0894B4A740D0}"/>
+                <a16:creationId xmlns:a16="http://schemas.microsoft.com/office/drawing/2014/main" id="{E982DD12-2C5F-43FB-95A4-8490FF5635C4}"/>
               </a:ext>
             </a:extLst>
           </p:cNvPr>
@@ -4561,43 +5165,463 @@
           <a:p>
             <a:r>
               <a:rPr lang="en-GB" dirty="0"/>
-              <a:t>We have a date object, and want the date in a certain format</a:t>
-            </a:r>
-          </a:p>
-          <a:p>
-            <a:r>
-              <a:rPr lang="en-GB" dirty="0" err="1"/>
-              <a:t>toString</a:t>
-            </a:r>
+              <a:t>So we start fifteen days ago</a:t>
+            </a:r>
+          </a:p>
+          <a:p>
             <a:r>
               <a:rPr lang="en-GB" dirty="0"/>
-              <a:t>!</a:t>
+              <a:t>Repeat adding days (and downloading cartoons)</a:t>
             </a:r>
           </a:p>
           <a:p>
             <a:r>
               <a:rPr lang="en-GB" dirty="0"/>
-              <a:t>Modifiers: </a:t>
+              <a:t>Until the day is today</a:t>
+            </a:r>
+          </a:p>
+        </p:txBody>
+      </p:sp>
+      <p:sp>
+        <p:nvSpPr>
+          <p:cNvPr id="4" name="Rectangle 3">
+            <a:extLst>
+              <a:ext uri="{FF2B5EF4-FFF2-40B4-BE49-F238E27FC236}">
+                <a16:creationId xmlns:a16="http://schemas.microsoft.com/office/drawing/2014/main" id="{7E4D1CF3-0E6B-4CB5-91E6-F44231A6D5AC}"/>
+              </a:ext>
+            </a:extLst>
+          </p:cNvPr>
+          <p:cNvSpPr/>
+          <p:nvPr/>
+        </p:nvSpPr>
+        <p:spPr>
+          <a:xfrm>
+            <a:off x="838200" y="3591640"/>
+            <a:ext cx="4815348" cy="2585323"/>
+          </a:xfrm>
+          <a:prstGeom prst="rect">
+            <a:avLst/>
+          </a:prstGeom>
+        </p:spPr>
+        <p:txBody>
+          <a:bodyPr wrap="square">
+            <a:spAutoFit/>
+          </a:bodyPr>
+          <a:lstStyle/>
+          <a:p>
+            <a:r>
+              <a:rPr lang="en-GB" dirty="0"/>
+              <a:t> </a:t>
             </a:r>
             <a:r>
               <a:rPr lang="en-GB" dirty="0">
-                <a:hlinkClick r:id="rId2"/>
-              </a:rPr>
-              <a:t>https://docs.microsoft.com/en-us/dotnet/standard/base-types/custom-date-and-time-format-strings</a:t>
-            </a:r>
-            <a:endParaRPr lang="en-GB" dirty="0"/>
-          </a:p>
-          <a:p>
-            <a:endParaRPr lang="en-GB" dirty="0"/>
+                <a:solidFill>
+                  <a:srgbClr val="FF4500"/>
+                </a:solidFill>
+                <a:latin typeface="Lucida Console" panose="020B0609040504020204" pitchFamily="49" charset="0"/>
+              </a:rPr>
+              <a:t>$date</a:t>
+            </a:r>
+            <a:r>
+              <a:rPr lang="en-GB" dirty="0">
+                <a:solidFill>
+                  <a:prstClr val="black"/>
+                </a:solidFill>
+                <a:latin typeface="Lucida Console" panose="020B0609040504020204" pitchFamily="49" charset="0"/>
+              </a:rPr>
+              <a:t> </a:t>
+            </a:r>
+            <a:r>
+              <a:rPr lang="en-GB" dirty="0">
+                <a:solidFill>
+                  <a:srgbClr val="A9A9A9"/>
+                </a:solidFill>
+                <a:latin typeface="Lucida Console" panose="020B0609040504020204" pitchFamily="49" charset="0"/>
+              </a:rPr>
+              <a:t>=</a:t>
+            </a:r>
+            <a:r>
+              <a:rPr lang="en-GB" dirty="0">
+                <a:solidFill>
+                  <a:prstClr val="black"/>
+                </a:solidFill>
+                <a:latin typeface="Lucida Console" panose="020B0609040504020204" pitchFamily="49" charset="0"/>
+              </a:rPr>
+              <a:t> (</a:t>
+            </a:r>
+            <a:r>
+              <a:rPr lang="en-GB" dirty="0">
+                <a:solidFill>
+                  <a:srgbClr val="0000FF"/>
+                </a:solidFill>
+                <a:latin typeface="Lucida Console" panose="020B0609040504020204" pitchFamily="49" charset="0"/>
+              </a:rPr>
+              <a:t>Get-Date</a:t>
+            </a:r>
+            <a:r>
+              <a:rPr lang="en-GB" dirty="0">
+                <a:solidFill>
+                  <a:prstClr val="black"/>
+                </a:solidFill>
+                <a:latin typeface="Lucida Console" panose="020B0609040504020204" pitchFamily="49" charset="0"/>
+              </a:rPr>
+              <a:t>)</a:t>
+            </a:r>
+            <a:r>
+              <a:rPr lang="en-GB" dirty="0">
+                <a:solidFill>
+                  <a:srgbClr val="A9A9A9"/>
+                </a:solidFill>
+                <a:latin typeface="Lucida Console" panose="020B0609040504020204" pitchFamily="49" charset="0"/>
+              </a:rPr>
+              <a:t>.</a:t>
+            </a:r>
+            <a:r>
+              <a:rPr lang="en-GB" dirty="0" err="1">
+                <a:solidFill>
+                  <a:prstClr val="black"/>
+                </a:solidFill>
+                <a:latin typeface="Lucida Console" panose="020B0609040504020204" pitchFamily="49" charset="0"/>
+              </a:rPr>
+              <a:t>AddDays</a:t>
+            </a:r>
+            <a:r>
+              <a:rPr lang="en-GB" dirty="0">
+                <a:solidFill>
+                  <a:prstClr val="black"/>
+                </a:solidFill>
+                <a:latin typeface="Lucida Console" panose="020B0609040504020204" pitchFamily="49" charset="0"/>
+              </a:rPr>
+              <a:t>(</a:t>
+            </a:r>
+            <a:r>
+              <a:rPr lang="en-GB" dirty="0">
+                <a:solidFill>
+                  <a:srgbClr val="800080"/>
+                </a:solidFill>
+                <a:latin typeface="Lucida Console" panose="020B0609040504020204" pitchFamily="49" charset="0"/>
+              </a:rPr>
+              <a:t>-15</a:t>
+            </a:r>
+            <a:r>
+              <a:rPr lang="en-GB" dirty="0">
+                <a:solidFill>
+                  <a:prstClr val="black"/>
+                </a:solidFill>
+                <a:latin typeface="Lucida Console" panose="020B0609040504020204" pitchFamily="49" charset="0"/>
+              </a:rPr>
+              <a:t>)</a:t>
+            </a:r>
+          </a:p>
+          <a:p>
+            <a:endParaRPr lang="en-GB" dirty="0">
+              <a:solidFill>
+                <a:prstClr val="black"/>
+              </a:solidFill>
+              <a:latin typeface="Lucida Console" panose="020B0609040504020204" pitchFamily="49" charset="0"/>
+            </a:endParaRPr>
+          </a:p>
+          <a:p>
+            <a:r>
+              <a:rPr lang="en-GB" dirty="0">
+                <a:solidFill>
+                  <a:srgbClr val="00008B"/>
+                </a:solidFill>
+                <a:latin typeface="Lucida Console" panose="020B0609040504020204" pitchFamily="49" charset="0"/>
+              </a:rPr>
+              <a:t>do</a:t>
+            </a:r>
+            <a:endParaRPr lang="en-GB" dirty="0">
+              <a:solidFill>
+                <a:prstClr val="black"/>
+              </a:solidFill>
+              <a:latin typeface="Lucida Console" panose="020B0609040504020204" pitchFamily="49" charset="0"/>
+            </a:endParaRPr>
+          </a:p>
+          <a:p>
+            <a:r>
+              <a:rPr lang="en-GB" dirty="0">
+                <a:solidFill>
+                  <a:prstClr val="black"/>
+                </a:solidFill>
+                <a:latin typeface="Lucida Console" panose="020B0609040504020204" pitchFamily="49" charset="0"/>
+              </a:rPr>
+              <a:t>{</a:t>
+            </a:r>
+          </a:p>
+          <a:p>
+            <a:r>
+              <a:rPr lang="en-GB" dirty="0">
+                <a:solidFill>
+                  <a:prstClr val="black"/>
+                </a:solidFill>
+                <a:latin typeface="Lucida Console" panose="020B0609040504020204" pitchFamily="49" charset="0"/>
+              </a:rPr>
+              <a:t>    </a:t>
+            </a:r>
+            <a:r>
+              <a:rPr lang="en-GB" dirty="0">
+                <a:solidFill>
+                  <a:srgbClr val="FF4500"/>
+                </a:solidFill>
+                <a:latin typeface="Lucida Console" panose="020B0609040504020204" pitchFamily="49" charset="0"/>
+              </a:rPr>
+              <a:t>$date</a:t>
+            </a:r>
+            <a:endParaRPr lang="en-GB" dirty="0">
+              <a:solidFill>
+                <a:prstClr val="black"/>
+              </a:solidFill>
+              <a:latin typeface="Lucida Console" panose="020B0609040504020204" pitchFamily="49" charset="0"/>
+            </a:endParaRPr>
+          </a:p>
+          <a:p>
+            <a:endParaRPr lang="en-GB" dirty="0">
+              <a:solidFill>
+                <a:prstClr val="black"/>
+              </a:solidFill>
+              <a:latin typeface="Lucida Console" panose="020B0609040504020204" pitchFamily="49" charset="0"/>
+            </a:endParaRPr>
+          </a:p>
+          <a:p>
+            <a:r>
+              <a:rPr lang="en-GB" dirty="0">
+                <a:solidFill>
+                  <a:prstClr val="black"/>
+                </a:solidFill>
+                <a:latin typeface="Lucida Console" panose="020B0609040504020204" pitchFamily="49" charset="0"/>
+              </a:rPr>
+              <a:t>    </a:t>
+            </a:r>
+            <a:r>
+              <a:rPr lang="en-GB" dirty="0">
+                <a:solidFill>
+                  <a:srgbClr val="FF4500"/>
+                </a:solidFill>
+                <a:latin typeface="Lucida Console" panose="020B0609040504020204" pitchFamily="49" charset="0"/>
+              </a:rPr>
+              <a:t>$date</a:t>
+            </a:r>
+            <a:r>
+              <a:rPr lang="en-GB" dirty="0">
+                <a:solidFill>
+                  <a:prstClr val="black"/>
+                </a:solidFill>
+                <a:latin typeface="Lucida Console" panose="020B0609040504020204" pitchFamily="49" charset="0"/>
+              </a:rPr>
+              <a:t> </a:t>
+            </a:r>
+            <a:r>
+              <a:rPr lang="en-GB" dirty="0">
+                <a:solidFill>
+                  <a:srgbClr val="A9A9A9"/>
+                </a:solidFill>
+                <a:latin typeface="Lucida Console" panose="020B0609040504020204" pitchFamily="49" charset="0"/>
+              </a:rPr>
+              <a:t>=</a:t>
+            </a:r>
+            <a:r>
+              <a:rPr lang="en-GB" dirty="0">
+                <a:solidFill>
+                  <a:prstClr val="black"/>
+                </a:solidFill>
+                <a:latin typeface="Lucida Console" panose="020B0609040504020204" pitchFamily="49" charset="0"/>
+              </a:rPr>
+              <a:t> </a:t>
+            </a:r>
+            <a:r>
+              <a:rPr lang="en-GB" dirty="0">
+                <a:solidFill>
+                  <a:srgbClr val="FF4500"/>
+                </a:solidFill>
+                <a:latin typeface="Lucida Console" panose="020B0609040504020204" pitchFamily="49" charset="0"/>
+              </a:rPr>
+              <a:t>$</a:t>
+            </a:r>
+            <a:r>
+              <a:rPr lang="en-GB" dirty="0" err="1">
+                <a:solidFill>
+                  <a:srgbClr val="FF4500"/>
+                </a:solidFill>
+                <a:latin typeface="Lucida Console" panose="020B0609040504020204" pitchFamily="49" charset="0"/>
+              </a:rPr>
+              <a:t>date</a:t>
+            </a:r>
+            <a:r>
+              <a:rPr lang="en-GB" dirty="0" err="1">
+                <a:solidFill>
+                  <a:srgbClr val="A9A9A9"/>
+                </a:solidFill>
+                <a:latin typeface="Lucida Console" panose="020B0609040504020204" pitchFamily="49" charset="0"/>
+              </a:rPr>
+              <a:t>.</a:t>
+            </a:r>
+            <a:r>
+              <a:rPr lang="en-GB" dirty="0" err="1">
+                <a:solidFill>
+                  <a:prstClr val="black"/>
+                </a:solidFill>
+                <a:latin typeface="Lucida Console" panose="020B0609040504020204" pitchFamily="49" charset="0"/>
+              </a:rPr>
+              <a:t>AddDays</a:t>
+            </a:r>
+            <a:r>
+              <a:rPr lang="en-GB" dirty="0">
+                <a:solidFill>
+                  <a:prstClr val="black"/>
+                </a:solidFill>
+                <a:latin typeface="Lucida Console" panose="020B0609040504020204" pitchFamily="49" charset="0"/>
+              </a:rPr>
+              <a:t>(</a:t>
+            </a:r>
+            <a:r>
+              <a:rPr lang="en-GB" dirty="0">
+                <a:solidFill>
+                  <a:srgbClr val="800080"/>
+                </a:solidFill>
+                <a:latin typeface="Lucida Console" panose="020B0609040504020204" pitchFamily="49" charset="0"/>
+              </a:rPr>
+              <a:t>1</a:t>
+            </a:r>
+            <a:r>
+              <a:rPr lang="en-GB" dirty="0">
+                <a:solidFill>
+                  <a:prstClr val="black"/>
+                </a:solidFill>
+                <a:latin typeface="Lucida Console" panose="020B0609040504020204" pitchFamily="49" charset="0"/>
+              </a:rPr>
+              <a:t>)</a:t>
+            </a:r>
+          </a:p>
+          <a:p>
+            <a:r>
+              <a:rPr lang="en-GB" dirty="0">
+                <a:solidFill>
+                  <a:prstClr val="black"/>
+                </a:solidFill>
+                <a:latin typeface="Lucida Console" panose="020B0609040504020204" pitchFamily="49" charset="0"/>
+              </a:rPr>
+              <a:t>}</a:t>
+            </a:r>
+          </a:p>
+          <a:p>
+            <a:r>
+              <a:rPr lang="en-US" dirty="0">
+                <a:solidFill>
+                  <a:srgbClr val="00008B"/>
+                </a:solidFill>
+                <a:latin typeface="Lucida Console" panose="020B0609040504020204" pitchFamily="49" charset="0"/>
+              </a:rPr>
+              <a:t>while</a:t>
+            </a:r>
+            <a:r>
+              <a:rPr lang="en-US" dirty="0">
+                <a:solidFill>
+                  <a:prstClr val="black"/>
+                </a:solidFill>
+                <a:latin typeface="Lucida Console" panose="020B0609040504020204" pitchFamily="49" charset="0"/>
+              </a:rPr>
+              <a:t>(((</a:t>
+            </a:r>
+            <a:r>
+              <a:rPr lang="en-US" dirty="0">
+                <a:solidFill>
+                  <a:srgbClr val="0000FF"/>
+                </a:solidFill>
+                <a:latin typeface="Lucida Console" panose="020B0609040504020204" pitchFamily="49" charset="0"/>
+              </a:rPr>
+              <a:t>Get-Date</a:t>
+            </a:r>
+            <a:r>
+              <a:rPr lang="en-US" dirty="0">
+                <a:solidFill>
+                  <a:prstClr val="black"/>
+                </a:solidFill>
+                <a:latin typeface="Lucida Console" panose="020B0609040504020204" pitchFamily="49" charset="0"/>
+              </a:rPr>
+              <a:t>)</a:t>
+            </a:r>
+            <a:r>
+              <a:rPr lang="en-US" dirty="0">
+                <a:solidFill>
+                  <a:srgbClr val="A9A9A9"/>
+                </a:solidFill>
+                <a:latin typeface="Lucida Console" panose="020B0609040504020204" pitchFamily="49" charset="0"/>
+              </a:rPr>
+              <a:t>-</a:t>
+            </a:r>
+            <a:r>
+              <a:rPr lang="en-US" dirty="0">
+                <a:solidFill>
+                  <a:srgbClr val="FF4500"/>
+                </a:solidFill>
+                <a:latin typeface="Lucida Console" panose="020B0609040504020204" pitchFamily="49" charset="0"/>
+              </a:rPr>
+              <a:t>$date</a:t>
+            </a:r>
+            <a:r>
+              <a:rPr lang="en-US" dirty="0">
+                <a:solidFill>
+                  <a:prstClr val="black"/>
+                </a:solidFill>
+                <a:latin typeface="Lucida Console" panose="020B0609040504020204" pitchFamily="49" charset="0"/>
+              </a:rPr>
+              <a:t>)</a:t>
+            </a:r>
+            <a:r>
+              <a:rPr lang="en-US" dirty="0">
+                <a:solidFill>
+                  <a:srgbClr val="A9A9A9"/>
+                </a:solidFill>
+                <a:latin typeface="Lucida Console" panose="020B0609040504020204" pitchFamily="49" charset="0"/>
+              </a:rPr>
+              <a:t>-</a:t>
+            </a:r>
+            <a:r>
+              <a:rPr lang="en-US" dirty="0" err="1">
+                <a:solidFill>
+                  <a:srgbClr val="A9A9A9"/>
+                </a:solidFill>
+                <a:latin typeface="Lucida Console" panose="020B0609040504020204" pitchFamily="49" charset="0"/>
+              </a:rPr>
+              <a:t>gt</a:t>
+            </a:r>
+            <a:r>
+              <a:rPr lang="en-US" dirty="0">
+                <a:solidFill>
+                  <a:prstClr val="black"/>
+                </a:solidFill>
+                <a:latin typeface="Lucida Console" panose="020B0609040504020204" pitchFamily="49" charset="0"/>
+              </a:rPr>
+              <a:t> </a:t>
+            </a:r>
+            <a:r>
+              <a:rPr lang="en-US" dirty="0">
+                <a:solidFill>
+                  <a:srgbClr val="800080"/>
+                </a:solidFill>
+                <a:latin typeface="Lucida Console" panose="020B0609040504020204" pitchFamily="49" charset="0"/>
+              </a:rPr>
+              <a:t>0</a:t>
+            </a:r>
+            <a:r>
+              <a:rPr lang="en-US" dirty="0">
+                <a:solidFill>
+                  <a:prstClr val="black"/>
+                </a:solidFill>
+                <a:latin typeface="Lucida Console" panose="020B0609040504020204" pitchFamily="49" charset="0"/>
+              </a:rPr>
+              <a:t>) </a:t>
+            </a:r>
           </a:p>
         </p:txBody>
       </p:sp>
       <p:pic>
         <p:nvPicPr>
-          <p:cNvPr id="5" name="Picture 4">
+          <p:cNvPr id="7" name="Picture 6">
             <a:extLst>
               <a:ext uri="{FF2B5EF4-FFF2-40B4-BE49-F238E27FC236}">
-                <a16:creationId xmlns:a16="http://schemas.microsoft.com/office/drawing/2014/main" id="{F406197A-7CD4-40D2-ADC1-384B2C7BA9F1}"/>
+                <a16:creationId xmlns:a16="http://schemas.microsoft.com/office/drawing/2014/main" id="{BA476A9F-1CF5-4825-ABC6-9A0F61CF6E12}"/>
               </a:ext>
             </a:extLst>
           </p:cNvPr>
@@ -4607,15 +5631,15 @@
           <p:nvPr/>
         </p:nvPicPr>
         <p:blipFill>
-          <a:blip r:embed="rId3"/>
+          <a:blip r:embed="rId2"/>
           <a:stretch>
             <a:fillRect/>
           </a:stretch>
         </p:blipFill>
         <p:spPr>
           <a:xfrm>
-            <a:off x="2332553" y="4591229"/>
-            <a:ext cx="7526894" cy="1219635"/>
+            <a:off x="6909846" y="3284195"/>
+            <a:ext cx="3623821" cy="2892768"/>
           </a:xfrm>
           <a:prstGeom prst="rect">
             <a:avLst/>
@@ -4625,7 +5649,7 @@
     </p:spTree>
     <p:extLst>
       <p:ext uri="{BB962C8B-B14F-4D97-AF65-F5344CB8AC3E}">
-        <p14:creationId xmlns:p14="http://schemas.microsoft.com/office/powerpoint/2010/main" val="3660179869"/>
+        <p14:creationId xmlns:p14="http://schemas.microsoft.com/office/powerpoint/2010/main" val="211508190"/>
       </p:ext>
     </p:extLst>
   </p:cSld>
@@ -4657,7 +5681,7 @@
           <p:cNvPr id="2" name="Title 1">
             <a:extLst>
               <a:ext uri="{FF2B5EF4-FFF2-40B4-BE49-F238E27FC236}">
-                <a16:creationId xmlns:a16="http://schemas.microsoft.com/office/drawing/2014/main" id="{94DBD225-AD73-4B2D-ACCD-3FE4458B697E}"/>
+                <a16:creationId xmlns:a16="http://schemas.microsoft.com/office/drawing/2014/main" id="{81424CE2-4DCB-42C3-853F-6AB749765CB2}"/>
               </a:ext>
             </a:extLst>
           </p:cNvPr>
@@ -4675,7 +5699,7 @@
           <a:p>
             <a:r>
               <a:rPr lang="en-GB" dirty="0"/>
-              <a:t>Two more things</a:t>
+              <a:t>An URI</a:t>
             </a:r>
           </a:p>
         </p:txBody>
@@ -4685,7 +5709,7 @@
           <p:cNvPr id="3" name="Content Placeholder 2">
             <a:extLst>
               <a:ext uri="{FF2B5EF4-FFF2-40B4-BE49-F238E27FC236}">
-                <a16:creationId xmlns:a16="http://schemas.microsoft.com/office/drawing/2014/main" id="{C47A64B0-CF91-4BC1-BF41-F24FE89D40D9}"/>
+                <a16:creationId xmlns:a16="http://schemas.microsoft.com/office/drawing/2014/main" id="{5CBF8E7E-95AB-4746-8601-BD9049AE0F01}"/>
               </a:ext>
             </a:extLst>
           </p:cNvPr>
@@ -4703,82 +5727,212 @@
           <a:p>
             <a:r>
               <a:rPr lang="en-GB" dirty="0"/>
-              <a:t>Paste the URL together</a:t>
+              <a:t>We have a date-object, but need an URL</a:t>
             </a:r>
           </a:p>
           <a:p>
             <a:r>
               <a:rPr lang="en-GB" dirty="0"/>
-              <a:t>(Create and) paste the destination together</a:t>
-            </a:r>
-          </a:p>
-          <a:p>
+              <a:t>In the form of </a:t>
+            </a:r>
+            <a:r>
+              <a:rPr lang="en-GB" dirty="0">
+                <a:hlinkClick r:id="rId2"/>
+              </a:rPr>
+              <a:t>https://www.gocomics.com/garfield/2021/01/14</a:t>
+            </a:r>
             <a:endParaRPr lang="en-GB" dirty="0"/>
           </a:p>
           <a:p>
+            <a:endParaRPr lang="en-GB" dirty="0"/>
+          </a:p>
+          <a:p>
+            <a:endParaRPr lang="en-GB" dirty="0"/>
+          </a:p>
+          <a:p>
             <a:r>
               <a:rPr lang="en-GB" dirty="0"/>
-              <a:t>URL: $</a:t>
-            </a:r>
+              <a:t>We have a date object, and want the date in a certain format</a:t>
+            </a:r>
+          </a:p>
+          <a:p>
             <a:r>
               <a:rPr lang="en-GB" dirty="0" err="1"/>
-              <a:t>baseUrl</a:t>
+              <a:t>toString</a:t>
             </a:r>
             <a:r>
               <a:rPr lang="en-GB" dirty="0"/>
-              <a:t> + $</a:t>
-            </a:r>
-            <a:r>
-              <a:rPr lang="en-GB" dirty="0" err="1"/>
-              <a:t>date.toString</a:t>
-            </a:r>
+              <a:t>!</a:t>
+            </a:r>
+          </a:p>
+          <a:p>
+            <a:pPr lvl="1"/>
             <a:r>
               <a:rPr lang="en-GB" dirty="0"/>
-              <a:t>(…) + $extension</a:t>
-            </a:r>
-          </a:p>
-          <a:p>
-            <a:r>
-              <a:rPr lang="en-GB" dirty="0"/>
-              <a:t>Destination: a path, so Join-path of</a:t>
-            </a:r>
-          </a:p>
-          <a:p>
-            <a:pPr lvl="1"/>
-            <a:r>
-              <a:rPr lang="en-GB" dirty="0"/>
-              <a:t>C:\tmp\Garfield</a:t>
-            </a:r>
-          </a:p>
-          <a:p>
-            <a:pPr lvl="1"/>
-            <a:r>
-              <a:rPr lang="en-GB" dirty="0"/>
-              <a:t>The date as </a:t>
-            </a:r>
-            <a:r>
-              <a:rPr lang="en-GB" dirty="0" err="1"/>
-              <a:t>yyyy</a:t>
-            </a:r>
-            <a:r>
-              <a:rPr lang="en-GB" dirty="0"/>
-              <a:t>-MM-</a:t>
-            </a:r>
-            <a:r>
-              <a:rPr lang="en-GB" dirty="0" err="1"/>
-              <a:t>ddd</a:t>
-            </a:r>
-            <a:r>
-              <a:rPr lang="en-GB" dirty="0"/>
-              <a:t> + the extension</a:t>
-            </a:r>
-          </a:p>
-        </p:txBody>
-      </p:sp>
+              <a:t>Modifiers: </a:t>
+            </a:r>
+            <a:r>
+              <a:rPr lang="en-GB" dirty="0">
+                <a:hlinkClick r:id="rId3"/>
+              </a:rPr>
+              <a:t>https://docs.microsoft.com/en-us/dotnet/standard/base-types/custom-date-and-time-format-strings</a:t>
+            </a:r>
+            <a:endParaRPr lang="en-GB" dirty="0"/>
+          </a:p>
+          <a:p>
+            <a:pPr marL="0" indent="0">
+              <a:buNone/>
+            </a:pPr>
+            <a:endParaRPr lang="en-GB" dirty="0"/>
+          </a:p>
+          <a:p>
+            <a:endParaRPr lang="en-GB" dirty="0"/>
+          </a:p>
+          <a:p>
+            <a:endParaRPr lang="en-GB" dirty="0"/>
+          </a:p>
+        </p:txBody>
+      </p:sp>
+      <p:sp>
+        <p:nvSpPr>
+          <p:cNvPr id="8" name="TextBox 7">
+            <a:extLst>
+              <a:ext uri="{FF2B5EF4-FFF2-40B4-BE49-F238E27FC236}">
+                <a16:creationId xmlns:a16="http://schemas.microsoft.com/office/drawing/2014/main" id="{CA57A03A-D66F-4EA1-8C9E-BBBFED6205A5}"/>
+              </a:ext>
+            </a:extLst>
+          </p:cNvPr>
+          <p:cNvSpPr txBox="1"/>
+          <p:nvPr/>
+        </p:nvSpPr>
+        <p:spPr>
+          <a:xfrm>
+            <a:off x="1890903" y="3105834"/>
+            <a:ext cx="8410194" cy="646331"/>
+          </a:xfrm>
+          <a:prstGeom prst="rect">
+            <a:avLst/>
+          </a:prstGeom>
+          <a:noFill/>
+        </p:spPr>
+        <p:txBody>
+          <a:bodyPr wrap="square">
+            <a:spAutoFit/>
+          </a:bodyPr>
+          <a:lstStyle/>
+          <a:p>
+            <a:r>
+              <a:rPr lang="en-US" dirty="0"/>
+              <a:t> </a:t>
+            </a:r>
+            <a:r>
+              <a:rPr lang="en-US" sz="1800" dirty="0">
+                <a:solidFill>
+                  <a:srgbClr val="A82D00"/>
+                </a:solidFill>
+                <a:latin typeface="Lucida Console" panose="020B0609040504020204" pitchFamily="49" charset="0"/>
+              </a:rPr>
+              <a:t>$</a:t>
+            </a:r>
+            <a:r>
+              <a:rPr lang="en-US" sz="1800" dirty="0" err="1">
+                <a:solidFill>
+                  <a:srgbClr val="A82D00"/>
+                </a:solidFill>
+                <a:latin typeface="Lucida Console" panose="020B0609040504020204" pitchFamily="49" charset="0"/>
+              </a:rPr>
+              <a:t>baseurl</a:t>
+            </a:r>
+            <a:r>
+              <a:rPr lang="en-US" sz="1800" dirty="0">
+                <a:solidFill>
+                  <a:prstClr val="black"/>
+                </a:solidFill>
+                <a:latin typeface="Lucida Console" panose="020B0609040504020204" pitchFamily="49" charset="0"/>
+              </a:rPr>
+              <a:t> </a:t>
+            </a:r>
+            <a:r>
+              <a:rPr lang="en-US" sz="1800" dirty="0">
+                <a:solidFill>
+                  <a:srgbClr val="696969"/>
+                </a:solidFill>
+                <a:latin typeface="Lucida Console" panose="020B0609040504020204" pitchFamily="49" charset="0"/>
+              </a:rPr>
+              <a:t>=</a:t>
+            </a:r>
+            <a:r>
+              <a:rPr lang="en-US" sz="1800" dirty="0">
+                <a:solidFill>
+                  <a:prstClr val="black"/>
+                </a:solidFill>
+                <a:latin typeface="Lucida Console" panose="020B0609040504020204" pitchFamily="49" charset="0"/>
+              </a:rPr>
+              <a:t> </a:t>
+            </a:r>
+            <a:r>
+              <a:rPr lang="en-US" sz="1800" dirty="0">
+                <a:solidFill>
+                  <a:srgbClr val="8B0000"/>
+                </a:solidFill>
+                <a:latin typeface="Lucida Console" panose="020B0609040504020204" pitchFamily="49" charset="0"/>
+              </a:rPr>
+              <a:t>"https://www.gocomics.com/garfield/"</a:t>
+            </a:r>
+            <a:endParaRPr lang="en-US" sz="1800" dirty="0">
+              <a:solidFill>
+                <a:prstClr val="black"/>
+              </a:solidFill>
+              <a:latin typeface="Lucida Console" panose="020B0609040504020204" pitchFamily="49" charset="0"/>
+            </a:endParaRPr>
+          </a:p>
+          <a:p>
+            <a:r>
+              <a:rPr lang="en-US" sz="1800" dirty="0">
+                <a:solidFill>
+                  <a:srgbClr val="006400"/>
+                </a:solidFill>
+                <a:latin typeface="Lucida Console" panose="020B0609040504020204" pitchFamily="49" charset="0"/>
+              </a:rPr>
+              <a:t># 2021/01/14 </a:t>
+            </a:r>
+          </a:p>
+        </p:txBody>
+      </p:sp>
+      <p:pic>
+        <p:nvPicPr>
+          <p:cNvPr id="11" name="Picture 10">
+            <a:extLst>
+              <a:ext uri="{FF2B5EF4-FFF2-40B4-BE49-F238E27FC236}">
+                <a16:creationId xmlns:a16="http://schemas.microsoft.com/office/drawing/2014/main" id="{34C2D041-FE0D-493C-B00C-25C9090FE885}"/>
+              </a:ext>
+            </a:extLst>
+          </p:cNvPr>
+          <p:cNvPicPr>
+            <a:picLocks noChangeAspect="1"/>
+          </p:cNvPicPr>
+          <p:nvPr/>
+        </p:nvPicPr>
+        <p:blipFill>
+          <a:blip r:embed="rId4"/>
+          <a:stretch>
+            <a:fillRect/>
+          </a:stretch>
+        </p:blipFill>
+        <p:spPr>
+          <a:xfrm>
+            <a:off x="6824068" y="5603872"/>
+            <a:ext cx="4991797" cy="952633"/>
+          </a:xfrm>
+          <a:prstGeom prst="rect">
+            <a:avLst/>
+          </a:prstGeom>
+        </p:spPr>
+      </p:pic>
     </p:spTree>
     <p:extLst>
       <p:ext uri="{BB962C8B-B14F-4D97-AF65-F5344CB8AC3E}">
-        <p14:creationId xmlns:p14="http://schemas.microsoft.com/office/powerpoint/2010/main" val="2744950951"/>
+        <p14:creationId xmlns:p14="http://schemas.microsoft.com/office/powerpoint/2010/main" val="1888474568"/>
       </p:ext>
     </p:extLst>
   </p:cSld>
@@ -4810,6 +5964,148 @@
           <p:cNvPr id="2" name="Title 1">
             <a:extLst>
               <a:ext uri="{FF2B5EF4-FFF2-40B4-BE49-F238E27FC236}">
+                <a16:creationId xmlns:a16="http://schemas.microsoft.com/office/drawing/2014/main" id="{94DBD225-AD73-4B2D-ACCD-3FE4458B697E}"/>
+              </a:ext>
+            </a:extLst>
+          </p:cNvPr>
+          <p:cNvSpPr>
+            <a:spLocks noGrp="1"/>
+          </p:cNvSpPr>
+          <p:nvPr>
+            <p:ph type="title"/>
+          </p:nvPr>
+        </p:nvSpPr>
+        <p:spPr/>
+        <p:txBody>
+          <a:bodyPr/>
+          <a:lstStyle/>
+          <a:p>
+            <a:r>
+              <a:rPr lang="en-GB" dirty="0"/>
+              <a:t>A couple more things</a:t>
+            </a:r>
+          </a:p>
+        </p:txBody>
+      </p:sp>
+      <p:sp>
+        <p:nvSpPr>
+          <p:cNvPr id="3" name="Content Placeholder 2">
+            <a:extLst>
+              <a:ext uri="{FF2B5EF4-FFF2-40B4-BE49-F238E27FC236}">
+                <a16:creationId xmlns:a16="http://schemas.microsoft.com/office/drawing/2014/main" id="{C47A64B0-CF91-4BC1-BF41-F24FE89D40D9}"/>
+              </a:ext>
+            </a:extLst>
+          </p:cNvPr>
+          <p:cNvSpPr>
+            <a:spLocks noGrp="1"/>
+          </p:cNvSpPr>
+          <p:nvPr>
+            <p:ph idx="1"/>
+          </p:nvPr>
+        </p:nvSpPr>
+        <p:spPr/>
+        <p:txBody>
+          <a:bodyPr>
+            <a:normAutofit/>
+          </a:bodyPr>
+          <a:lstStyle/>
+          <a:p>
+            <a:r>
+              <a:rPr lang="en-GB" dirty="0"/>
+              <a:t>Paste the </a:t>
+            </a:r>
+            <a:r>
+              <a:rPr lang="en-GB" dirty="0" err="1"/>
+              <a:t>URl</a:t>
+            </a:r>
+            <a:r>
+              <a:rPr lang="en-GB" dirty="0"/>
+              <a:t> together</a:t>
+            </a:r>
+          </a:p>
+          <a:p>
+            <a:r>
+              <a:rPr lang="en-GB" dirty="0"/>
+              <a:t>Find the image-URI</a:t>
+            </a:r>
+          </a:p>
+          <a:p>
+            <a:r>
+              <a:rPr lang="en-GB" dirty="0"/>
+              <a:t>Create the filename (Join-Path of)</a:t>
+            </a:r>
+          </a:p>
+          <a:p>
+            <a:pPr lvl="1"/>
+            <a:r>
+              <a:rPr lang="en-GB" dirty="0"/>
+              <a:t>Location</a:t>
+            </a:r>
+          </a:p>
+          <a:p>
+            <a:pPr lvl="1"/>
+            <a:r>
+              <a:rPr lang="en-GB" dirty="0"/>
+              <a:t>“Garfield”</a:t>
+            </a:r>
+          </a:p>
+          <a:p>
+            <a:pPr lvl="1"/>
+            <a:r>
+              <a:rPr lang="en-GB" dirty="0"/>
+              <a:t>formatted date</a:t>
+            </a:r>
+          </a:p>
+          <a:p>
+            <a:pPr lvl="1"/>
+            <a:r>
+              <a:rPr lang="en-GB" dirty="0"/>
+              <a:t>“.gif”</a:t>
+            </a:r>
+          </a:p>
+          <a:p>
+            <a:r>
+              <a:rPr lang="en-GB" dirty="0"/>
+              <a:t>Download the image</a:t>
+            </a:r>
+          </a:p>
+        </p:txBody>
+      </p:sp>
+    </p:spTree>
+    <p:extLst>
+      <p:ext uri="{BB962C8B-B14F-4D97-AF65-F5344CB8AC3E}">
+        <p14:creationId xmlns:p14="http://schemas.microsoft.com/office/powerpoint/2010/main" val="2744950951"/>
+      </p:ext>
+    </p:extLst>
+  </p:cSld>
+  <p:clrMapOvr>
+    <a:masterClrMapping/>
+  </p:clrMapOvr>
+</p:sld>
+</file>
+
+<file path=ppt/slides/slide14.xml><?xml version="1.0" encoding="utf-8"?>
+<p:sld xmlns:a="http://schemas.openxmlformats.org/drawingml/2006/main" xmlns:r="http://schemas.openxmlformats.org/officeDocument/2006/relationships" xmlns:p="http://schemas.openxmlformats.org/presentationml/2006/main">
+  <p:cSld>
+    <p:spTree>
+      <p:nvGrpSpPr>
+        <p:cNvPr id="1" name=""/>
+        <p:cNvGrpSpPr/>
+        <p:nvPr/>
+      </p:nvGrpSpPr>
+      <p:grpSpPr>
+        <a:xfrm>
+          <a:off x="0" y="0"/>
+          <a:ext cx="0" cy="0"/>
+          <a:chOff x="0" y="0"/>
+          <a:chExt cx="0" cy="0"/>
+        </a:xfrm>
+      </p:grpSpPr>
+      <p:sp>
+        <p:nvSpPr>
+          <p:cNvPr id="2" name="Title 1">
+            <a:extLst>
+              <a:ext uri="{FF2B5EF4-FFF2-40B4-BE49-F238E27FC236}">
                 <a16:creationId xmlns:a16="http://schemas.microsoft.com/office/drawing/2014/main" id="{F63BA0CA-FC6C-4973-BC3A-CD1066E5BC97}"/>
               </a:ext>
             </a:extLst>
@@ -4839,10 +6135,10 @@
       </p:sp>
       <p:pic>
         <p:nvPicPr>
-          <p:cNvPr id="4" name="Picture 3">
+          <p:cNvPr id="5" name="Picture 4">
             <a:extLst>
               <a:ext uri="{FF2B5EF4-FFF2-40B4-BE49-F238E27FC236}">
-                <a16:creationId xmlns:a16="http://schemas.microsoft.com/office/drawing/2014/main" id="{AD335426-4454-491D-982D-922F4E04E738}"/>
+                <a16:creationId xmlns:a16="http://schemas.microsoft.com/office/drawing/2014/main" id="{0DCD7961-9FAF-400E-964B-33171FD90FB7}"/>
               </a:ext>
             </a:extLst>
           </p:cNvPr>
@@ -4859,8 +6155,8 @@
         </p:blipFill>
         <p:spPr>
           <a:xfrm>
-            <a:off x="838200" y="2386064"/>
-            <a:ext cx="10515600" cy="2814584"/>
+            <a:off x="1609303" y="1621225"/>
+            <a:ext cx="8973393" cy="4871650"/>
           </a:xfrm>
           <a:prstGeom prst="rect">
             <a:avLst/>
@@ -4920,7 +6216,7 @@
           <a:p>
             <a:r>
               <a:rPr lang="en-GB" dirty="0"/>
-              <a:t>https://garfield.com/comic</a:t>
+              <a:t>https://www.gocomics.com/garfield</a:t>
             </a:r>
           </a:p>
         </p:txBody>
@@ -5057,7 +6353,7 @@
           <a:p>
             <a:r>
               <a:rPr lang="en-GB" dirty="0"/>
-              <a:t>https://garfield.com/comic</a:t>
+              <a:t>https://www.gocomics.com/garfield</a:t>
             </a:r>
           </a:p>
         </p:txBody>
@@ -5185,7 +6481,7 @@
           <a:p>
             <a:r>
               <a:rPr lang="en-GB" dirty="0"/>
-              <a:t>https://garfield.com/comic</a:t>
+              <a:t>https://www.gocomics.com/garfield</a:t>
             </a:r>
           </a:p>
         </p:txBody>
@@ -5289,7 +6585,7 @@
           <p:cNvPr id="2" name="Title 1">
             <a:extLst>
               <a:ext uri="{FF2B5EF4-FFF2-40B4-BE49-F238E27FC236}">
-                <a16:creationId xmlns:a16="http://schemas.microsoft.com/office/drawing/2014/main" id="{6ADB3686-CF36-4EB0-A3C2-0CBA970C6A7A}"/>
+                <a16:creationId xmlns:a16="http://schemas.microsoft.com/office/drawing/2014/main" id="{96E2994C-25EE-4393-A525-FD8CB7593878}"/>
               </a:ext>
             </a:extLst>
           </p:cNvPr>
@@ -5307,7 +6603,7 @@
           <a:p>
             <a:r>
               <a:rPr lang="en-GB" dirty="0"/>
-              <a:t>Test 1</a:t>
+              <a:t>Can we download it?</a:t>
             </a:r>
           </a:p>
         </p:txBody>
@@ -5317,7 +6613,7 @@
           <p:cNvPr id="3" name="Content Placeholder 2">
             <a:extLst>
               <a:ext uri="{FF2B5EF4-FFF2-40B4-BE49-F238E27FC236}">
-                <a16:creationId xmlns:a16="http://schemas.microsoft.com/office/drawing/2014/main" id="{415E65A6-AC39-4EBD-942D-908C383EA3F0}"/>
+                <a16:creationId xmlns:a16="http://schemas.microsoft.com/office/drawing/2014/main" id="{41AA7200-B272-475D-BEBA-177947EDFEA1}"/>
               </a:ext>
             </a:extLst>
           </p:cNvPr>
@@ -5330,352 +6626,54 @@
         </p:nvSpPr>
         <p:spPr/>
         <p:txBody>
-          <a:bodyPr/>
+          <a:bodyPr>
+            <a:normAutofit/>
+          </a:bodyPr>
           <a:lstStyle/>
           <a:p>
             <a:r>
               <a:rPr lang="en-GB" dirty="0"/>
-              <a:t>Get the entire page, try to find the right image</a:t>
-            </a:r>
-          </a:p>
-          <a:p>
-            <a:pPr lvl="1"/>
+              <a:t>Get to the image directly</a:t>
+            </a:r>
+          </a:p>
+          <a:p>
             <a:r>
               <a:rPr lang="en-GB" dirty="0"/>
-              <a:t>Invoke-</a:t>
-            </a:r>
-            <a:r>
-              <a:rPr lang="en-GB" dirty="0" err="1"/>
-              <a:t>Webrequest</a:t>
-            </a:r>
+              <a:t>View source</a:t>
+            </a:r>
+          </a:p>
+          <a:p>
             <a:endParaRPr lang="en-GB" dirty="0"/>
           </a:p>
           <a:p>
-            <a:pPr lvl="1"/>
-            <a:r>
-              <a:rPr lang="en-GB" dirty="0"/>
-              <a:t>-</a:t>
-            </a:r>
-            <a:r>
-              <a:rPr lang="en-GB" dirty="0" err="1"/>
-              <a:t>url</a:t>
-            </a:r>
-            <a:r>
-              <a:rPr lang="en-GB" dirty="0"/>
-              <a:t> is </a:t>
-            </a:r>
-            <a:r>
-              <a:rPr lang="en-GB" dirty="0">
-                <a:hlinkClick r:id="rId2"/>
-              </a:rPr>
-              <a:t>https://garfield.com/comic</a:t>
-            </a:r>
             <a:endParaRPr lang="en-GB" dirty="0"/>
           </a:p>
           <a:p>
-            <a:pPr lvl="1"/>
-            <a:r>
-              <a:rPr lang="en-GB" dirty="0"/>
-              <a:t>Catch the result in a variable</a:t>
-            </a:r>
-          </a:p>
-          <a:p>
-            <a:pPr lvl="1"/>
-            <a:r>
-              <a:rPr lang="en-GB" dirty="0"/>
-              <a:t>Check if the variable has the comic as an image</a:t>
-            </a:r>
-          </a:p>
-        </p:txBody>
-      </p:sp>
-      <p:sp>
-        <p:nvSpPr>
-          <p:cNvPr id="4" name="Rectangle 3">
+            <a:endParaRPr lang="en-GB" dirty="0"/>
+          </a:p>
+          <a:p>
+            <a:endParaRPr lang="en-GB" dirty="0"/>
+          </a:p>
+          <a:p>
+            <a:pPr marL="0" indent="0">
+              <a:buNone/>
+            </a:pPr>
+            <a:endParaRPr lang="en-GB" dirty="0"/>
+          </a:p>
+          <a:p>
+            <a:endParaRPr lang="en-GB" dirty="0"/>
+          </a:p>
+          <a:p>
+            <a:endParaRPr lang="en-GB" dirty="0"/>
+          </a:p>
+        </p:txBody>
+      </p:sp>
+      <p:pic>
+        <p:nvPicPr>
+          <p:cNvPr id="8" name="Picture 7">
             <a:extLst>
               <a:ext uri="{FF2B5EF4-FFF2-40B4-BE49-F238E27FC236}">
-                <a16:creationId xmlns:a16="http://schemas.microsoft.com/office/drawing/2014/main" id="{75C3F2B7-B5E0-4FAA-9320-A706CB772589}"/>
-              </a:ext>
-            </a:extLst>
-          </p:cNvPr>
-          <p:cNvSpPr/>
-          <p:nvPr/>
-        </p:nvSpPr>
-        <p:spPr>
-          <a:xfrm>
-            <a:off x="838200" y="4332323"/>
-            <a:ext cx="6096000" cy="1477328"/>
-          </a:xfrm>
-          <a:prstGeom prst="rect">
-            <a:avLst/>
-          </a:prstGeom>
-        </p:spPr>
-        <p:txBody>
-          <a:bodyPr>
-            <a:spAutoFit/>
-          </a:bodyPr>
-          <a:lstStyle/>
-          <a:p>
-            <a:r>
-              <a:rPr lang="en-GB" dirty="0"/>
-              <a:t> </a:t>
-            </a:r>
-            <a:r>
-              <a:rPr lang="en-GB" dirty="0">
-                <a:solidFill>
-                  <a:srgbClr val="FF4500"/>
-                </a:solidFill>
-                <a:latin typeface="Lucida Console" panose="020B0609040504020204" pitchFamily="49" charset="0"/>
-              </a:rPr>
-              <a:t>$</a:t>
-            </a:r>
-            <a:r>
-              <a:rPr lang="en-GB" dirty="0" err="1">
-                <a:solidFill>
-                  <a:srgbClr val="FF4500"/>
-                </a:solidFill>
-                <a:latin typeface="Lucida Console" panose="020B0609040504020204" pitchFamily="49" charset="0"/>
-              </a:rPr>
-              <a:t>url</a:t>
-            </a:r>
-            <a:r>
-              <a:rPr lang="en-GB" dirty="0">
-                <a:solidFill>
-                  <a:prstClr val="black"/>
-                </a:solidFill>
-                <a:latin typeface="Lucida Console" panose="020B0609040504020204" pitchFamily="49" charset="0"/>
-              </a:rPr>
-              <a:t> </a:t>
-            </a:r>
-            <a:r>
-              <a:rPr lang="en-GB" dirty="0">
-                <a:solidFill>
-                  <a:srgbClr val="A9A9A9"/>
-                </a:solidFill>
-                <a:latin typeface="Lucida Console" panose="020B0609040504020204" pitchFamily="49" charset="0"/>
-              </a:rPr>
-              <a:t>=</a:t>
-            </a:r>
-            <a:r>
-              <a:rPr lang="en-GB" dirty="0">
-                <a:solidFill>
-                  <a:prstClr val="black"/>
-                </a:solidFill>
-                <a:latin typeface="Lucida Console" panose="020B0609040504020204" pitchFamily="49" charset="0"/>
-              </a:rPr>
-              <a:t> </a:t>
-            </a:r>
-            <a:r>
-              <a:rPr lang="en-GB" dirty="0">
-                <a:solidFill>
-                  <a:srgbClr val="8B0000"/>
-                </a:solidFill>
-                <a:latin typeface="Lucida Console" panose="020B0609040504020204" pitchFamily="49" charset="0"/>
-              </a:rPr>
-              <a:t>"https://garfield.com/comic"</a:t>
-            </a:r>
-            <a:endParaRPr lang="en-GB" dirty="0">
-              <a:solidFill>
-                <a:prstClr val="black"/>
-              </a:solidFill>
-              <a:latin typeface="Lucida Console" panose="020B0609040504020204" pitchFamily="49" charset="0"/>
-            </a:endParaRPr>
-          </a:p>
-          <a:p>
-            <a:endParaRPr lang="en-GB" dirty="0">
-              <a:solidFill>
-                <a:prstClr val="black"/>
-              </a:solidFill>
-              <a:latin typeface="Lucida Console" panose="020B0609040504020204" pitchFamily="49" charset="0"/>
-            </a:endParaRPr>
-          </a:p>
-          <a:p>
-            <a:r>
-              <a:rPr lang="en-GB" dirty="0">
-                <a:solidFill>
-                  <a:srgbClr val="FF4500"/>
-                </a:solidFill>
-                <a:latin typeface="Lucida Console" panose="020B0609040504020204" pitchFamily="49" charset="0"/>
-              </a:rPr>
-              <a:t>$</a:t>
-            </a:r>
-            <a:r>
-              <a:rPr lang="en-GB" dirty="0" err="1">
-                <a:solidFill>
-                  <a:srgbClr val="FF4500"/>
-                </a:solidFill>
-                <a:latin typeface="Lucida Console" panose="020B0609040504020204" pitchFamily="49" charset="0"/>
-              </a:rPr>
-              <a:t>var</a:t>
-            </a:r>
-            <a:r>
-              <a:rPr lang="en-GB" dirty="0">
-                <a:solidFill>
-                  <a:prstClr val="black"/>
-                </a:solidFill>
-                <a:latin typeface="Lucida Console" panose="020B0609040504020204" pitchFamily="49" charset="0"/>
-              </a:rPr>
-              <a:t> </a:t>
-            </a:r>
-            <a:r>
-              <a:rPr lang="en-GB" dirty="0">
-                <a:solidFill>
-                  <a:srgbClr val="A9A9A9"/>
-                </a:solidFill>
-                <a:latin typeface="Lucida Console" panose="020B0609040504020204" pitchFamily="49" charset="0"/>
-              </a:rPr>
-              <a:t>=</a:t>
-            </a:r>
-            <a:r>
-              <a:rPr lang="en-GB" dirty="0">
-                <a:solidFill>
-                  <a:prstClr val="black"/>
-                </a:solidFill>
-                <a:latin typeface="Lucida Console" panose="020B0609040504020204" pitchFamily="49" charset="0"/>
-              </a:rPr>
-              <a:t> </a:t>
-            </a:r>
-            <a:r>
-              <a:rPr lang="en-GB" dirty="0">
-                <a:solidFill>
-                  <a:srgbClr val="0000FF"/>
-                </a:solidFill>
-                <a:latin typeface="Lucida Console" panose="020B0609040504020204" pitchFamily="49" charset="0"/>
-              </a:rPr>
-              <a:t>Invoke-</a:t>
-            </a:r>
-            <a:r>
-              <a:rPr lang="en-GB" dirty="0" err="1">
-                <a:solidFill>
-                  <a:srgbClr val="0000FF"/>
-                </a:solidFill>
-                <a:latin typeface="Lucida Console" panose="020B0609040504020204" pitchFamily="49" charset="0"/>
-              </a:rPr>
-              <a:t>WebRequest</a:t>
-            </a:r>
-            <a:r>
-              <a:rPr lang="en-GB" dirty="0">
-                <a:solidFill>
-                  <a:prstClr val="black"/>
-                </a:solidFill>
-                <a:latin typeface="Lucida Console" panose="020B0609040504020204" pitchFamily="49" charset="0"/>
-              </a:rPr>
-              <a:t> </a:t>
-            </a:r>
-            <a:r>
-              <a:rPr lang="en-GB" dirty="0">
-                <a:solidFill>
-                  <a:srgbClr val="000080"/>
-                </a:solidFill>
-                <a:latin typeface="Lucida Console" panose="020B0609040504020204" pitchFamily="49" charset="0"/>
-              </a:rPr>
-              <a:t>-Uri</a:t>
-            </a:r>
-            <a:r>
-              <a:rPr lang="en-GB" dirty="0">
-                <a:solidFill>
-                  <a:prstClr val="black"/>
-                </a:solidFill>
-                <a:latin typeface="Lucida Console" panose="020B0609040504020204" pitchFamily="49" charset="0"/>
-              </a:rPr>
-              <a:t> </a:t>
-            </a:r>
-            <a:r>
-              <a:rPr lang="en-GB" dirty="0">
-                <a:solidFill>
-                  <a:srgbClr val="FF4500"/>
-                </a:solidFill>
-                <a:latin typeface="Lucida Console" panose="020B0609040504020204" pitchFamily="49" charset="0"/>
-              </a:rPr>
-              <a:t>$</a:t>
-            </a:r>
-            <a:r>
-              <a:rPr lang="en-GB" dirty="0" err="1">
-                <a:solidFill>
-                  <a:srgbClr val="FF4500"/>
-                </a:solidFill>
-                <a:latin typeface="Lucida Console" panose="020B0609040504020204" pitchFamily="49" charset="0"/>
-              </a:rPr>
-              <a:t>url</a:t>
-            </a:r>
-            <a:endParaRPr lang="en-GB" dirty="0">
-              <a:solidFill>
-                <a:prstClr val="black"/>
-              </a:solidFill>
-              <a:latin typeface="Lucida Console" panose="020B0609040504020204" pitchFamily="49" charset="0"/>
-            </a:endParaRPr>
-          </a:p>
-          <a:p>
-            <a:endParaRPr lang="en-GB" dirty="0">
-              <a:solidFill>
-                <a:prstClr val="black"/>
-              </a:solidFill>
-              <a:latin typeface="Lucida Console" panose="020B0609040504020204" pitchFamily="49" charset="0"/>
-            </a:endParaRPr>
-          </a:p>
-          <a:p>
-            <a:r>
-              <a:rPr lang="en-GB" dirty="0">
-                <a:solidFill>
-                  <a:srgbClr val="FF4500"/>
-                </a:solidFill>
-                <a:latin typeface="Lucida Console" panose="020B0609040504020204" pitchFamily="49" charset="0"/>
-              </a:rPr>
-              <a:t>$</a:t>
-            </a:r>
-            <a:r>
-              <a:rPr lang="en-GB" dirty="0" err="1">
-                <a:solidFill>
-                  <a:srgbClr val="FF4500"/>
-                </a:solidFill>
-                <a:latin typeface="Lucida Console" panose="020B0609040504020204" pitchFamily="49" charset="0"/>
-              </a:rPr>
-              <a:t>var</a:t>
-            </a:r>
-            <a:r>
-              <a:rPr lang="en-GB" dirty="0">
-                <a:solidFill>
-                  <a:prstClr val="black"/>
-                </a:solidFill>
-                <a:latin typeface="Lucida Console" panose="020B0609040504020204" pitchFamily="49" charset="0"/>
-              </a:rPr>
-              <a:t> </a:t>
-            </a:r>
-            <a:r>
-              <a:rPr lang="en-GB" dirty="0">
-                <a:solidFill>
-                  <a:srgbClr val="A9A9A9"/>
-                </a:solidFill>
-                <a:latin typeface="Lucida Console" panose="020B0609040504020204" pitchFamily="49" charset="0"/>
-              </a:rPr>
-              <a:t>|</a:t>
-            </a:r>
-            <a:r>
-              <a:rPr lang="en-GB" dirty="0">
-                <a:solidFill>
-                  <a:prstClr val="black"/>
-                </a:solidFill>
-                <a:latin typeface="Lucida Console" panose="020B0609040504020204" pitchFamily="49" charset="0"/>
-              </a:rPr>
-              <a:t> </a:t>
-            </a:r>
-            <a:r>
-              <a:rPr lang="en-GB" dirty="0">
-                <a:solidFill>
-                  <a:srgbClr val="0000FF"/>
-                </a:solidFill>
-                <a:latin typeface="Lucida Console" panose="020B0609040504020204" pitchFamily="49" charset="0"/>
-              </a:rPr>
-              <a:t>Get-Member </a:t>
-            </a:r>
-          </a:p>
-        </p:txBody>
-      </p:sp>
-      <p:pic>
-        <p:nvPicPr>
-          <p:cNvPr id="5" name="Picture 4">
-            <a:extLst>
-              <a:ext uri="{FF2B5EF4-FFF2-40B4-BE49-F238E27FC236}">
-                <a16:creationId xmlns:a16="http://schemas.microsoft.com/office/drawing/2014/main" id="{611C9E7A-8D04-4B0E-ABA5-721212094BDE}"/>
+                <a16:creationId xmlns:a16="http://schemas.microsoft.com/office/drawing/2014/main" id="{01C22949-D9D3-44A6-9484-E09E3C521937}"/>
               </a:ext>
             </a:extLst>
           </p:cNvPr>
@@ -5685,15 +6683,15 @@
           <p:nvPr/>
         </p:nvPicPr>
         <p:blipFill>
-          <a:blip r:embed="rId3"/>
+          <a:blip r:embed="rId2"/>
           <a:stretch>
             <a:fillRect/>
           </a:stretch>
         </p:blipFill>
         <p:spPr>
           <a:xfrm>
-            <a:off x="5880338" y="3788229"/>
-            <a:ext cx="6146304" cy="2835908"/>
+            <a:off x="0" y="3532478"/>
+            <a:ext cx="12192000" cy="2507964"/>
           </a:xfrm>
           <a:prstGeom prst="rect">
             <a:avLst/>
@@ -5703,7 +6701,7 @@
     </p:spTree>
     <p:extLst>
       <p:ext uri="{BB962C8B-B14F-4D97-AF65-F5344CB8AC3E}">
-        <p14:creationId xmlns:p14="http://schemas.microsoft.com/office/powerpoint/2010/main" val="2305190369"/>
+        <p14:creationId xmlns:p14="http://schemas.microsoft.com/office/powerpoint/2010/main" val="3523808697"/>
       </p:ext>
     </p:extLst>
   </p:cSld>
@@ -5735,7 +6733,7 @@
           <p:cNvPr id="2" name="Title 1">
             <a:extLst>
               <a:ext uri="{FF2B5EF4-FFF2-40B4-BE49-F238E27FC236}">
-                <a16:creationId xmlns:a16="http://schemas.microsoft.com/office/drawing/2014/main" id="{96E2994C-25EE-4393-A525-FD8CB7593878}"/>
+                <a16:creationId xmlns:a16="http://schemas.microsoft.com/office/drawing/2014/main" id="{6EE46D70-17AA-425A-8F4A-6DC66DF75F4D}"/>
               </a:ext>
             </a:extLst>
           </p:cNvPr>
@@ -5753,7 +6751,7 @@
           <a:p>
             <a:r>
               <a:rPr lang="en-GB" dirty="0"/>
-              <a:t>Test 2</a:t>
+              <a:t>Can we download it?</a:t>
             </a:r>
           </a:p>
         </p:txBody>
@@ -5763,7 +6761,7 @@
           <p:cNvPr id="3" name="Content Placeholder 2">
             <a:extLst>
               <a:ext uri="{FF2B5EF4-FFF2-40B4-BE49-F238E27FC236}">
-                <a16:creationId xmlns:a16="http://schemas.microsoft.com/office/drawing/2014/main" id="{41AA7200-B272-475D-BEBA-177947EDFEA1}"/>
+                <a16:creationId xmlns:a16="http://schemas.microsoft.com/office/drawing/2014/main" id="{BBF1E884-35DC-4063-A6AA-B730EBA74FD3}"/>
               </a:ext>
             </a:extLst>
           </p:cNvPr>
@@ -5776,55 +6774,286 @@
         </p:nvSpPr>
         <p:spPr/>
         <p:txBody>
-          <a:bodyPr>
-            <a:normAutofit/>
+          <a:bodyPr/>
+          <a:lstStyle/>
+          <a:p>
+            <a:r>
+              <a:rPr lang="en-GB" dirty="0"/>
+              <a:t>Get to the image directly</a:t>
+            </a:r>
+          </a:p>
+          <a:p>
+            <a:endParaRPr lang="en-GB" dirty="0"/>
+          </a:p>
+          <a:p>
+            <a:endParaRPr lang="en-GB" dirty="0"/>
+          </a:p>
+          <a:p>
+            <a:endParaRPr lang="en-GB" dirty="0"/>
+          </a:p>
+          <a:p>
+            <a:endParaRPr lang="en-GB" dirty="0"/>
+          </a:p>
+          <a:p>
+            <a:r>
+              <a:rPr lang="en-GB" dirty="0"/>
+              <a:t>The image is generated dynamically, Start-Bits won’t work…</a:t>
+            </a:r>
+          </a:p>
+          <a:p>
+            <a:endParaRPr lang="en-GB" dirty="0"/>
+          </a:p>
+          <a:p>
+            <a:r>
+              <a:rPr lang="en-GB" dirty="0" err="1"/>
+              <a:t>Succes</a:t>
+            </a:r>
+            <a:r>
+              <a:rPr lang="en-GB" dirty="0"/>
+              <a:t>!</a:t>
+            </a:r>
+          </a:p>
+          <a:p>
+            <a:endParaRPr lang="en-GB" dirty="0"/>
+          </a:p>
+        </p:txBody>
+      </p:sp>
+      <p:sp>
+        <p:nvSpPr>
+          <p:cNvPr id="4" name="Rectangle 3">
+            <a:extLst>
+              <a:ext uri="{FF2B5EF4-FFF2-40B4-BE49-F238E27FC236}">
+                <a16:creationId xmlns:a16="http://schemas.microsoft.com/office/drawing/2014/main" id="{27B0329F-13D9-4D99-A14A-A343F9109730}"/>
+              </a:ext>
+            </a:extLst>
+          </p:cNvPr>
+          <p:cNvSpPr/>
+          <p:nvPr/>
+        </p:nvSpPr>
+        <p:spPr>
+          <a:xfrm>
+            <a:off x="514350" y="2414185"/>
+            <a:ext cx="11213594" cy="923330"/>
+          </a:xfrm>
+          <a:prstGeom prst="rect">
+            <a:avLst/>
+          </a:prstGeom>
+        </p:spPr>
+        <p:txBody>
+          <a:bodyPr wrap="square">
+            <a:spAutoFit/>
           </a:bodyPr>
           <a:lstStyle/>
           <a:p>
             <a:r>
-              <a:rPr lang="en-GB" dirty="0"/>
-              <a:t>Get to the image directly</a:t>
-            </a:r>
-          </a:p>
-          <a:p>
-            <a:r>
-              <a:rPr lang="en-GB" dirty="0"/>
-              <a:t>View source</a:t>
-            </a:r>
-          </a:p>
-          <a:p>
-            <a:endParaRPr lang="en-GB" dirty="0"/>
-          </a:p>
-          <a:p>
-            <a:endParaRPr lang="en-GB" dirty="0"/>
-          </a:p>
-          <a:p>
-            <a:endParaRPr lang="en-GB" dirty="0"/>
-          </a:p>
-          <a:p>
-            <a:endParaRPr lang="en-GB" dirty="0"/>
-          </a:p>
-          <a:p>
-            <a:endParaRPr lang="en-GB" dirty="0"/>
-          </a:p>
-          <a:p>
-            <a:pPr lvl="1"/>
-            <a:r>
-              <a:rPr lang="en-GB" dirty="0"/>
-              <a:t>We could have gotten this from the variable, but it would have been tedious</a:t>
-            </a:r>
-          </a:p>
-          <a:p>
-            <a:endParaRPr lang="en-GB" dirty="0"/>
+              <a:rPr lang="en-GB" sz="1800" dirty="0">
+                <a:solidFill>
+                  <a:srgbClr val="A82D00"/>
+                </a:solidFill>
+                <a:latin typeface="Lucida Console" panose="020B0609040504020204" pitchFamily="49" charset="0"/>
+              </a:rPr>
+              <a:t>$</a:t>
+            </a:r>
+            <a:r>
+              <a:rPr lang="en-GB" sz="1800" dirty="0" err="1">
+                <a:solidFill>
+                  <a:srgbClr val="A82D00"/>
+                </a:solidFill>
+                <a:latin typeface="Lucida Console" panose="020B0609040504020204" pitchFamily="49" charset="0"/>
+              </a:rPr>
+              <a:t>url</a:t>
+            </a:r>
+            <a:r>
+              <a:rPr lang="en-GB" sz="1800" dirty="0">
+                <a:solidFill>
+                  <a:prstClr val="black"/>
+                </a:solidFill>
+                <a:latin typeface="Lucida Console" panose="020B0609040504020204" pitchFamily="49" charset="0"/>
+              </a:rPr>
+              <a:t> </a:t>
+            </a:r>
+            <a:r>
+              <a:rPr lang="en-GB" sz="1800" dirty="0">
+                <a:solidFill>
+                  <a:srgbClr val="696969"/>
+                </a:solidFill>
+                <a:latin typeface="Lucida Console" panose="020B0609040504020204" pitchFamily="49" charset="0"/>
+              </a:rPr>
+              <a:t>=</a:t>
+            </a:r>
+            <a:r>
+              <a:rPr lang="en-GB" sz="1800" dirty="0">
+                <a:solidFill>
+                  <a:prstClr val="black"/>
+                </a:solidFill>
+                <a:latin typeface="Lucida Console" panose="020B0609040504020204" pitchFamily="49" charset="0"/>
+              </a:rPr>
+              <a:t> </a:t>
+            </a:r>
+            <a:r>
+              <a:rPr lang="en-GB" sz="1800" dirty="0">
+                <a:solidFill>
+                  <a:srgbClr val="8B0000"/>
+                </a:solidFill>
+                <a:latin typeface="Lucida Console" panose="020B0609040504020204" pitchFamily="49" charset="0"/>
+              </a:rPr>
+              <a:t>"</a:t>
+            </a:r>
+            <a:r>
+              <a:rPr lang="en-US" dirty="0"/>
+              <a:t> </a:t>
+            </a:r>
+            <a:r>
+              <a:rPr lang="en-US" sz="1800" dirty="0">
+                <a:solidFill>
+                  <a:srgbClr val="8B0000"/>
+                </a:solidFill>
+                <a:latin typeface="Lucida Console" panose="020B0609040504020204" pitchFamily="49" charset="0"/>
+              </a:rPr>
+              <a:t>https://assets.amuniversal.com/e06f7ca028bf01393de1005056a9545d</a:t>
+            </a:r>
+            <a:r>
+              <a:rPr lang="en-GB" sz="1800" dirty="0">
+                <a:solidFill>
+                  <a:srgbClr val="8B0000"/>
+                </a:solidFill>
+                <a:latin typeface="Lucida Console" panose="020B0609040504020204" pitchFamily="49" charset="0"/>
+              </a:rPr>
+              <a:t>"</a:t>
+            </a:r>
+            <a:endParaRPr lang="en-GB" sz="1800" dirty="0">
+              <a:solidFill>
+                <a:prstClr val="black"/>
+              </a:solidFill>
+              <a:latin typeface="Lucida Console" panose="020B0609040504020204" pitchFamily="49" charset="0"/>
+            </a:endParaRPr>
+          </a:p>
+          <a:p>
+            <a:endParaRPr lang="en-GB" sz="1800" dirty="0">
+              <a:solidFill>
+                <a:prstClr val="black"/>
+              </a:solidFill>
+              <a:latin typeface="Lucida Console" panose="020B0609040504020204" pitchFamily="49" charset="0"/>
+            </a:endParaRPr>
+          </a:p>
+          <a:p>
+            <a:r>
+              <a:rPr lang="en-GB" sz="1800" dirty="0">
+                <a:solidFill>
+                  <a:srgbClr val="0000FF"/>
+                </a:solidFill>
+                <a:latin typeface="Lucida Console" panose="020B0609040504020204" pitchFamily="49" charset="0"/>
+              </a:rPr>
+              <a:t>Start-</a:t>
+            </a:r>
+            <a:r>
+              <a:rPr lang="en-GB" sz="1800" dirty="0" err="1">
+                <a:solidFill>
+                  <a:srgbClr val="0000FF"/>
+                </a:solidFill>
+                <a:latin typeface="Lucida Console" panose="020B0609040504020204" pitchFamily="49" charset="0"/>
+              </a:rPr>
+              <a:t>BitsTransfer</a:t>
+            </a:r>
+            <a:r>
+              <a:rPr lang="en-GB" sz="1800" dirty="0">
+                <a:solidFill>
+                  <a:prstClr val="black"/>
+                </a:solidFill>
+                <a:latin typeface="Lucida Console" panose="020B0609040504020204" pitchFamily="49" charset="0"/>
+              </a:rPr>
+              <a:t> </a:t>
+            </a:r>
+            <a:r>
+              <a:rPr lang="en-GB" sz="1800" dirty="0">
+                <a:solidFill>
+                  <a:srgbClr val="000080"/>
+                </a:solidFill>
+                <a:latin typeface="Lucida Console" panose="020B0609040504020204" pitchFamily="49" charset="0"/>
+              </a:rPr>
+              <a:t>-Source</a:t>
+            </a:r>
+            <a:r>
+              <a:rPr lang="en-GB" sz="1800" dirty="0">
+                <a:solidFill>
+                  <a:prstClr val="black"/>
+                </a:solidFill>
+                <a:latin typeface="Lucida Console" panose="020B0609040504020204" pitchFamily="49" charset="0"/>
+              </a:rPr>
+              <a:t> </a:t>
+            </a:r>
+            <a:r>
+              <a:rPr lang="en-GB" sz="1800" dirty="0">
+                <a:solidFill>
+                  <a:srgbClr val="A82D00"/>
+                </a:solidFill>
+                <a:latin typeface="Lucida Console" panose="020B0609040504020204" pitchFamily="49" charset="0"/>
+              </a:rPr>
+              <a:t>$</a:t>
+            </a:r>
+            <a:r>
+              <a:rPr lang="en-GB" sz="1800" dirty="0" err="1">
+                <a:solidFill>
+                  <a:srgbClr val="A82D00"/>
+                </a:solidFill>
+                <a:latin typeface="Lucida Console" panose="020B0609040504020204" pitchFamily="49" charset="0"/>
+              </a:rPr>
+              <a:t>url</a:t>
+            </a:r>
+            <a:r>
+              <a:rPr lang="en-GB" sz="1800" dirty="0">
+                <a:solidFill>
+                  <a:prstClr val="black"/>
+                </a:solidFill>
+                <a:latin typeface="Lucida Console" panose="020B0609040504020204" pitchFamily="49" charset="0"/>
+              </a:rPr>
+              <a:t> </a:t>
+            </a:r>
+            <a:r>
+              <a:rPr lang="en-GB" sz="1800" dirty="0">
+                <a:solidFill>
+                  <a:srgbClr val="000080"/>
+                </a:solidFill>
+                <a:latin typeface="Lucida Console" panose="020B0609040504020204" pitchFamily="49" charset="0"/>
+              </a:rPr>
+              <a:t>-Destination</a:t>
+            </a:r>
+            <a:r>
+              <a:rPr lang="en-GB" sz="1800" dirty="0">
+                <a:solidFill>
+                  <a:prstClr val="black"/>
+                </a:solidFill>
+                <a:latin typeface="Lucida Console" panose="020B0609040504020204" pitchFamily="49" charset="0"/>
+              </a:rPr>
+              <a:t> </a:t>
+            </a:r>
+            <a:r>
+              <a:rPr lang="en-GB" sz="1800" dirty="0">
+                <a:solidFill>
+                  <a:srgbClr val="8A2BE2"/>
+                </a:solidFill>
+                <a:latin typeface="Lucida Console" panose="020B0609040504020204" pitchFamily="49" charset="0"/>
+              </a:rPr>
+              <a:t>c:\tmp\g.gif</a:t>
+            </a:r>
+            <a:r>
+              <a:rPr lang="en-GB" sz="1800" dirty="0">
+                <a:solidFill>
+                  <a:prstClr val="black"/>
+                </a:solidFill>
+                <a:latin typeface="Lucida Console" panose="020B0609040504020204" pitchFamily="49" charset="0"/>
+              </a:rPr>
+              <a:t>  </a:t>
+            </a:r>
           </a:p>
         </p:txBody>
       </p:sp>
       <p:pic>
         <p:nvPicPr>
-          <p:cNvPr id="4" name="Picture 3">
+          <p:cNvPr id="6" name="Picture 5">
             <a:extLst>
               <a:ext uri="{FF2B5EF4-FFF2-40B4-BE49-F238E27FC236}">
-                <a16:creationId xmlns:a16="http://schemas.microsoft.com/office/drawing/2014/main" id="{9CD719F1-4198-4FE2-9A7B-5FE60F619100}"/>
+                <a16:creationId xmlns:a16="http://schemas.microsoft.com/office/drawing/2014/main" id="{20487240-39B4-440A-85A7-FD25C4E776C4}"/>
               </a:ext>
             </a:extLst>
           </p:cNvPr>
@@ -5841,8 +7070,192 @@
         </p:blipFill>
         <p:spPr>
           <a:xfrm>
-            <a:off x="475763" y="2801040"/>
-            <a:ext cx="11240474" cy="2400508"/>
+            <a:off x="0" y="3520485"/>
+            <a:ext cx="12192000" cy="472864"/>
+          </a:xfrm>
+          <a:prstGeom prst="rect">
+            <a:avLst/>
+          </a:prstGeom>
+        </p:spPr>
+      </p:pic>
+      <p:sp>
+        <p:nvSpPr>
+          <p:cNvPr id="7" name="TextBox 6">
+            <a:extLst>
+              <a:ext uri="{FF2B5EF4-FFF2-40B4-BE49-F238E27FC236}">
+                <a16:creationId xmlns:a16="http://schemas.microsoft.com/office/drawing/2014/main" id="{40361B11-F009-4221-988B-E9E6249E2BD5}"/>
+              </a:ext>
+            </a:extLst>
+          </p:cNvPr>
+          <p:cNvSpPr txBox="1"/>
+          <p:nvPr/>
+        </p:nvSpPr>
+        <p:spPr>
+          <a:xfrm>
+            <a:off x="514350" y="4900490"/>
+            <a:ext cx="10839450" cy="369332"/>
+          </a:xfrm>
+          <a:prstGeom prst="rect">
+            <a:avLst/>
+          </a:prstGeom>
+          <a:noFill/>
+        </p:spPr>
+        <p:txBody>
+          <a:bodyPr wrap="square">
+            <a:spAutoFit/>
+          </a:bodyPr>
+          <a:lstStyle/>
+          <a:p>
+            <a:r>
+              <a:rPr lang="en-US" sz="1800" dirty="0">
+                <a:solidFill>
+                  <a:srgbClr val="0000FF"/>
+                </a:solidFill>
+                <a:latin typeface="Lucida Console" panose="020B0609040504020204" pitchFamily="49" charset="0"/>
+              </a:rPr>
+              <a:t>Invoke-</a:t>
+            </a:r>
+            <a:r>
+              <a:rPr lang="en-US" sz="1800" dirty="0" err="1">
+                <a:solidFill>
+                  <a:srgbClr val="0000FF"/>
+                </a:solidFill>
+                <a:latin typeface="Lucida Console" panose="020B0609040504020204" pitchFamily="49" charset="0"/>
+              </a:rPr>
+              <a:t>WebRequest</a:t>
+            </a:r>
+            <a:r>
+              <a:rPr lang="en-US" sz="1800" dirty="0">
+                <a:solidFill>
+                  <a:prstClr val="black"/>
+                </a:solidFill>
+                <a:latin typeface="Lucida Console" panose="020B0609040504020204" pitchFamily="49" charset="0"/>
+              </a:rPr>
+              <a:t> </a:t>
+            </a:r>
+            <a:r>
+              <a:rPr lang="en-US" sz="1800" dirty="0">
+                <a:solidFill>
+                  <a:srgbClr val="000080"/>
+                </a:solidFill>
+                <a:latin typeface="Lucida Console" panose="020B0609040504020204" pitchFamily="49" charset="0"/>
+              </a:rPr>
+              <a:t>-Uri</a:t>
+            </a:r>
+            <a:r>
+              <a:rPr lang="en-US" sz="1800" dirty="0">
+                <a:solidFill>
+                  <a:prstClr val="black"/>
+                </a:solidFill>
+                <a:latin typeface="Lucida Console" panose="020B0609040504020204" pitchFamily="49" charset="0"/>
+              </a:rPr>
+              <a:t> </a:t>
+            </a:r>
+            <a:r>
+              <a:rPr lang="en-US" sz="1800" dirty="0">
+                <a:solidFill>
+                  <a:srgbClr val="A82D00"/>
+                </a:solidFill>
+                <a:latin typeface="Lucida Console" panose="020B0609040504020204" pitchFamily="49" charset="0"/>
+              </a:rPr>
+              <a:t>$</a:t>
+            </a:r>
+            <a:r>
+              <a:rPr lang="en-US" sz="1800" dirty="0" err="1">
+                <a:solidFill>
+                  <a:srgbClr val="A82D00"/>
+                </a:solidFill>
+                <a:latin typeface="Lucida Console" panose="020B0609040504020204" pitchFamily="49" charset="0"/>
+              </a:rPr>
+              <a:t>url</a:t>
+            </a:r>
+            <a:r>
+              <a:rPr lang="en-US" sz="1800" dirty="0">
+                <a:solidFill>
+                  <a:prstClr val="black"/>
+                </a:solidFill>
+                <a:latin typeface="Lucida Console" panose="020B0609040504020204" pitchFamily="49" charset="0"/>
+              </a:rPr>
+              <a:t> </a:t>
+            </a:r>
+            <a:r>
+              <a:rPr lang="en-US" sz="1800" dirty="0">
+                <a:solidFill>
+                  <a:srgbClr val="000080"/>
+                </a:solidFill>
+                <a:latin typeface="Lucida Console" panose="020B0609040504020204" pitchFamily="49" charset="0"/>
+              </a:rPr>
+              <a:t>-</a:t>
+            </a:r>
+            <a:r>
+              <a:rPr lang="en-US" sz="1800" dirty="0" err="1">
+                <a:solidFill>
+                  <a:srgbClr val="000080"/>
+                </a:solidFill>
+                <a:latin typeface="Lucida Console" panose="020B0609040504020204" pitchFamily="49" charset="0"/>
+              </a:rPr>
+              <a:t>OutFile</a:t>
+            </a:r>
+            <a:r>
+              <a:rPr lang="en-US" sz="1800" dirty="0">
+                <a:solidFill>
+                  <a:prstClr val="black"/>
+                </a:solidFill>
+                <a:latin typeface="Lucida Console" panose="020B0609040504020204" pitchFamily="49" charset="0"/>
+              </a:rPr>
+              <a:t> </a:t>
+            </a:r>
+            <a:r>
+              <a:rPr lang="en-US" sz="1800" dirty="0">
+                <a:solidFill>
+                  <a:srgbClr val="8A2BE2"/>
+                </a:solidFill>
+                <a:latin typeface="Lucida Console" panose="020B0609040504020204" pitchFamily="49" charset="0"/>
+              </a:rPr>
+              <a:t>c:\tmp\g.gif</a:t>
+            </a:r>
+            <a:r>
+              <a:rPr lang="en-US" sz="1800" dirty="0">
+                <a:solidFill>
+                  <a:prstClr val="black"/>
+                </a:solidFill>
+                <a:latin typeface="Lucida Console" panose="020B0609040504020204" pitchFamily="49" charset="0"/>
+              </a:rPr>
+              <a:t>   </a:t>
+            </a:r>
+          </a:p>
+        </p:txBody>
+      </p:sp>
+      <p:pic>
+        <p:nvPicPr>
+          <p:cNvPr id="9" name="Picture 8" descr="A screenshot of a video game&#10;&#10;Description automatically generated with medium confidence">
+            <a:extLst>
+              <a:ext uri="{FF2B5EF4-FFF2-40B4-BE49-F238E27FC236}">
+                <a16:creationId xmlns:a16="http://schemas.microsoft.com/office/drawing/2014/main" id="{974C58CE-B142-43BE-931E-A777D4D11D0A}"/>
+              </a:ext>
+            </a:extLst>
+          </p:cNvPr>
+          <p:cNvPicPr>
+            <a:picLocks noChangeAspect="1"/>
+          </p:cNvPicPr>
+          <p:nvPr/>
+        </p:nvPicPr>
+        <p:blipFill>
+          <a:blip r:embed="rId3">
+            <a:extLst>
+              <a:ext uri="{28A0092B-C50C-407E-A947-70E740481C1C}">
+                <a14:useLocalDpi xmlns:a14="http://schemas.microsoft.com/office/drawing/2010/main" val="0"/>
+              </a:ext>
+            </a:extLst>
+          </a:blip>
+          <a:stretch>
+            <a:fillRect/>
+          </a:stretch>
+        </p:blipFill>
+        <p:spPr>
+          <a:xfrm>
+            <a:off x="7178040" y="5332748"/>
+            <a:ext cx="4895850" cy="1403477"/>
           </a:xfrm>
           <a:prstGeom prst="rect">
             <a:avLst/>
@@ -5852,7 +7265,7 @@
     </p:spTree>
     <p:extLst>
       <p:ext uri="{BB962C8B-B14F-4D97-AF65-F5344CB8AC3E}">
-        <p14:creationId xmlns:p14="http://schemas.microsoft.com/office/powerpoint/2010/main" val="3523808697"/>
+        <p14:creationId xmlns:p14="http://schemas.microsoft.com/office/powerpoint/2010/main" val="3345255371"/>
       </p:ext>
     </p:extLst>
   </p:cSld>
@@ -5884,7 +7297,7 @@
           <p:cNvPr id="2" name="Title 1">
             <a:extLst>
               <a:ext uri="{FF2B5EF4-FFF2-40B4-BE49-F238E27FC236}">
-                <a16:creationId xmlns:a16="http://schemas.microsoft.com/office/drawing/2014/main" id="{6EE46D70-17AA-425A-8F4A-6DC66DF75F4D}"/>
+                <a16:creationId xmlns:a16="http://schemas.microsoft.com/office/drawing/2014/main" id="{6ADB3686-CF36-4EB0-A3C2-0CBA970C6A7A}"/>
               </a:ext>
             </a:extLst>
           </p:cNvPr>
@@ -5902,7 +7315,7 @@
           <a:p>
             <a:r>
               <a:rPr lang="en-GB" dirty="0"/>
-              <a:t>Test 2</a:t>
+              <a:t>What is the URI?</a:t>
             </a:r>
           </a:p>
         </p:txBody>
@@ -5912,7 +7325,7 @@
           <p:cNvPr id="3" name="Content Placeholder 2">
             <a:extLst>
               <a:ext uri="{FF2B5EF4-FFF2-40B4-BE49-F238E27FC236}">
-                <a16:creationId xmlns:a16="http://schemas.microsoft.com/office/drawing/2014/main" id="{BBF1E884-35DC-4063-A6AA-B730EBA74FD3}"/>
+                <a16:creationId xmlns:a16="http://schemas.microsoft.com/office/drawing/2014/main" id="{415E65A6-AC39-4EBD-942D-908C383EA3F0}"/>
               </a:ext>
             </a:extLst>
           </p:cNvPr>
@@ -5930,7 +7343,48 @@
           <a:p>
             <a:r>
               <a:rPr lang="en-GB" dirty="0"/>
-              <a:t>Get to the image directly</a:t>
+              <a:t>Get the entire page, try to find the right image</a:t>
+            </a:r>
+          </a:p>
+          <a:p>
+            <a:pPr lvl="1"/>
+            <a:r>
+              <a:rPr lang="en-GB" dirty="0"/>
+              <a:t>Invoke-</a:t>
+            </a:r>
+            <a:r>
+              <a:rPr lang="en-GB" dirty="0" err="1"/>
+              <a:t>Webrequest</a:t>
+            </a:r>
+            <a:endParaRPr lang="en-GB" dirty="0"/>
+          </a:p>
+          <a:p>
+            <a:pPr lvl="1"/>
+            <a:r>
+              <a:rPr lang="en-GB" dirty="0"/>
+              <a:t>-</a:t>
+            </a:r>
+            <a:r>
+              <a:rPr lang="en-GB" dirty="0" err="1"/>
+              <a:t>url</a:t>
+            </a:r>
+            <a:r>
+              <a:rPr lang="en-GB" dirty="0"/>
+              <a:t> is https://www.gocomics.com/garfield</a:t>
+            </a:r>
+          </a:p>
+          <a:p>
+            <a:pPr lvl="1"/>
+            <a:r>
+              <a:rPr lang="en-GB" dirty="0"/>
+              <a:t>Catch the result in a variable</a:t>
+            </a:r>
+          </a:p>
+          <a:p>
+            <a:pPr lvl="1"/>
+            <a:r>
+              <a:rPr lang="en-GB" dirty="0"/>
+              <a:t>Check if the variable has the comic as an image</a:t>
             </a:r>
           </a:p>
         </p:txBody>
@@ -5940,7 +7394,7 @@
           <p:cNvPr id="4" name="Rectangle 3">
             <a:extLst>
               <a:ext uri="{FF2B5EF4-FFF2-40B4-BE49-F238E27FC236}">
-                <a16:creationId xmlns:a16="http://schemas.microsoft.com/office/drawing/2014/main" id="{27B0329F-13D9-4D99-A14A-A343F9109730}"/>
+                <a16:creationId xmlns:a16="http://schemas.microsoft.com/office/drawing/2014/main" id="{75C3F2B7-B5E0-4FAA-9320-A706CB772589}"/>
               </a:ext>
             </a:extLst>
           </p:cNvPr>
@@ -5949,8 +7403,8 @@
         </p:nvSpPr>
         <p:spPr>
           <a:xfrm>
-            <a:off x="838199" y="2414186"/>
-            <a:ext cx="8413955" cy="1477328"/>
+            <a:off x="838200" y="4001294"/>
+            <a:ext cx="8891016" cy="1754326"/>
           </a:xfrm>
           <a:prstGeom prst="rect">
             <a:avLst/>
@@ -5963,29 +7417,43 @@
           <a:lstStyle/>
           <a:p>
             <a:r>
-              <a:rPr lang="en-GB" dirty="0"/>
+              <a:rPr lang="en-US" sz="1800" dirty="0">
+                <a:solidFill>
+                  <a:srgbClr val="A82D00"/>
+                </a:solidFill>
+                <a:latin typeface="Lucida Console" panose="020B0609040504020204" pitchFamily="49" charset="0"/>
+              </a:rPr>
+              <a:t>$</a:t>
+            </a:r>
+            <a:r>
+              <a:rPr lang="en-US" sz="1800" dirty="0" err="1">
+                <a:solidFill>
+                  <a:srgbClr val="A82D00"/>
+                </a:solidFill>
+                <a:latin typeface="Lucida Console" panose="020B0609040504020204" pitchFamily="49" charset="0"/>
+              </a:rPr>
+              <a:t>url</a:t>
+            </a:r>
+            <a:r>
+              <a:rPr lang="en-US" sz="1800" dirty="0">
+                <a:solidFill>
+                  <a:prstClr val="black"/>
+                </a:solidFill>
+                <a:latin typeface="Lucida Console" panose="020B0609040504020204" pitchFamily="49" charset="0"/>
+              </a:rPr>
               <a:t> </a:t>
             </a:r>
             <a:r>
-              <a:rPr lang="en-GB" dirty="0">
-                <a:solidFill>
-                  <a:srgbClr val="FF4500"/>
-                </a:solidFill>
-                <a:latin typeface="Lucida Console" panose="020B0609040504020204" pitchFamily="49" charset="0"/>
-              </a:rPr>
-              <a:t>$</a:t>
-            </a:r>
-            <a:r>
-              <a:rPr lang="en-GB" dirty="0" err="1">
-                <a:solidFill>
-                  <a:srgbClr val="FF4500"/>
-                </a:solidFill>
-                <a:latin typeface="Lucida Console" panose="020B0609040504020204" pitchFamily="49" charset="0"/>
-              </a:rPr>
-              <a:t>url</a:t>
-            </a:r>
-            <a:r>
-              <a:rPr lang="en-GB" dirty="0">
+              <a:rPr lang="en-US" sz="1800" dirty="0">
+                <a:solidFill>
+                  <a:srgbClr val="696969"/>
+                </a:solidFill>
+                <a:latin typeface="Lucida Console" panose="020B0609040504020204" pitchFamily="49" charset="0"/>
+              </a:rPr>
+              <a:t>=</a:t>
+            </a:r>
+            <a:r>
+              <a:rPr lang="en-US" sz="1800" dirty="0">
                 <a:solidFill>
                   <a:prstClr val="black"/>
                 </a:solidFill>
@@ -5994,51 +7462,15 @@
               <a:t> </a:t>
             </a:r>
             <a:r>
-              <a:rPr lang="en-GB" dirty="0">
-                <a:solidFill>
-                  <a:srgbClr val="A9A9A9"/>
-                </a:solidFill>
-                <a:latin typeface="Lucida Console" panose="020B0609040504020204" pitchFamily="49" charset="0"/>
-              </a:rPr>
-              <a:t>=</a:t>
-            </a:r>
-            <a:r>
-              <a:rPr lang="en-GB" dirty="0">
-                <a:solidFill>
-                  <a:prstClr val="black"/>
-                </a:solidFill>
-                <a:latin typeface="Lucida Console" panose="020B0609040504020204" pitchFamily="49" charset="0"/>
-              </a:rPr>
-              <a:t> </a:t>
-            </a:r>
-            <a:r>
-              <a:rPr lang="en-GB" dirty="0">
+              <a:rPr lang="en-US" sz="1800" dirty="0">
                 <a:solidFill>
                   <a:srgbClr val="8B0000"/>
                 </a:solidFill>
                 <a:latin typeface="Lucida Console" panose="020B0609040504020204" pitchFamily="49" charset="0"/>
               </a:rPr>
-              <a:t>"https://d1ejxu6vysztl5.cloudfront.net/comics/</a:t>
-            </a:r>
-            <a:r>
-              <a:rPr lang="en-GB" dirty="0" err="1">
-                <a:solidFill>
-                  <a:srgbClr val="8B0000"/>
-                </a:solidFill>
-                <a:latin typeface="Lucida Console" panose="020B0609040504020204" pitchFamily="49" charset="0"/>
-              </a:rPr>
-              <a:t>garfield</a:t>
-            </a:r>
-            <a:r>
-              <a:rPr lang="en-GB" dirty="0">
-                <a:solidFill>
-                  <a:srgbClr val="8B0000"/>
-                </a:solidFill>
-                <a:latin typeface="Lucida Console" panose="020B0609040504020204" pitchFamily="49" charset="0"/>
-              </a:rPr>
-              <a:t>/2017/2017-10-19.gif"</a:t>
-            </a:r>
-            <a:endParaRPr lang="en-GB" dirty="0">
+              <a:t>"https://www.gocomics.com/garfield/2021/01/14"</a:t>
+            </a:r>
+            <a:endParaRPr lang="en-US" sz="1800" dirty="0">
               <a:solidFill>
                 <a:prstClr val="black"/>
               </a:solidFill>
@@ -6046,7 +7478,7 @@
             </a:endParaRPr>
           </a:p>
           <a:p>
-            <a:endParaRPr lang="en-GB" dirty="0">
+            <a:endParaRPr lang="en-US" sz="1800" dirty="0">
               <a:solidFill>
                 <a:prstClr val="black"/>
               </a:solidFill>
@@ -6055,25 +7487,61 @@
           </a:p>
           <a:p>
             <a:r>
-              <a:rPr lang="en-GB" dirty="0">
+              <a:rPr lang="en-US" sz="1800" dirty="0">
+                <a:solidFill>
+                  <a:srgbClr val="A82D00"/>
+                </a:solidFill>
+                <a:latin typeface="Lucida Console" panose="020B0609040504020204" pitchFamily="49" charset="0"/>
+              </a:rPr>
+              <a:t>$var</a:t>
+            </a:r>
+            <a:r>
+              <a:rPr lang="en-US" sz="1800" dirty="0">
+                <a:solidFill>
+                  <a:prstClr val="black"/>
+                </a:solidFill>
+                <a:latin typeface="Lucida Console" panose="020B0609040504020204" pitchFamily="49" charset="0"/>
+              </a:rPr>
+              <a:t> </a:t>
+            </a:r>
+            <a:r>
+              <a:rPr lang="en-US" sz="1800" dirty="0">
+                <a:solidFill>
+                  <a:srgbClr val="696969"/>
+                </a:solidFill>
+                <a:latin typeface="Lucida Console" panose="020B0609040504020204" pitchFamily="49" charset="0"/>
+              </a:rPr>
+              <a:t>=</a:t>
+            </a:r>
+            <a:r>
+              <a:rPr lang="en-US" sz="1800" dirty="0">
+                <a:solidFill>
+                  <a:prstClr val="black"/>
+                </a:solidFill>
+                <a:latin typeface="Lucida Console" panose="020B0609040504020204" pitchFamily="49" charset="0"/>
+              </a:rPr>
+              <a:t> </a:t>
+            </a:r>
+            <a:r>
+              <a:rPr lang="en-US" sz="1800" dirty="0">
                 <a:solidFill>
                   <a:srgbClr val="0000FF"/>
                 </a:solidFill>
                 <a:latin typeface="Lucida Console" panose="020B0609040504020204" pitchFamily="49" charset="0"/>
               </a:rPr>
-              <a:t>Start-</a:t>
-            </a:r>
-            <a:r>
-              <a:rPr lang="en-GB" dirty="0" err="1">
+              <a:t>Invoke-</a:t>
+            </a:r>
+            <a:r>
+              <a:rPr lang="en-US" sz="1800" dirty="0" err="1">
                 <a:solidFill>
                   <a:srgbClr val="0000FF"/>
                 </a:solidFill>
                 <a:latin typeface="Lucida Console" panose="020B0609040504020204" pitchFamily="49" charset="0"/>
               </a:rPr>
-              <a:t>BitsTransfer</a:t>
-            </a:r>
-            <a:r>
-              <a:rPr lang="en-GB" dirty="0">
+              <a:t>WebRequest</a:t>
+            </a:r>
+            <a:r>
+              <a:rPr lang="en-US" sz="1800" dirty="0">
                 <a:solidFill>
                   <a:prstClr val="black"/>
                 </a:solidFill>
@@ -6082,16 +7550,16 @@
               <a:t> </a:t>
             </a:r>
             <a:r>
-              <a:rPr lang="en-GB" dirty="0">
+              <a:rPr lang="en-US" sz="1800" dirty="0">
                 <a:solidFill>
                   <a:srgbClr val="000080"/>
                 </a:solidFill>
                 <a:latin typeface="Lucida Console" panose="020B0609040504020204" pitchFamily="49" charset="0"/>
               </a:rPr>
-              <a:t>-Source</a:t>
-            </a:r>
-            <a:r>
-              <a:rPr lang="en-GB" dirty="0">
+              <a:t>-Uri</a:t>
+            </a:r>
+            <a:r>
+              <a:rPr lang="en-US" sz="1800" dirty="0">
                 <a:solidFill>
                   <a:prstClr val="black"/>
                 </a:solidFill>
@@ -6100,25 +7568,50 @@
               <a:t> </a:t>
             </a:r>
             <a:r>
-              <a:rPr lang="en-GB" dirty="0">
-                <a:solidFill>
-                  <a:srgbClr val="FF4500"/>
+              <a:rPr lang="en-US" sz="1800" dirty="0">
+                <a:solidFill>
+                  <a:srgbClr val="A82D00"/>
                 </a:solidFill>
                 <a:latin typeface="Lucida Console" panose="020B0609040504020204" pitchFamily="49" charset="0"/>
               </a:rPr>
               <a:t>$</a:t>
             </a:r>
             <a:r>
-              <a:rPr lang="en-GB" dirty="0" err="1">
-                <a:solidFill>
-                  <a:srgbClr val="FF4500"/>
+              <a:rPr lang="en-US" sz="1800" dirty="0" err="1">
+                <a:solidFill>
+                  <a:srgbClr val="A82D00"/>
                 </a:solidFill>
                 <a:latin typeface="Lucida Console" panose="020B0609040504020204" pitchFamily="49" charset="0"/>
               </a:rPr>
               <a:t>url</a:t>
             </a:r>
-            <a:r>
-              <a:rPr lang="en-GB" dirty="0">
+            <a:endParaRPr lang="en-US" sz="1800" dirty="0">
+              <a:solidFill>
+                <a:prstClr val="black"/>
+              </a:solidFill>
+              <a:latin typeface="Lucida Console" panose="020B0609040504020204" pitchFamily="49" charset="0"/>
+            </a:endParaRPr>
+          </a:p>
+          <a:p>
+            <a:endParaRPr lang="en-US" sz="1800" dirty="0">
+              <a:solidFill>
+                <a:prstClr val="black"/>
+              </a:solidFill>
+              <a:latin typeface="Lucida Console" panose="020B0609040504020204" pitchFamily="49" charset="0"/>
+            </a:endParaRPr>
+          </a:p>
+          <a:p>
+            <a:r>
+              <a:rPr lang="en-US" sz="1800" dirty="0">
+                <a:solidFill>
+                  <a:srgbClr val="A82D00"/>
+                </a:solidFill>
+                <a:latin typeface="Lucida Console" panose="020B0609040504020204" pitchFamily="49" charset="0"/>
+              </a:rPr>
+              <a:t>$var</a:t>
+            </a:r>
+            <a:r>
+              <a:rPr lang="en-US" sz="1800" dirty="0">
                 <a:solidFill>
                   <a:prstClr val="black"/>
                 </a:solidFill>
@@ -6127,16 +7620,16 @@
               <a:t> </a:t>
             </a:r>
             <a:r>
-              <a:rPr lang="en-GB" dirty="0">
-                <a:solidFill>
-                  <a:srgbClr val="000080"/>
-                </a:solidFill>
-                <a:latin typeface="Lucida Console" panose="020B0609040504020204" pitchFamily="49" charset="0"/>
-              </a:rPr>
-              <a:t>-Destination</a:t>
-            </a:r>
-            <a:r>
-              <a:rPr lang="en-GB" dirty="0">
+              <a:rPr lang="en-US" sz="1800" dirty="0">
+                <a:solidFill>
+                  <a:srgbClr val="696969"/>
+                </a:solidFill>
+                <a:latin typeface="Lucida Console" panose="020B0609040504020204" pitchFamily="49" charset="0"/>
+              </a:rPr>
+              <a:t>|</a:t>
+            </a:r>
+            <a:r>
+              <a:rPr lang="en-US" sz="1800" dirty="0">
                 <a:solidFill>
                   <a:prstClr val="black"/>
                 </a:solidFill>
@@ -6145,13 +7638,33 @@
               <a:t> </a:t>
             </a:r>
             <a:r>
-              <a:rPr lang="en-GB" dirty="0">
-                <a:solidFill>
-                  <a:srgbClr val="8A2BE2"/>
-                </a:solidFill>
-                <a:latin typeface="Lucida Console" panose="020B0609040504020204" pitchFamily="49" charset="0"/>
-              </a:rPr>
-              <a:t>c:\tmp\g.gif </a:t>
+              <a:rPr lang="en-US" sz="1800" dirty="0">
+                <a:solidFill>
+                  <a:srgbClr val="0000FF"/>
+                </a:solidFill>
+                <a:latin typeface="Lucida Console" panose="020B0609040504020204" pitchFamily="49" charset="0"/>
+              </a:rPr>
+              <a:t>Get-Member</a:t>
+            </a:r>
+            <a:r>
+              <a:rPr lang="en-US" sz="1800" dirty="0">
+                <a:solidFill>
+                  <a:prstClr val="black"/>
+                </a:solidFill>
+                <a:latin typeface="Lucida Console" panose="020B0609040504020204" pitchFamily="49" charset="0"/>
+              </a:rPr>
+              <a:t> </a:t>
+            </a:r>
+          </a:p>
+          <a:p>
+            <a:r>
+              <a:rPr lang="en-US" sz="1800" dirty="0">
+                <a:solidFill>
+                  <a:prstClr val="black"/>
+                </a:solidFill>
+                <a:latin typeface="Lucida Console" panose="020B0609040504020204" pitchFamily="49" charset="0"/>
+              </a:rPr>
+              <a:t> </a:t>
             </a:r>
           </a:p>
         </p:txBody>
@@ -6161,7 +7674,7 @@
           <p:cNvPr id="5" name="Picture 4">
             <a:extLst>
               <a:ext uri="{FF2B5EF4-FFF2-40B4-BE49-F238E27FC236}">
-                <a16:creationId xmlns:a16="http://schemas.microsoft.com/office/drawing/2014/main" id="{387EBC29-0C48-47B8-A262-5CA331F1365A}"/>
+                <a16:creationId xmlns:a16="http://schemas.microsoft.com/office/drawing/2014/main" id="{611C9E7A-8D04-4B0E-ABA5-721212094BDE}"/>
               </a:ext>
             </a:extLst>
           </p:cNvPr>
@@ -6178,8 +7691,8 @@
         </p:blipFill>
         <p:spPr>
           <a:xfrm>
-            <a:off x="3237972" y="4001294"/>
-            <a:ext cx="3614407" cy="2363267"/>
+            <a:off x="6827536" y="4471415"/>
+            <a:ext cx="4943074" cy="2280737"/>
           </a:xfrm>
           <a:prstGeom prst="rect">
             <a:avLst/>
@@ -6189,7 +7702,7 @@
     </p:spTree>
     <p:extLst>
       <p:ext uri="{BB962C8B-B14F-4D97-AF65-F5344CB8AC3E}">
-        <p14:creationId xmlns:p14="http://schemas.microsoft.com/office/powerpoint/2010/main" val="3345255371"/>
+        <p14:creationId xmlns:p14="http://schemas.microsoft.com/office/powerpoint/2010/main" val="2305190369"/>
       </p:ext>
     </p:extLst>
   </p:cSld>
@@ -6221,7 +7734,7 @@
           <p:cNvPr id="2" name="Title 1">
             <a:extLst>
               <a:ext uri="{FF2B5EF4-FFF2-40B4-BE49-F238E27FC236}">
-                <a16:creationId xmlns:a16="http://schemas.microsoft.com/office/drawing/2014/main" id="{9B864269-AE00-4470-8D02-F35B145B1069}"/>
+                <a16:creationId xmlns:a16="http://schemas.microsoft.com/office/drawing/2014/main" id="{51DE8DCE-0BEC-4F2F-88F9-77EE9BFBA4AB}"/>
               </a:ext>
             </a:extLst>
           </p:cNvPr>
@@ -6239,8 +7752,9 @@
           <a:p>
             <a:r>
               <a:rPr lang="en-GB" dirty="0"/>
-              <a:t>A loop</a:t>
-            </a:r>
+              <a:t>What is the URI?</a:t>
+            </a:r>
+            <a:endParaRPr lang="en-US" dirty="0"/>
           </a:p>
         </p:txBody>
       </p:sp>
@@ -6249,7 +7763,7 @@
           <p:cNvPr id="3" name="Content Placeholder 2">
             <a:extLst>
               <a:ext uri="{FF2B5EF4-FFF2-40B4-BE49-F238E27FC236}">
-                <a16:creationId xmlns:a16="http://schemas.microsoft.com/office/drawing/2014/main" id="{7F7D6FA3-61FA-440C-924C-D85F30784741}"/>
+                <a16:creationId xmlns:a16="http://schemas.microsoft.com/office/drawing/2014/main" id="{7F81AB4A-B357-4C70-A20D-9D311253B16F}"/>
               </a:ext>
             </a:extLst>
           </p:cNvPr>
@@ -6266,325 +7780,177 @@
           <a:lstStyle/>
           <a:p>
             <a:r>
-              <a:rPr lang="en-GB" dirty="0"/>
-              <a:t>So we need a loop that loops through days</a:t>
-            </a:r>
-          </a:p>
-          <a:p>
-            <a:r>
-              <a:rPr lang="en-GB" dirty="0"/>
-              <a:t>We’ll just do 15 days</a:t>
-            </a:r>
-          </a:p>
-          <a:p>
-            <a:r>
-              <a:rPr lang="en-GB" dirty="0"/>
-              <a:t>This means, we always need 15 iterations</a:t>
-            </a:r>
-          </a:p>
-          <a:p>
-            <a:r>
-              <a:rPr lang="en-GB" dirty="0"/>
-              <a:t>For-loop?</a:t>
-            </a:r>
-          </a:p>
-          <a:p>
-            <a:endParaRPr lang="en-GB" dirty="0"/>
-          </a:p>
-          <a:p>
-            <a:endParaRPr lang="en-GB" dirty="0"/>
-          </a:p>
-          <a:p>
-            <a:r>
-              <a:rPr lang="en-GB" dirty="0"/>
-              <a:t>Doable, but what about the condition?</a:t>
-            </a:r>
-          </a:p>
-          <a:p>
-            <a:r>
-              <a:rPr lang="en-GB" dirty="0"/>
-              <a:t>Also, not a very pretty for-loop, is it?</a:t>
-            </a:r>
-          </a:p>
-          <a:p>
-            <a:endParaRPr lang="en-GB" dirty="0"/>
-          </a:p>
-        </p:txBody>
-      </p:sp>
-      <p:sp>
-        <p:nvSpPr>
-          <p:cNvPr id="4" name="Rectangle 3">
+              <a:rPr lang="nl-BE" dirty="0" err="1"/>
+              <a:t>There</a:t>
+            </a:r>
+            <a:r>
+              <a:rPr lang="nl-BE" dirty="0"/>
+              <a:t> is </a:t>
+            </a:r>
+            <a:r>
+              <a:rPr lang="nl-BE" dirty="0" err="1"/>
+              <a:t>an</a:t>
+            </a:r>
+            <a:r>
+              <a:rPr lang="nl-BE" dirty="0"/>
+              <a:t> Images-property, check </a:t>
+            </a:r>
+            <a:r>
+              <a:rPr lang="nl-BE" dirty="0" err="1"/>
+              <a:t>it</a:t>
+            </a:r>
+            <a:r>
+              <a:rPr lang="nl-BE" dirty="0"/>
+              <a:t> out:</a:t>
+            </a:r>
+          </a:p>
+          <a:p>
+            <a:endParaRPr lang="nl-BE" dirty="0"/>
+          </a:p>
+          <a:p>
+            <a:endParaRPr lang="nl-BE" dirty="0"/>
+          </a:p>
+          <a:p>
+            <a:r>
+              <a:rPr lang="nl-BE" dirty="0"/>
+              <a:t>No, way </a:t>
+            </a:r>
+            <a:r>
+              <a:rPr lang="nl-BE" dirty="0" err="1"/>
+              <a:t>to</a:t>
+            </a:r>
+            <a:r>
+              <a:rPr lang="nl-BE" dirty="0"/>
+              <a:t> </a:t>
+            </a:r>
+            <a:r>
+              <a:rPr lang="nl-BE" dirty="0" err="1"/>
+              <a:t>much</a:t>
+            </a:r>
+            <a:r>
+              <a:rPr lang="nl-BE" dirty="0"/>
+              <a:t> information</a:t>
+            </a:r>
+          </a:p>
+          <a:p>
+            <a:r>
+              <a:rPr lang="nl-BE" dirty="0" err="1"/>
+              <a:t>Maybe</a:t>
+            </a:r>
+            <a:r>
+              <a:rPr lang="nl-BE" dirty="0"/>
+              <a:t> </a:t>
+            </a:r>
+            <a:r>
+              <a:rPr lang="nl-BE" dirty="0" err="1"/>
+              <a:t>just</a:t>
+            </a:r>
+            <a:r>
+              <a:rPr lang="nl-BE" dirty="0"/>
+              <a:t> </a:t>
+            </a:r>
+            <a:r>
+              <a:rPr lang="nl-BE" dirty="0" err="1"/>
+              <a:t>the</a:t>
+            </a:r>
+            <a:r>
+              <a:rPr lang="nl-BE" dirty="0"/>
+              <a:t> </a:t>
+            </a:r>
+            <a:r>
+              <a:rPr lang="nl-BE" dirty="0" err="1"/>
+              <a:t>alternative</a:t>
+            </a:r>
+            <a:r>
+              <a:rPr lang="nl-BE" dirty="0"/>
+              <a:t> tekst:</a:t>
+            </a:r>
+          </a:p>
+          <a:p>
+            <a:endParaRPr lang="nl-BE" dirty="0"/>
+          </a:p>
+          <a:p>
+            <a:endParaRPr lang="nl-BE" dirty="0"/>
+          </a:p>
+          <a:p>
+            <a:r>
+              <a:rPr lang="nl-BE" dirty="0" err="1"/>
+              <a:t>Better</a:t>
+            </a:r>
+            <a:r>
+              <a:rPr lang="nl-BE" dirty="0"/>
+              <a:t>!</a:t>
+            </a:r>
+          </a:p>
+          <a:p>
+            <a:endParaRPr lang="en-US" dirty="0"/>
+          </a:p>
+        </p:txBody>
+      </p:sp>
+      <p:pic>
+        <p:nvPicPr>
+          <p:cNvPr id="5" name="Picture 4">
             <a:extLst>
               <a:ext uri="{FF2B5EF4-FFF2-40B4-BE49-F238E27FC236}">
-                <a16:creationId xmlns:a16="http://schemas.microsoft.com/office/drawing/2014/main" id="{40EE956B-C89D-46AA-B2EE-1A089FF57B35}"/>
+                <a16:creationId xmlns:a16="http://schemas.microsoft.com/office/drawing/2014/main" id="{49C36984-DC5D-45A6-8497-8864B0DA9B00}"/>
               </a:ext>
             </a:extLst>
           </p:cNvPr>
-          <p:cNvSpPr/>
+          <p:cNvPicPr>
+            <a:picLocks noChangeAspect="1"/>
+          </p:cNvPicPr>
           <p:nvPr/>
-        </p:nvSpPr>
+        </p:nvPicPr>
+        <p:blipFill>
+          <a:blip r:embed="rId2"/>
+          <a:stretch>
+            <a:fillRect/>
+          </a:stretch>
+        </p:blipFill>
         <p:spPr>
           <a:xfrm>
-            <a:off x="1720644" y="3894438"/>
-            <a:ext cx="10166555" cy="646331"/>
+            <a:off x="7239785" y="365125"/>
+            <a:ext cx="4749131" cy="3168816"/>
           </a:xfrm>
           <a:prstGeom prst="rect">
             <a:avLst/>
           </a:prstGeom>
         </p:spPr>
-        <p:txBody>
-          <a:bodyPr wrap="square">
-            <a:spAutoFit/>
-          </a:bodyPr>
-          <a:lstStyle/>
-          <a:p>
-            <a:r>
-              <a:rPr lang="en-US" dirty="0"/>
-              <a:t> </a:t>
-            </a:r>
-            <a:r>
-              <a:rPr lang="en-US" dirty="0">
-                <a:solidFill>
-                  <a:srgbClr val="00008B"/>
-                </a:solidFill>
-                <a:latin typeface="Lucida Console" panose="020B0609040504020204" pitchFamily="49" charset="0"/>
-              </a:rPr>
-              <a:t>For</a:t>
-            </a:r>
-            <a:r>
-              <a:rPr lang="en-US" dirty="0">
-                <a:solidFill>
-                  <a:prstClr val="black"/>
-                </a:solidFill>
-                <a:latin typeface="Lucida Console" panose="020B0609040504020204" pitchFamily="49" charset="0"/>
-              </a:rPr>
-              <a:t>(</a:t>
-            </a:r>
-            <a:r>
-              <a:rPr lang="en-US" dirty="0">
-                <a:solidFill>
-                  <a:srgbClr val="FF4500"/>
-                </a:solidFill>
-                <a:latin typeface="Lucida Console" panose="020B0609040504020204" pitchFamily="49" charset="0"/>
-              </a:rPr>
-              <a:t>$date</a:t>
-            </a:r>
-            <a:r>
-              <a:rPr lang="en-US" dirty="0">
-                <a:solidFill>
-                  <a:prstClr val="black"/>
-                </a:solidFill>
-                <a:latin typeface="Lucida Console" panose="020B0609040504020204" pitchFamily="49" charset="0"/>
-              </a:rPr>
-              <a:t> </a:t>
-            </a:r>
-            <a:r>
-              <a:rPr lang="en-US" dirty="0">
-                <a:solidFill>
-                  <a:srgbClr val="A9A9A9"/>
-                </a:solidFill>
-                <a:latin typeface="Lucida Console" panose="020B0609040504020204" pitchFamily="49" charset="0"/>
-              </a:rPr>
-              <a:t>=</a:t>
-            </a:r>
-            <a:r>
-              <a:rPr lang="en-US" dirty="0">
-                <a:solidFill>
-                  <a:prstClr val="black"/>
-                </a:solidFill>
-                <a:latin typeface="Lucida Console" panose="020B0609040504020204" pitchFamily="49" charset="0"/>
-              </a:rPr>
-              <a:t> (</a:t>
-            </a:r>
-            <a:r>
-              <a:rPr lang="en-US" dirty="0">
-                <a:solidFill>
-                  <a:srgbClr val="0000FF"/>
-                </a:solidFill>
-                <a:latin typeface="Lucida Console" panose="020B0609040504020204" pitchFamily="49" charset="0"/>
-              </a:rPr>
-              <a:t>Get-Date</a:t>
-            </a:r>
-            <a:r>
-              <a:rPr lang="en-US" dirty="0">
-                <a:solidFill>
-                  <a:prstClr val="black"/>
-                </a:solidFill>
-                <a:latin typeface="Lucida Console" panose="020B0609040504020204" pitchFamily="49" charset="0"/>
-              </a:rPr>
-              <a:t>) ; </a:t>
-            </a:r>
-            <a:r>
-              <a:rPr lang="en-US" dirty="0">
-                <a:solidFill>
-                  <a:srgbClr val="FF4500"/>
-                </a:solidFill>
-                <a:latin typeface="Lucida Console" panose="020B0609040504020204" pitchFamily="49" charset="0"/>
-              </a:rPr>
-              <a:t>$date</a:t>
-            </a:r>
-            <a:r>
-              <a:rPr lang="en-US" dirty="0">
-                <a:solidFill>
-                  <a:prstClr val="black"/>
-                </a:solidFill>
-                <a:latin typeface="Lucida Console" panose="020B0609040504020204" pitchFamily="49" charset="0"/>
-              </a:rPr>
-              <a:t> </a:t>
-            </a:r>
-            <a:r>
-              <a:rPr lang="en-US" dirty="0">
-                <a:solidFill>
-                  <a:srgbClr val="A9A9A9"/>
-                </a:solidFill>
-                <a:latin typeface="Lucida Console" panose="020B0609040504020204" pitchFamily="49" charset="0"/>
-              </a:rPr>
-              <a:t>-</a:t>
-            </a:r>
-            <a:r>
-              <a:rPr lang="en-US" dirty="0">
-                <a:solidFill>
-                  <a:prstClr val="black"/>
-                </a:solidFill>
-                <a:latin typeface="Lucida Console" panose="020B0609040504020204" pitchFamily="49" charset="0"/>
-              </a:rPr>
-              <a:t> </a:t>
-            </a:r>
-            <a:r>
-              <a:rPr lang="en-US" dirty="0">
-                <a:solidFill>
-                  <a:srgbClr val="0000FF"/>
-                </a:solidFill>
-                <a:latin typeface="Lucida Console" panose="020B0609040504020204" pitchFamily="49" charset="0"/>
-              </a:rPr>
-              <a:t>?</a:t>
-            </a:r>
-            <a:r>
-              <a:rPr lang="en-US" dirty="0">
-                <a:solidFill>
-                  <a:prstClr val="black"/>
-                </a:solidFill>
-                <a:latin typeface="Lucida Console" panose="020B0609040504020204" pitchFamily="49" charset="0"/>
-              </a:rPr>
-              <a:t> ; </a:t>
-            </a:r>
-            <a:r>
-              <a:rPr lang="en-US" dirty="0">
-                <a:solidFill>
-                  <a:srgbClr val="FF4500"/>
-                </a:solidFill>
-                <a:latin typeface="Lucida Console" panose="020B0609040504020204" pitchFamily="49" charset="0"/>
-              </a:rPr>
-              <a:t>$date</a:t>
-            </a:r>
-            <a:r>
-              <a:rPr lang="en-US" dirty="0">
-                <a:solidFill>
-                  <a:prstClr val="black"/>
-                </a:solidFill>
-                <a:latin typeface="Lucida Console" panose="020B0609040504020204" pitchFamily="49" charset="0"/>
-              </a:rPr>
-              <a:t> </a:t>
-            </a:r>
-            <a:r>
-              <a:rPr lang="en-US" dirty="0">
-                <a:solidFill>
-                  <a:srgbClr val="A9A9A9"/>
-                </a:solidFill>
-                <a:latin typeface="Lucida Console" panose="020B0609040504020204" pitchFamily="49" charset="0"/>
-              </a:rPr>
-              <a:t>=</a:t>
-            </a:r>
-            <a:r>
-              <a:rPr lang="en-US" dirty="0">
-                <a:solidFill>
-                  <a:prstClr val="black"/>
-                </a:solidFill>
-                <a:latin typeface="Lucida Console" panose="020B0609040504020204" pitchFamily="49" charset="0"/>
-              </a:rPr>
-              <a:t> </a:t>
-            </a:r>
-            <a:r>
-              <a:rPr lang="en-US" dirty="0">
-                <a:solidFill>
-                  <a:srgbClr val="FF4500"/>
-                </a:solidFill>
-                <a:latin typeface="Lucida Console" panose="020B0609040504020204" pitchFamily="49" charset="0"/>
-              </a:rPr>
-              <a:t>$</a:t>
-            </a:r>
-            <a:r>
-              <a:rPr lang="en-US" dirty="0" err="1">
-                <a:solidFill>
-                  <a:srgbClr val="FF4500"/>
-                </a:solidFill>
-                <a:latin typeface="Lucida Console" panose="020B0609040504020204" pitchFamily="49" charset="0"/>
-              </a:rPr>
-              <a:t>date</a:t>
-            </a:r>
-            <a:r>
-              <a:rPr lang="en-US" dirty="0" err="1">
-                <a:solidFill>
-                  <a:srgbClr val="A9A9A9"/>
-                </a:solidFill>
-                <a:latin typeface="Lucida Console" panose="020B0609040504020204" pitchFamily="49" charset="0"/>
-              </a:rPr>
-              <a:t>.</a:t>
-            </a:r>
-            <a:r>
-              <a:rPr lang="en-US" dirty="0" err="1">
-                <a:solidFill>
-                  <a:prstClr val="black"/>
-                </a:solidFill>
-                <a:latin typeface="Lucida Console" panose="020B0609040504020204" pitchFamily="49" charset="0"/>
-              </a:rPr>
-              <a:t>AddDays</a:t>
-            </a:r>
-            <a:r>
-              <a:rPr lang="en-US" dirty="0">
-                <a:solidFill>
-                  <a:prstClr val="black"/>
-                </a:solidFill>
-                <a:latin typeface="Lucida Console" panose="020B0609040504020204" pitchFamily="49" charset="0"/>
-              </a:rPr>
-              <a:t>(</a:t>
-            </a:r>
-            <a:r>
-              <a:rPr lang="en-US" dirty="0">
-                <a:solidFill>
-                  <a:srgbClr val="800080"/>
-                </a:solidFill>
-                <a:latin typeface="Lucida Console" panose="020B0609040504020204" pitchFamily="49" charset="0"/>
-              </a:rPr>
-              <a:t>-1</a:t>
-            </a:r>
-            <a:r>
-              <a:rPr lang="en-US" dirty="0">
-                <a:solidFill>
-                  <a:prstClr val="black"/>
-                </a:solidFill>
-                <a:latin typeface="Lucida Console" panose="020B0609040504020204" pitchFamily="49" charset="0"/>
-              </a:rPr>
-              <a:t>))</a:t>
-            </a:r>
-          </a:p>
-          <a:p>
-            <a:r>
-              <a:rPr lang="en-GB" dirty="0">
-                <a:solidFill>
-                  <a:prstClr val="black"/>
-                </a:solidFill>
-                <a:latin typeface="Lucida Console" panose="020B0609040504020204" pitchFamily="49" charset="0"/>
-              </a:rPr>
-              <a:t>{</a:t>
-            </a:r>
-          </a:p>
-        </p:txBody>
-      </p:sp>
+      </p:pic>
+      <p:pic>
+        <p:nvPicPr>
+          <p:cNvPr id="7" name="Picture 6">
+            <a:extLst>
+              <a:ext uri="{FF2B5EF4-FFF2-40B4-BE49-F238E27FC236}">
+                <a16:creationId xmlns:a16="http://schemas.microsoft.com/office/drawing/2014/main" id="{3C4DEC62-2841-4BB7-B65C-1B40B97A4F04}"/>
+              </a:ext>
+            </a:extLst>
+          </p:cNvPr>
+          <p:cNvPicPr>
+            <a:picLocks noChangeAspect="1"/>
+          </p:cNvPicPr>
+          <p:nvPr/>
+        </p:nvPicPr>
+        <p:blipFill>
+          <a:blip r:embed="rId3"/>
+          <a:stretch>
+            <a:fillRect/>
+          </a:stretch>
+        </p:blipFill>
+        <p:spPr>
+          <a:xfrm>
+            <a:off x="7239785" y="3668879"/>
+            <a:ext cx="4749131" cy="2910182"/>
+          </a:xfrm>
+          <a:prstGeom prst="rect">
+            <a:avLst/>
+          </a:prstGeom>
+        </p:spPr>
+      </p:pic>
     </p:spTree>
     <p:extLst>
       <p:ext uri="{BB962C8B-B14F-4D97-AF65-F5344CB8AC3E}">
-        <p14:creationId xmlns:p14="http://schemas.microsoft.com/office/powerpoint/2010/main" val="1938499030"/>
+        <p14:creationId xmlns:p14="http://schemas.microsoft.com/office/powerpoint/2010/main" val="3573039692"/>
       </p:ext>
     </p:extLst>
   </p:cSld>
@@ -6616,7 +7982,7 @@
           <p:cNvPr id="2" name="Title 1">
             <a:extLst>
               <a:ext uri="{FF2B5EF4-FFF2-40B4-BE49-F238E27FC236}">
-                <a16:creationId xmlns:a16="http://schemas.microsoft.com/office/drawing/2014/main" id="{094A0DE3-96D6-41FD-BB7E-5ED17791F285}"/>
+                <a16:creationId xmlns:a16="http://schemas.microsoft.com/office/drawing/2014/main" id="{9C49A7CF-B3A9-4CA1-9571-2061B90ECA11}"/>
               </a:ext>
             </a:extLst>
           </p:cNvPr>
@@ -6633,9 +7999,30 @@
           <a:lstStyle/>
           <a:p>
             <a:r>
-              <a:rPr lang="en-GB" dirty="0"/>
-              <a:t>Another loop</a:t>
-            </a:r>
+              <a:rPr lang="nl-BE" dirty="0" err="1"/>
+              <a:t>Now</a:t>
+            </a:r>
+            <a:r>
+              <a:rPr lang="nl-BE" dirty="0"/>
+              <a:t> </a:t>
+            </a:r>
+            <a:r>
+              <a:rPr lang="nl-BE" dirty="0" err="1"/>
+              <a:t>for</a:t>
+            </a:r>
+            <a:r>
+              <a:rPr lang="nl-BE" dirty="0"/>
+              <a:t> </a:t>
+            </a:r>
+            <a:r>
+              <a:rPr lang="nl-BE" dirty="0" err="1"/>
+              <a:t>the</a:t>
+            </a:r>
+            <a:r>
+              <a:rPr lang="nl-BE" dirty="0"/>
+              <a:t> URI…</a:t>
+            </a:r>
+            <a:endParaRPr lang="en-US" dirty="0"/>
           </a:p>
         </p:txBody>
       </p:sp>
@@ -6644,7 +8031,7 @@
           <p:cNvPr id="3" name="Content Placeholder 2">
             <a:extLst>
               <a:ext uri="{FF2B5EF4-FFF2-40B4-BE49-F238E27FC236}">
-                <a16:creationId xmlns:a16="http://schemas.microsoft.com/office/drawing/2014/main" id="{E982DD12-2C5F-43FB-95A4-8490FF5635C4}"/>
+                <a16:creationId xmlns:a16="http://schemas.microsoft.com/office/drawing/2014/main" id="{DB6D966F-0FDC-454D-9A99-0F8844A87056}"/>
               </a:ext>
             </a:extLst>
           </p:cNvPr>
@@ -6661,44 +8048,149 @@
           <a:lstStyle/>
           <a:p>
             <a:r>
-              <a:rPr lang="en-GB" dirty="0"/>
-              <a:t>So we start fifteen days ago</a:t>
-            </a:r>
-          </a:p>
-          <a:p>
-            <a:r>
-              <a:rPr lang="en-GB" dirty="0"/>
-              <a:t>Repeat adding days (and downloading cartoons)</a:t>
-            </a:r>
-          </a:p>
-          <a:p>
-            <a:r>
-              <a:rPr lang="en-GB" dirty="0"/>
-              <a:t>Until the day is today</a:t>
-            </a:r>
-          </a:p>
-        </p:txBody>
-      </p:sp>
-      <p:sp>
-        <p:nvSpPr>
-          <p:cNvPr id="4" name="Rectangle 3">
+              <a:rPr lang="nl-BE" dirty="0" err="1"/>
+              <a:t>Now</a:t>
+            </a:r>
+            <a:r>
+              <a:rPr lang="nl-BE" dirty="0"/>
+              <a:t> download </a:t>
+            </a:r>
+            <a:r>
+              <a:rPr lang="nl-BE" dirty="0" err="1"/>
+              <a:t>the</a:t>
+            </a:r>
+            <a:r>
+              <a:rPr lang="nl-BE" dirty="0"/>
+              <a:t> file </a:t>
+            </a:r>
+            <a:r>
+              <a:rPr lang="nl-BE" dirty="0" err="1"/>
+              <a:t>behind</a:t>
+            </a:r>
+            <a:r>
+              <a:rPr lang="nl-BE" dirty="0"/>
+              <a:t> </a:t>
+            </a:r>
+            <a:r>
+              <a:rPr lang="nl-BE" dirty="0" err="1"/>
+              <a:t>the</a:t>
+            </a:r>
+            <a:r>
+              <a:rPr lang="nl-BE" dirty="0"/>
+              <a:t> image </a:t>
+            </a:r>
+            <a:r>
+              <a:rPr lang="nl-BE" dirty="0" err="1"/>
+              <a:t>with</a:t>
+            </a:r>
+            <a:r>
+              <a:rPr lang="nl-BE" dirty="0"/>
+              <a:t> </a:t>
+            </a:r>
+            <a:r>
+              <a:rPr lang="nl-BE" dirty="0" err="1"/>
+              <a:t>the</a:t>
+            </a:r>
+            <a:r>
+              <a:rPr lang="nl-BE" dirty="0"/>
+              <a:t> correct alt-</a:t>
+            </a:r>
+            <a:r>
+              <a:rPr lang="nl-BE" dirty="0" err="1"/>
+              <a:t>text</a:t>
+            </a:r>
+            <a:r>
+              <a:rPr lang="nl-BE" dirty="0"/>
+              <a:t>:</a:t>
+            </a:r>
+          </a:p>
+          <a:p>
+            <a:endParaRPr lang="nl-BE" dirty="0"/>
+          </a:p>
+          <a:p>
+            <a:endParaRPr lang="nl-BE" dirty="0"/>
+          </a:p>
+          <a:p>
+            <a:endParaRPr lang="nl-BE" dirty="0"/>
+          </a:p>
+          <a:p>
+            <a:r>
+              <a:rPr lang="nl-BE" dirty="0"/>
+              <a:t>…</a:t>
+            </a:r>
+            <a:r>
+              <a:rPr lang="nl-BE" dirty="0" err="1"/>
+              <a:t>and</a:t>
+            </a:r>
+            <a:r>
+              <a:rPr lang="nl-BE" dirty="0"/>
+              <a:t> </a:t>
+            </a:r>
+            <a:r>
+              <a:rPr lang="nl-BE" dirty="0" err="1"/>
+              <a:t>repeat</a:t>
+            </a:r>
+            <a:r>
+              <a:rPr lang="nl-BE" dirty="0"/>
+              <a:t> </a:t>
+            </a:r>
+            <a:r>
+              <a:rPr lang="nl-BE" dirty="0" err="1"/>
+              <a:t>for</a:t>
+            </a:r>
+            <a:r>
+              <a:rPr lang="nl-BE" dirty="0"/>
+              <a:t> </a:t>
+            </a:r>
+            <a:r>
+              <a:rPr lang="nl-BE" dirty="0" err="1"/>
+              <a:t>every</a:t>
+            </a:r>
+            <a:r>
+              <a:rPr lang="nl-BE" dirty="0"/>
+              <a:t> </a:t>
+            </a:r>
+            <a:r>
+              <a:rPr lang="nl-BE" dirty="0" err="1"/>
+              <a:t>day</a:t>
+            </a:r>
+            <a:r>
+              <a:rPr lang="nl-BE" dirty="0"/>
+              <a:t> in a range of </a:t>
+            </a:r>
+            <a:r>
+              <a:rPr lang="nl-BE" dirty="0" err="1"/>
+              <a:t>days</a:t>
+            </a:r>
+            <a:r>
+              <a:rPr lang="nl-BE" dirty="0"/>
+              <a:t>…</a:t>
+            </a:r>
+            <a:endParaRPr lang="en-US" dirty="0"/>
+          </a:p>
+        </p:txBody>
+      </p:sp>
+      <p:sp>
+        <p:nvSpPr>
+          <p:cNvPr id="9" name="TextBox 8">
             <a:extLst>
               <a:ext uri="{FF2B5EF4-FFF2-40B4-BE49-F238E27FC236}">
-                <a16:creationId xmlns:a16="http://schemas.microsoft.com/office/drawing/2014/main" id="{7E4D1CF3-0E6B-4CB5-91E6-F44231A6D5AC}"/>
+                <a16:creationId xmlns:a16="http://schemas.microsoft.com/office/drawing/2014/main" id="{8BA2D617-09BC-4062-A60C-BE10DE2EBD04}"/>
               </a:ext>
             </a:extLst>
           </p:cNvPr>
-          <p:cNvSpPr/>
+          <p:cNvSpPr txBox="1"/>
           <p:nvPr/>
         </p:nvSpPr>
         <p:spPr>
           <a:xfrm>
-            <a:off x="838200" y="3591640"/>
-            <a:ext cx="4815348" cy="2585323"/>
+            <a:off x="528447" y="2662517"/>
+            <a:ext cx="11135106" cy="646331"/>
           </a:xfrm>
           <a:prstGeom prst="rect">
             <a:avLst/>
           </a:prstGeom>
+          <a:noFill/>
         </p:spPr>
         <p:txBody>
           <a:bodyPr wrap="square">
@@ -6707,111 +8199,204 @@
           <a:lstStyle/>
           <a:p>
             <a:r>
-              <a:rPr lang="en-GB" dirty="0"/>
+              <a:rPr lang="en-US" sz="1800" dirty="0">
+                <a:solidFill>
+                  <a:srgbClr val="A82D00"/>
+                </a:solidFill>
+                <a:latin typeface="Lucida Console" panose="020B0609040504020204" pitchFamily="49" charset="0"/>
+              </a:rPr>
+              <a:t>$</a:t>
+            </a:r>
+            <a:r>
+              <a:rPr lang="en-US" sz="1800" dirty="0" err="1">
+                <a:solidFill>
+                  <a:srgbClr val="A82D00"/>
+                </a:solidFill>
+                <a:latin typeface="Lucida Console" panose="020B0609040504020204" pitchFamily="49" charset="0"/>
+              </a:rPr>
+              <a:t>uri</a:t>
+            </a:r>
+            <a:r>
+              <a:rPr lang="en-US" sz="1800" dirty="0">
+                <a:solidFill>
+                  <a:prstClr val="black"/>
+                </a:solidFill>
+                <a:latin typeface="Lucida Console" panose="020B0609040504020204" pitchFamily="49" charset="0"/>
+              </a:rPr>
               <a:t> </a:t>
             </a:r>
             <a:r>
-              <a:rPr lang="en-GB" dirty="0">
-                <a:solidFill>
-                  <a:srgbClr val="FF4500"/>
-                </a:solidFill>
-                <a:latin typeface="Lucida Console" panose="020B0609040504020204" pitchFamily="49" charset="0"/>
-              </a:rPr>
-              <a:t>$date</a:t>
-            </a:r>
-            <a:r>
-              <a:rPr lang="en-GB" dirty="0">
+              <a:rPr lang="en-US" sz="1800" dirty="0">
+                <a:solidFill>
+                  <a:srgbClr val="696969"/>
+                </a:solidFill>
+                <a:latin typeface="Lucida Console" panose="020B0609040504020204" pitchFamily="49" charset="0"/>
+              </a:rPr>
+              <a:t>=</a:t>
+            </a:r>
+            <a:r>
+              <a:rPr lang="en-US" sz="1800" dirty="0">
                 <a:solidFill>
                   <a:prstClr val="black"/>
                 </a:solidFill>
                 <a:latin typeface="Lucida Console" panose="020B0609040504020204" pitchFamily="49" charset="0"/>
               </a:rPr>
+              <a:t> (</a:t>
+            </a:r>
+            <a:r>
+              <a:rPr lang="en-US" sz="1800" dirty="0">
+                <a:solidFill>
+                  <a:srgbClr val="A82D00"/>
+                </a:solidFill>
+                <a:latin typeface="Lucida Console" panose="020B0609040504020204" pitchFamily="49" charset="0"/>
+              </a:rPr>
+              <a:t>$</a:t>
+            </a:r>
+            <a:r>
+              <a:rPr lang="en-US" sz="1800" dirty="0" err="1">
+                <a:solidFill>
+                  <a:srgbClr val="A82D00"/>
+                </a:solidFill>
+                <a:latin typeface="Lucida Console" panose="020B0609040504020204" pitchFamily="49" charset="0"/>
+              </a:rPr>
+              <a:t>var</a:t>
+            </a:r>
+            <a:r>
+              <a:rPr lang="en-US" sz="1800" dirty="0" err="1">
+                <a:solidFill>
+                  <a:srgbClr val="696969"/>
+                </a:solidFill>
+                <a:latin typeface="Lucida Console" panose="020B0609040504020204" pitchFamily="49" charset="0"/>
+              </a:rPr>
+              <a:t>.</a:t>
+            </a:r>
+            <a:r>
+              <a:rPr lang="en-US" sz="1800" dirty="0" err="1">
+                <a:solidFill>
+                  <a:prstClr val="black"/>
+                </a:solidFill>
+                <a:latin typeface="Lucida Console" panose="020B0609040504020204" pitchFamily="49" charset="0"/>
+              </a:rPr>
+              <a:t>Images</a:t>
+            </a:r>
+            <a:r>
+              <a:rPr lang="en-US" sz="1800" dirty="0">
+                <a:solidFill>
+                  <a:prstClr val="black"/>
+                </a:solidFill>
+                <a:latin typeface="Lucida Console" panose="020B0609040504020204" pitchFamily="49" charset="0"/>
+              </a:rPr>
               <a:t> </a:t>
             </a:r>
             <a:r>
-              <a:rPr lang="en-GB" dirty="0">
-                <a:solidFill>
-                  <a:srgbClr val="A9A9A9"/>
-                </a:solidFill>
-                <a:latin typeface="Lucida Console" panose="020B0609040504020204" pitchFamily="49" charset="0"/>
-              </a:rPr>
-              <a:t>=</a:t>
-            </a:r>
-            <a:r>
-              <a:rPr lang="en-GB" dirty="0">
+              <a:rPr lang="en-US" sz="1800" dirty="0">
+                <a:solidFill>
+                  <a:srgbClr val="696969"/>
+                </a:solidFill>
+                <a:latin typeface="Lucida Console" panose="020B0609040504020204" pitchFamily="49" charset="0"/>
+              </a:rPr>
+              <a:t>|</a:t>
+            </a:r>
+            <a:r>
+              <a:rPr lang="en-US" sz="1800" dirty="0">
                 <a:solidFill>
                   <a:prstClr val="black"/>
                 </a:solidFill>
                 <a:latin typeface="Lucida Console" panose="020B0609040504020204" pitchFamily="49" charset="0"/>
               </a:rPr>
-              <a:t> (</a:t>
-            </a:r>
-            <a:r>
-              <a:rPr lang="en-GB" dirty="0">
+              <a:t> </a:t>
+            </a:r>
+            <a:r>
+              <a:rPr lang="en-US" sz="1800" dirty="0">
                 <a:solidFill>
                   <a:srgbClr val="0000FF"/>
                 </a:solidFill>
                 <a:latin typeface="Lucida Console" panose="020B0609040504020204" pitchFamily="49" charset="0"/>
               </a:rPr>
-              <a:t>Get-Date</a:t>
-            </a:r>
-            <a:r>
-              <a:rPr lang="en-GB" dirty="0">
+              <a:t>Where-Object</a:t>
+            </a:r>
+            <a:r>
+              <a:rPr lang="en-US" sz="1800" dirty="0">
                 <a:solidFill>
                   <a:prstClr val="black"/>
                 </a:solidFill>
                 <a:latin typeface="Lucida Console" panose="020B0609040504020204" pitchFamily="49" charset="0"/>
               </a:rPr>
+              <a:t> </a:t>
+            </a:r>
+            <a:r>
+              <a:rPr lang="en-US" sz="1800" dirty="0">
+                <a:solidFill>
+                  <a:srgbClr val="8A2BE2"/>
+                </a:solidFill>
+                <a:latin typeface="Lucida Console" panose="020B0609040504020204" pitchFamily="49" charset="0"/>
+              </a:rPr>
+              <a:t>alt</a:t>
+            </a:r>
+            <a:r>
+              <a:rPr lang="en-US" sz="1800" dirty="0">
+                <a:solidFill>
+                  <a:prstClr val="black"/>
+                </a:solidFill>
+                <a:latin typeface="Lucida Console" panose="020B0609040504020204" pitchFamily="49" charset="0"/>
+              </a:rPr>
+              <a:t> </a:t>
+            </a:r>
+            <a:r>
+              <a:rPr lang="en-US" sz="1800" dirty="0">
+                <a:solidFill>
+                  <a:srgbClr val="000080"/>
+                </a:solidFill>
+                <a:latin typeface="Lucida Console" panose="020B0609040504020204" pitchFamily="49" charset="0"/>
+              </a:rPr>
+              <a:t>-like</a:t>
+            </a:r>
+            <a:r>
+              <a:rPr lang="en-US" sz="1800" dirty="0">
+                <a:solidFill>
+                  <a:prstClr val="black"/>
+                </a:solidFill>
+                <a:latin typeface="Lucida Console" panose="020B0609040504020204" pitchFamily="49" charset="0"/>
+              </a:rPr>
+              <a:t> </a:t>
+            </a:r>
+            <a:r>
+              <a:rPr lang="en-US" sz="1800" dirty="0">
+                <a:solidFill>
+                  <a:srgbClr val="8B0000"/>
+                </a:solidFill>
+                <a:latin typeface="Lucida Console" panose="020B0609040504020204" pitchFamily="49" charset="0"/>
+              </a:rPr>
+              <a:t>"Garfield Comic Strip for*"</a:t>
+            </a:r>
+            <a:r>
+              <a:rPr lang="en-US" sz="1800" dirty="0">
+                <a:solidFill>
+                  <a:prstClr val="black"/>
+                </a:solidFill>
+                <a:latin typeface="Lucida Console" panose="020B0609040504020204" pitchFamily="49" charset="0"/>
+              </a:rPr>
               <a:t>)</a:t>
             </a:r>
             <a:r>
-              <a:rPr lang="en-GB" dirty="0">
-                <a:solidFill>
-                  <a:srgbClr val="A9A9A9"/>
+              <a:rPr lang="en-US" sz="1800" dirty="0">
+                <a:solidFill>
+                  <a:srgbClr val="696969"/>
                 </a:solidFill>
                 <a:latin typeface="Lucida Console" panose="020B0609040504020204" pitchFamily="49" charset="0"/>
               </a:rPr>
               <a:t>.</a:t>
             </a:r>
             <a:r>
-              <a:rPr lang="en-GB" dirty="0" err="1">
+              <a:rPr lang="en-US" sz="1800" dirty="0" err="1">
                 <a:solidFill>
                   <a:prstClr val="black"/>
                 </a:solidFill>
                 <a:latin typeface="Lucida Console" panose="020B0609040504020204" pitchFamily="49" charset="0"/>
               </a:rPr>
-              <a:t>AddDays</a:t>
-            </a:r>
-            <a:r>
-              <a:rPr lang="en-GB" dirty="0">
-                <a:solidFill>
-                  <a:prstClr val="black"/>
-                </a:solidFill>
-                <a:latin typeface="Lucida Console" panose="020B0609040504020204" pitchFamily="49" charset="0"/>
-              </a:rPr>
-              <a:t>(</a:t>
-            </a:r>
-            <a:r>
-              <a:rPr lang="en-GB" dirty="0">
-                <a:solidFill>
-                  <a:srgbClr val="800080"/>
-                </a:solidFill>
-                <a:latin typeface="Lucida Console" panose="020B0609040504020204" pitchFamily="49" charset="0"/>
-              </a:rPr>
-              <a:t>-15</a:t>
-            </a:r>
-            <a:r>
-              <a:rPr lang="en-GB" dirty="0">
-                <a:solidFill>
-                  <a:prstClr val="black"/>
-                </a:solidFill>
-                <a:latin typeface="Lucida Console" panose="020B0609040504020204" pitchFamily="49" charset="0"/>
-              </a:rPr>
-              <a:t>)</a:t>
-            </a:r>
-          </a:p>
-          <a:p>
-            <a:endParaRPr lang="en-GB" dirty="0">
+              <a:t>src</a:t>
+            </a:r>
+            <a:endParaRPr lang="en-US" sz="1800" dirty="0">
               <a:solidFill>
                 <a:prstClr val="black"/>
               </a:solidFill>
@@ -6820,87 +8405,97 @@
           </a:p>
           <a:p>
             <a:r>
-              <a:rPr lang="en-GB" dirty="0">
-                <a:solidFill>
-                  <a:srgbClr val="00008B"/>
-                </a:solidFill>
-                <a:latin typeface="Lucida Console" panose="020B0609040504020204" pitchFamily="49" charset="0"/>
-              </a:rPr>
-              <a:t>do</a:t>
-            </a:r>
-            <a:endParaRPr lang="en-GB" dirty="0">
-              <a:solidFill>
-                <a:prstClr val="black"/>
-              </a:solidFill>
-              <a:latin typeface="Lucida Console" panose="020B0609040504020204" pitchFamily="49" charset="0"/>
-            </a:endParaRPr>
-          </a:p>
-          <a:p>
-            <a:r>
-              <a:rPr lang="en-GB" dirty="0">
+              <a:rPr lang="en-US" sz="1800" dirty="0">
+                <a:solidFill>
+                  <a:srgbClr val="0000FF"/>
+                </a:solidFill>
+                <a:latin typeface="Lucida Console" panose="020B0609040504020204" pitchFamily="49" charset="0"/>
+              </a:rPr>
+              <a:t>Invoke-</a:t>
+            </a:r>
+            <a:r>
+              <a:rPr lang="en-US" sz="1800" dirty="0" err="1">
+                <a:solidFill>
+                  <a:srgbClr val="0000FF"/>
+                </a:solidFill>
+                <a:latin typeface="Lucida Console" panose="020B0609040504020204" pitchFamily="49" charset="0"/>
+              </a:rPr>
+              <a:t>WebRequest</a:t>
+            </a:r>
+            <a:r>
+              <a:rPr lang="en-US" sz="1800" dirty="0">
                 <a:solidFill>
                   <a:prstClr val="black"/>
                 </a:solidFill>
                 <a:latin typeface="Lucida Console" panose="020B0609040504020204" pitchFamily="49" charset="0"/>
               </a:rPr>
-              <a:t>{</a:t>
-            </a:r>
-          </a:p>
-          <a:p>
-            <a:r>
-              <a:rPr lang="en-GB" dirty="0">
+              <a:t> </a:t>
+            </a:r>
+            <a:r>
+              <a:rPr lang="en-US" sz="1800" dirty="0">
+                <a:solidFill>
+                  <a:srgbClr val="000080"/>
+                </a:solidFill>
+                <a:latin typeface="Lucida Console" panose="020B0609040504020204" pitchFamily="49" charset="0"/>
+              </a:rPr>
+              <a:t>-Uri</a:t>
+            </a:r>
+            <a:r>
+              <a:rPr lang="en-US" sz="1800" dirty="0">
                 <a:solidFill>
                   <a:prstClr val="black"/>
                 </a:solidFill>
                 <a:latin typeface="Lucida Console" panose="020B0609040504020204" pitchFamily="49" charset="0"/>
               </a:rPr>
-              <a:t>    </a:t>
-            </a:r>
-            <a:r>
-              <a:rPr lang="en-GB" dirty="0">
-                <a:solidFill>
-                  <a:srgbClr val="FF4500"/>
-                </a:solidFill>
-                <a:latin typeface="Lucida Console" panose="020B0609040504020204" pitchFamily="49" charset="0"/>
-              </a:rPr>
-              <a:t>$date</a:t>
-            </a:r>
-            <a:endParaRPr lang="en-GB" dirty="0">
-              <a:solidFill>
-                <a:prstClr val="black"/>
-              </a:solidFill>
-              <a:latin typeface="Lucida Console" panose="020B0609040504020204" pitchFamily="49" charset="0"/>
-            </a:endParaRPr>
-          </a:p>
-          <a:p>
-            <a:endParaRPr lang="en-GB" dirty="0">
-              <a:solidFill>
-                <a:prstClr val="black"/>
-              </a:solidFill>
-              <a:latin typeface="Lucida Console" panose="020B0609040504020204" pitchFamily="49" charset="0"/>
-            </a:endParaRPr>
-          </a:p>
-          <a:p>
-            <a:r>
-              <a:rPr lang="en-GB" dirty="0">
+              <a:t> </a:t>
+            </a:r>
+            <a:r>
+              <a:rPr lang="en-US" sz="1800" dirty="0">
+                <a:solidFill>
+                  <a:srgbClr val="A82D00"/>
+                </a:solidFill>
+                <a:latin typeface="Lucida Console" panose="020B0609040504020204" pitchFamily="49" charset="0"/>
+              </a:rPr>
+              <a:t>$</a:t>
+            </a:r>
+            <a:r>
+              <a:rPr lang="en-US" sz="1800" dirty="0" err="1">
+                <a:solidFill>
+                  <a:srgbClr val="A82D00"/>
+                </a:solidFill>
+                <a:latin typeface="Lucida Console" panose="020B0609040504020204" pitchFamily="49" charset="0"/>
+              </a:rPr>
+              <a:t>uri</a:t>
+            </a:r>
+            <a:r>
+              <a:rPr lang="en-US" sz="1800" dirty="0">
                 <a:solidFill>
                   <a:prstClr val="black"/>
                 </a:solidFill>
                 <a:latin typeface="Lucida Console" panose="020B0609040504020204" pitchFamily="49" charset="0"/>
               </a:rPr>
-              <a:t>    </a:t>
-            </a:r>
-            <a:r>
-              <a:rPr lang="en-GB" dirty="0">
-                <a:solidFill>
-                  <a:srgbClr val="FF4500"/>
-                </a:solidFill>
-                <a:latin typeface="Lucida Console" panose="020B0609040504020204" pitchFamily="49" charset="0"/>
-              </a:rPr>
-              <a:t>$date</a:t>
-            </a:r>
-            <a:r>
-              <a:rPr lang="en-GB" dirty="0">
+              <a:t> </a:t>
+            </a:r>
+            <a:r>
+              <a:rPr lang="en-US" sz="1800" dirty="0">
+                <a:solidFill>
+                  <a:srgbClr val="000080"/>
+                </a:solidFill>
+                <a:latin typeface="Lucida Console" panose="020B0609040504020204" pitchFamily="49" charset="0"/>
+              </a:rPr>
+              <a:t>-</a:t>
+            </a:r>
+            <a:r>
+              <a:rPr lang="en-US" sz="1800" dirty="0" err="1">
+                <a:solidFill>
+                  <a:srgbClr val="000080"/>
+                </a:solidFill>
+                <a:latin typeface="Lucida Console" panose="020B0609040504020204" pitchFamily="49" charset="0"/>
+              </a:rPr>
+              <a:t>OutFile</a:t>
+            </a:r>
+            <a:r>
+              <a:rPr lang="en-US" sz="1800" dirty="0">
                 <a:solidFill>
                   <a:prstClr val="black"/>
                 </a:solidFill>
@@ -6909,244 +8504,21 @@
               <a:t> </a:t>
             </a:r>
             <a:r>
-              <a:rPr lang="en-GB" dirty="0">
-                <a:solidFill>
-                  <a:srgbClr val="A9A9A9"/>
-                </a:solidFill>
-                <a:latin typeface="Lucida Console" panose="020B0609040504020204" pitchFamily="49" charset="0"/>
-              </a:rPr>
-              <a:t>=</a:t>
-            </a:r>
-            <a:r>
-              <a:rPr lang="en-GB" dirty="0">
-                <a:solidFill>
-                  <a:prstClr val="black"/>
-                </a:solidFill>
-                <a:latin typeface="Lucida Console" panose="020B0609040504020204" pitchFamily="49" charset="0"/>
-              </a:rPr>
-              <a:t> </a:t>
-            </a:r>
-            <a:r>
-              <a:rPr lang="en-GB" dirty="0">
-                <a:solidFill>
-                  <a:srgbClr val="FF4500"/>
-                </a:solidFill>
-                <a:latin typeface="Lucida Console" panose="020B0609040504020204" pitchFamily="49" charset="0"/>
-              </a:rPr>
-              <a:t>$</a:t>
-            </a:r>
-            <a:r>
-              <a:rPr lang="en-GB" dirty="0" err="1">
-                <a:solidFill>
-                  <a:srgbClr val="FF4500"/>
-                </a:solidFill>
-                <a:latin typeface="Lucida Console" panose="020B0609040504020204" pitchFamily="49" charset="0"/>
-              </a:rPr>
-              <a:t>date</a:t>
-            </a:r>
-            <a:r>
-              <a:rPr lang="en-GB" dirty="0" err="1">
-                <a:solidFill>
-                  <a:srgbClr val="A9A9A9"/>
-                </a:solidFill>
-                <a:latin typeface="Lucida Console" panose="020B0609040504020204" pitchFamily="49" charset="0"/>
-              </a:rPr>
-              <a:t>.</a:t>
-            </a:r>
-            <a:r>
-              <a:rPr lang="en-GB" dirty="0" err="1">
-                <a:solidFill>
-                  <a:prstClr val="black"/>
-                </a:solidFill>
-                <a:latin typeface="Lucida Console" panose="020B0609040504020204" pitchFamily="49" charset="0"/>
-              </a:rPr>
-              <a:t>AddDays</a:t>
-            </a:r>
-            <a:r>
-              <a:rPr lang="en-GB" dirty="0">
-                <a:solidFill>
-                  <a:prstClr val="black"/>
-                </a:solidFill>
-                <a:latin typeface="Lucida Console" panose="020B0609040504020204" pitchFamily="49" charset="0"/>
-              </a:rPr>
-              <a:t>(</a:t>
-            </a:r>
-            <a:r>
-              <a:rPr lang="en-GB" dirty="0">
-                <a:solidFill>
-                  <a:srgbClr val="800080"/>
-                </a:solidFill>
-                <a:latin typeface="Lucida Console" panose="020B0609040504020204" pitchFamily="49" charset="0"/>
-              </a:rPr>
-              <a:t>1</a:t>
-            </a:r>
-            <a:r>
-              <a:rPr lang="en-GB" dirty="0">
-                <a:solidFill>
-                  <a:prstClr val="black"/>
-                </a:solidFill>
-                <a:latin typeface="Lucida Console" panose="020B0609040504020204" pitchFamily="49" charset="0"/>
-              </a:rPr>
-              <a:t>)</a:t>
-            </a:r>
-          </a:p>
-          <a:p>
-            <a:r>
-              <a:rPr lang="en-GB" dirty="0">
-                <a:solidFill>
-                  <a:prstClr val="black"/>
-                </a:solidFill>
-                <a:latin typeface="Lucida Console" panose="020B0609040504020204" pitchFamily="49" charset="0"/>
-              </a:rPr>
-              <a:t>}</a:t>
-            </a:r>
-          </a:p>
-          <a:p>
-            <a:r>
-              <a:rPr lang="en-US" dirty="0">
-                <a:solidFill>
-                  <a:srgbClr val="00008B"/>
-                </a:solidFill>
-                <a:latin typeface="Lucida Console" panose="020B0609040504020204" pitchFamily="49" charset="0"/>
-              </a:rPr>
-              <a:t>while</a:t>
-            </a:r>
-            <a:r>
-              <a:rPr lang="en-US" dirty="0">
-                <a:solidFill>
-                  <a:prstClr val="black"/>
-                </a:solidFill>
-                <a:latin typeface="Lucida Console" panose="020B0609040504020204" pitchFamily="49" charset="0"/>
-              </a:rPr>
-              <a:t>(((</a:t>
-            </a:r>
-            <a:r>
-              <a:rPr lang="en-US" dirty="0">
-                <a:solidFill>
-                  <a:srgbClr val="0000FF"/>
-                </a:solidFill>
-                <a:latin typeface="Lucida Console" panose="020B0609040504020204" pitchFamily="49" charset="0"/>
-              </a:rPr>
-              <a:t>Get-Date</a:t>
-            </a:r>
-            <a:r>
-              <a:rPr lang="en-US" dirty="0">
-                <a:solidFill>
-                  <a:prstClr val="black"/>
-                </a:solidFill>
-                <a:latin typeface="Lucida Console" panose="020B0609040504020204" pitchFamily="49" charset="0"/>
-              </a:rPr>
-              <a:t>)</a:t>
-            </a:r>
-            <a:r>
-              <a:rPr lang="en-US" dirty="0">
-                <a:solidFill>
-                  <a:srgbClr val="A9A9A9"/>
-                </a:solidFill>
-                <a:latin typeface="Lucida Console" panose="020B0609040504020204" pitchFamily="49" charset="0"/>
-              </a:rPr>
-              <a:t>-</a:t>
-            </a:r>
-            <a:r>
-              <a:rPr lang="en-US" dirty="0">
-                <a:solidFill>
-                  <a:srgbClr val="FF4500"/>
-                </a:solidFill>
-                <a:latin typeface="Lucida Console" panose="020B0609040504020204" pitchFamily="49" charset="0"/>
-              </a:rPr>
-              <a:t>$date</a:t>
-            </a:r>
-            <a:r>
-              <a:rPr lang="en-US" dirty="0">
-                <a:solidFill>
-                  <a:prstClr val="black"/>
-                </a:solidFill>
-                <a:latin typeface="Lucida Console" panose="020B0609040504020204" pitchFamily="49" charset="0"/>
-              </a:rPr>
-              <a:t>)</a:t>
-            </a:r>
-            <a:r>
-              <a:rPr lang="en-US" dirty="0">
-                <a:solidFill>
-                  <a:srgbClr val="A9A9A9"/>
-                </a:solidFill>
-                <a:latin typeface="Lucida Console" panose="020B0609040504020204" pitchFamily="49" charset="0"/>
-              </a:rPr>
-              <a:t>-</a:t>
-            </a:r>
-            <a:r>
-              <a:rPr lang="en-US" dirty="0" err="1">
-                <a:solidFill>
-                  <a:srgbClr val="A9A9A9"/>
-                </a:solidFill>
-                <a:latin typeface="Lucida Console" panose="020B0609040504020204" pitchFamily="49" charset="0"/>
-              </a:rPr>
-              <a:t>gt</a:t>
-            </a:r>
-            <a:r>
-              <a:rPr lang="en-US" dirty="0">
-                <a:solidFill>
-                  <a:prstClr val="black"/>
-                </a:solidFill>
-                <a:latin typeface="Lucida Console" panose="020B0609040504020204" pitchFamily="49" charset="0"/>
-              </a:rPr>
-              <a:t> </a:t>
-            </a:r>
-            <a:r>
-              <a:rPr lang="en-US" dirty="0">
-                <a:solidFill>
-                  <a:srgbClr val="800080"/>
-                </a:solidFill>
-                <a:latin typeface="Lucida Console" panose="020B0609040504020204" pitchFamily="49" charset="0"/>
-              </a:rPr>
-              <a:t>0</a:t>
-            </a:r>
-            <a:r>
-              <a:rPr lang="en-US" dirty="0">
-                <a:solidFill>
-                  <a:prstClr val="black"/>
-                </a:solidFill>
-                <a:latin typeface="Lucida Console" panose="020B0609040504020204" pitchFamily="49" charset="0"/>
-              </a:rPr>
-              <a:t>) </a:t>
-            </a:r>
-          </a:p>
-        </p:txBody>
-      </p:sp>
-      <p:pic>
-        <p:nvPicPr>
-          <p:cNvPr id="5" name="Picture 4">
-            <a:extLst>
-              <a:ext uri="{FF2B5EF4-FFF2-40B4-BE49-F238E27FC236}">
-                <a16:creationId xmlns:a16="http://schemas.microsoft.com/office/drawing/2014/main" id="{B24E83A7-D40D-49AB-9235-533291C95339}"/>
-              </a:ext>
-            </a:extLst>
-          </p:cNvPr>
-          <p:cNvPicPr>
-            <a:picLocks noChangeAspect="1"/>
-          </p:cNvPicPr>
-          <p:nvPr/>
-        </p:nvPicPr>
-        <p:blipFill>
-          <a:blip r:embed="rId2"/>
-          <a:stretch>
-            <a:fillRect/>
-          </a:stretch>
-        </p:blipFill>
-        <p:spPr>
-          <a:xfrm>
-            <a:off x="6724250" y="3439566"/>
-            <a:ext cx="3558848" cy="2865368"/>
-          </a:xfrm>
-          <a:prstGeom prst="rect">
-            <a:avLst/>
-          </a:prstGeom>
-        </p:spPr>
-      </p:pic>
+              <a:rPr lang="en-US" sz="1800" dirty="0">
+                <a:solidFill>
+                  <a:srgbClr val="8A2BE2"/>
+                </a:solidFill>
+                <a:latin typeface="Lucida Console" panose="020B0609040504020204" pitchFamily="49" charset="0"/>
+              </a:rPr>
+              <a:t>c:\tmp\g1.gif </a:t>
+            </a:r>
+          </a:p>
+        </p:txBody>
+      </p:sp>
     </p:spTree>
     <p:extLst>
       <p:ext uri="{BB962C8B-B14F-4D97-AF65-F5344CB8AC3E}">
-        <p14:creationId xmlns:p14="http://schemas.microsoft.com/office/powerpoint/2010/main" val="211508190"/>
+        <p14:creationId xmlns:p14="http://schemas.microsoft.com/office/powerpoint/2010/main" val="2779185593"/>
       </p:ext>
     </p:extLst>
   </p:cSld>
